--- a/PROINZ_TG11_4_eZgrada.pptx
+++ b/PROINZ_TG11_4_eZgrada.pptx
@@ -6,7 +6,7 @@
     <p:sldMasterId id="2147483696" r:id="rId2"/>
   </p:sldMasterIdLst>
   <p:notesMasterIdLst>
-    <p:notesMasterId r:id="rId19"/>
+    <p:notesMasterId r:id="rId18"/>
   </p:notesMasterIdLst>
   <p:sldIdLst>
     <p:sldId id="265" r:id="rId3"/>
@@ -22,9 +22,8 @@
     <p:sldId id="260" r:id="rId13"/>
     <p:sldId id="262" r:id="rId14"/>
     <p:sldId id="274" r:id="rId15"/>
-    <p:sldId id="277" r:id="rId16"/>
-    <p:sldId id="263" r:id="rId17"/>
-    <p:sldId id="264" r:id="rId18"/>
+    <p:sldId id="263" r:id="rId16"/>
+    <p:sldId id="264" r:id="rId17"/>
   </p:sldIdLst>
   <p:sldSz cx="9144000" cy="6858000" type="screen4x3"/>
   <p:notesSz cx="6858000" cy="9144000"/>
@@ -3259,11 +3258,1575 @@
 </dgm:colorsDef>
 </file>
 
+<file path=ppt/diagrams/colors5.xml><?xml version="1.0" encoding="utf-8"?>
+<dgm:colorsDef xmlns:dgm="http://schemas.openxmlformats.org/drawingml/2006/diagram" xmlns:a="http://schemas.openxmlformats.org/drawingml/2006/main" uniqueId="urn:microsoft.com/office/officeart/2005/8/colors/colorful2">
+  <dgm:title val=""/>
+  <dgm:desc val=""/>
+  <dgm:catLst>
+    <dgm:cat type="colorful" pri="10200"/>
+  </dgm:catLst>
+  <dgm:styleLbl name="node0">
+    <dgm:fillClrLst meth="repeat">
+      <a:schemeClr val="accent1"/>
+    </dgm:fillClrLst>
+    <dgm:linClrLst meth="repeat">
+      <a:schemeClr val="lt1"/>
+    </dgm:linClrLst>
+    <dgm:effectClrLst/>
+    <dgm:txLinClrLst/>
+    <dgm:txFillClrLst/>
+    <dgm:txEffectClrLst/>
+  </dgm:styleLbl>
+  <dgm:styleLbl name="node1">
+    <dgm:fillClrLst>
+      <a:schemeClr val="accent2"/>
+      <a:schemeClr val="accent3"/>
+    </dgm:fillClrLst>
+    <dgm:linClrLst meth="repeat">
+      <a:schemeClr val="lt1"/>
+    </dgm:linClrLst>
+    <dgm:effectClrLst/>
+    <dgm:txLinClrLst/>
+    <dgm:txFillClrLst/>
+    <dgm:txEffectClrLst/>
+  </dgm:styleLbl>
+  <dgm:styleLbl name="alignNode1">
+    <dgm:fillClrLst>
+      <a:schemeClr val="accent2"/>
+      <a:schemeClr val="accent3"/>
+    </dgm:fillClrLst>
+    <dgm:linClrLst>
+      <a:schemeClr val="accent2"/>
+      <a:schemeClr val="accent3"/>
+    </dgm:linClrLst>
+    <dgm:effectClrLst/>
+    <dgm:txLinClrLst/>
+    <dgm:txFillClrLst/>
+    <dgm:txEffectClrLst/>
+  </dgm:styleLbl>
+  <dgm:styleLbl name="lnNode1">
+    <dgm:fillClrLst>
+      <a:schemeClr val="accent2"/>
+      <a:schemeClr val="accent3"/>
+    </dgm:fillClrLst>
+    <dgm:linClrLst meth="repeat">
+      <a:schemeClr val="lt1"/>
+    </dgm:linClrLst>
+    <dgm:effectClrLst/>
+    <dgm:txLinClrLst/>
+    <dgm:txFillClrLst/>
+    <dgm:txEffectClrLst/>
+  </dgm:styleLbl>
+  <dgm:styleLbl name="vennNode1">
+    <dgm:fillClrLst>
+      <a:schemeClr val="accent2">
+        <a:alpha val="50000"/>
+      </a:schemeClr>
+      <a:schemeClr val="accent3">
+        <a:alpha val="50000"/>
+      </a:schemeClr>
+    </dgm:fillClrLst>
+    <dgm:linClrLst meth="repeat">
+      <a:schemeClr val="lt1"/>
+    </dgm:linClrLst>
+    <dgm:effectClrLst/>
+    <dgm:txLinClrLst/>
+    <dgm:txFillClrLst/>
+    <dgm:txEffectClrLst/>
+  </dgm:styleLbl>
+  <dgm:styleLbl name="node2">
+    <dgm:fillClrLst>
+      <a:schemeClr val="accent3"/>
+    </dgm:fillClrLst>
+    <dgm:linClrLst meth="repeat">
+      <a:schemeClr val="lt1"/>
+    </dgm:linClrLst>
+    <dgm:effectClrLst/>
+    <dgm:txLinClrLst/>
+    <dgm:txFillClrLst/>
+    <dgm:txEffectClrLst/>
+  </dgm:styleLbl>
+  <dgm:styleLbl name="node3">
+    <dgm:fillClrLst>
+      <a:schemeClr val="accent4"/>
+    </dgm:fillClrLst>
+    <dgm:linClrLst meth="repeat">
+      <a:schemeClr val="lt1"/>
+    </dgm:linClrLst>
+    <dgm:effectClrLst/>
+    <dgm:txLinClrLst/>
+    <dgm:txFillClrLst/>
+    <dgm:txEffectClrLst/>
+  </dgm:styleLbl>
+  <dgm:styleLbl name="node4">
+    <dgm:fillClrLst>
+      <a:schemeClr val="accent5"/>
+    </dgm:fillClrLst>
+    <dgm:linClrLst meth="repeat">
+      <a:schemeClr val="lt1"/>
+    </dgm:linClrLst>
+    <dgm:effectClrLst/>
+    <dgm:txLinClrLst/>
+    <dgm:txFillClrLst/>
+    <dgm:txEffectClrLst/>
+  </dgm:styleLbl>
+  <dgm:styleLbl name="fgImgPlace1">
+    <dgm:fillClrLst>
+      <a:schemeClr val="accent2">
+        <a:tint val="50000"/>
+      </a:schemeClr>
+      <a:schemeClr val="accent3">
+        <a:tint val="50000"/>
+      </a:schemeClr>
+    </dgm:fillClrLst>
+    <dgm:linClrLst meth="repeat">
+      <a:schemeClr val="lt1"/>
+    </dgm:linClrLst>
+    <dgm:effectClrLst/>
+    <dgm:txLinClrLst/>
+    <dgm:txFillClrLst meth="repeat">
+      <a:schemeClr val="lt1"/>
+    </dgm:txFillClrLst>
+    <dgm:txEffectClrLst/>
+  </dgm:styleLbl>
+  <dgm:styleLbl name="alignImgPlace1">
+    <dgm:fillClrLst>
+      <a:schemeClr val="accent2">
+        <a:tint val="50000"/>
+      </a:schemeClr>
+      <a:schemeClr val="accent3">
+        <a:tint val="20000"/>
+      </a:schemeClr>
+    </dgm:fillClrLst>
+    <dgm:linClrLst meth="repeat">
+      <a:schemeClr val="lt1"/>
+    </dgm:linClrLst>
+    <dgm:effectClrLst/>
+    <dgm:txLinClrLst/>
+    <dgm:txFillClrLst meth="repeat">
+      <a:schemeClr val="lt1"/>
+    </dgm:txFillClrLst>
+    <dgm:txEffectClrLst/>
+  </dgm:styleLbl>
+  <dgm:styleLbl name="bgImgPlace1">
+    <dgm:fillClrLst>
+      <a:schemeClr val="accent2">
+        <a:tint val="50000"/>
+      </a:schemeClr>
+      <a:schemeClr val="accent3">
+        <a:tint val="20000"/>
+      </a:schemeClr>
+    </dgm:fillClrLst>
+    <dgm:linClrLst meth="repeat">
+      <a:schemeClr val="lt1"/>
+    </dgm:linClrLst>
+    <dgm:effectClrLst/>
+    <dgm:txLinClrLst/>
+    <dgm:txFillClrLst meth="repeat">
+      <a:schemeClr val="lt1"/>
+    </dgm:txFillClrLst>
+    <dgm:txEffectClrLst/>
+  </dgm:styleLbl>
+  <dgm:styleLbl name="sibTrans2D1">
+    <dgm:fillClrLst>
+      <a:schemeClr val="accent2"/>
+      <a:schemeClr val="accent3"/>
+    </dgm:fillClrLst>
+    <dgm:linClrLst meth="repeat">
+      <a:schemeClr val="lt1"/>
+    </dgm:linClrLst>
+    <dgm:effectClrLst/>
+    <dgm:txLinClrLst/>
+    <dgm:txFillClrLst/>
+    <dgm:txEffectClrLst/>
+  </dgm:styleLbl>
+  <dgm:styleLbl name="fgSibTrans2D1">
+    <dgm:fillClrLst>
+      <a:schemeClr val="accent2"/>
+      <a:schemeClr val="accent3"/>
+    </dgm:fillClrLst>
+    <dgm:linClrLst meth="repeat">
+      <a:schemeClr val="lt1"/>
+    </dgm:linClrLst>
+    <dgm:effectClrLst/>
+    <dgm:txLinClrLst/>
+    <dgm:txFillClrLst meth="repeat">
+      <a:schemeClr val="lt1"/>
+    </dgm:txFillClrLst>
+    <dgm:txEffectClrLst/>
+  </dgm:styleLbl>
+  <dgm:styleLbl name="bgSibTrans2D1">
+    <dgm:fillClrLst>
+      <a:schemeClr val="accent2"/>
+      <a:schemeClr val="accent3"/>
+    </dgm:fillClrLst>
+    <dgm:linClrLst meth="repeat">
+      <a:schemeClr val="lt1"/>
+    </dgm:linClrLst>
+    <dgm:effectClrLst/>
+    <dgm:txLinClrLst/>
+    <dgm:txFillClrLst meth="repeat">
+      <a:schemeClr val="lt1"/>
+    </dgm:txFillClrLst>
+    <dgm:txEffectClrLst/>
+  </dgm:styleLbl>
+  <dgm:styleLbl name="sibTrans1D1">
+    <dgm:fillClrLst/>
+    <dgm:linClrLst>
+      <a:schemeClr val="accent2"/>
+      <a:schemeClr val="accent3"/>
+    </dgm:linClrLst>
+    <dgm:effectClrLst/>
+    <dgm:txLinClrLst/>
+    <dgm:txFillClrLst meth="repeat">
+      <a:schemeClr val="tx1"/>
+    </dgm:txFillClrLst>
+    <dgm:txEffectClrLst/>
+  </dgm:styleLbl>
+  <dgm:styleLbl name="callout">
+    <dgm:fillClrLst meth="repeat">
+      <a:schemeClr val="accent2"/>
+    </dgm:fillClrLst>
+    <dgm:linClrLst meth="repeat">
+      <a:schemeClr val="accent2">
+        <a:tint val="50000"/>
+      </a:schemeClr>
+    </dgm:linClrLst>
+    <dgm:effectClrLst/>
+    <dgm:txLinClrLst/>
+    <dgm:txFillClrLst meth="repeat">
+      <a:schemeClr val="tx1"/>
+    </dgm:txFillClrLst>
+    <dgm:txEffectClrLst/>
+  </dgm:styleLbl>
+  <dgm:styleLbl name="asst0">
+    <dgm:fillClrLst meth="repeat">
+      <a:schemeClr val="accent2"/>
+    </dgm:fillClrLst>
+    <dgm:linClrLst meth="repeat">
+      <a:schemeClr val="lt1">
+        <a:shade val="80000"/>
+      </a:schemeClr>
+    </dgm:linClrLst>
+    <dgm:effectClrLst/>
+    <dgm:txLinClrLst/>
+    <dgm:txFillClrLst/>
+    <dgm:txEffectClrLst/>
+  </dgm:styleLbl>
+  <dgm:styleLbl name="asst1">
+    <dgm:fillClrLst meth="repeat">
+      <a:schemeClr val="accent3"/>
+    </dgm:fillClrLst>
+    <dgm:linClrLst meth="repeat">
+      <a:schemeClr val="lt1">
+        <a:shade val="80000"/>
+      </a:schemeClr>
+    </dgm:linClrLst>
+    <dgm:effectClrLst/>
+    <dgm:txLinClrLst/>
+    <dgm:txFillClrLst/>
+    <dgm:txEffectClrLst/>
+  </dgm:styleLbl>
+  <dgm:styleLbl name="asst2">
+    <dgm:fillClrLst>
+      <a:schemeClr val="accent4"/>
+    </dgm:fillClrLst>
+    <dgm:linClrLst meth="repeat">
+      <a:schemeClr val="lt1"/>
+    </dgm:linClrLst>
+    <dgm:effectClrLst/>
+    <dgm:txLinClrLst/>
+    <dgm:txFillClrLst/>
+    <dgm:txEffectClrLst/>
+  </dgm:styleLbl>
+  <dgm:styleLbl name="asst3">
+    <dgm:fillClrLst>
+      <a:schemeClr val="accent5"/>
+    </dgm:fillClrLst>
+    <dgm:linClrLst meth="repeat">
+      <a:schemeClr val="lt1"/>
+    </dgm:linClrLst>
+    <dgm:effectClrLst/>
+    <dgm:txLinClrLst/>
+    <dgm:txFillClrLst/>
+    <dgm:txEffectClrLst/>
+  </dgm:styleLbl>
+  <dgm:styleLbl name="asst4">
+    <dgm:fillClrLst>
+      <a:schemeClr val="accent6"/>
+    </dgm:fillClrLst>
+    <dgm:linClrLst meth="repeat">
+      <a:schemeClr val="lt1"/>
+    </dgm:linClrLst>
+    <dgm:effectClrLst/>
+    <dgm:txLinClrLst/>
+    <dgm:txFillClrLst/>
+    <dgm:txEffectClrLst/>
+  </dgm:styleLbl>
+  <dgm:styleLbl name="parChTrans2D1">
+    <dgm:fillClrLst meth="repeat">
+      <a:schemeClr val="accent2"/>
+    </dgm:fillClrLst>
+    <dgm:linClrLst meth="repeat">
+      <a:schemeClr val="lt1"/>
+    </dgm:linClrLst>
+    <dgm:effectClrLst/>
+    <dgm:txLinClrLst/>
+    <dgm:txFillClrLst meth="repeat">
+      <a:schemeClr val="lt1"/>
+    </dgm:txFillClrLst>
+    <dgm:txEffectClrLst/>
+  </dgm:styleLbl>
+  <dgm:styleLbl name="parChTrans2D2">
+    <dgm:fillClrLst meth="repeat">
+      <a:schemeClr val="accent3"/>
+    </dgm:fillClrLst>
+    <dgm:linClrLst meth="repeat">
+      <a:schemeClr val="lt1"/>
+    </dgm:linClrLst>
+    <dgm:effectClrLst/>
+    <dgm:txLinClrLst/>
+    <dgm:txFillClrLst/>
+    <dgm:txEffectClrLst/>
+  </dgm:styleLbl>
+  <dgm:styleLbl name="parChTrans2D3">
+    <dgm:fillClrLst meth="repeat">
+      <a:schemeClr val="accent4"/>
+    </dgm:fillClrLst>
+    <dgm:linClrLst meth="repeat">
+      <a:schemeClr val="lt1"/>
+    </dgm:linClrLst>
+    <dgm:effectClrLst/>
+    <dgm:txLinClrLst/>
+    <dgm:txFillClrLst/>
+    <dgm:txEffectClrLst/>
+  </dgm:styleLbl>
+  <dgm:styleLbl name="parChTrans2D4">
+    <dgm:fillClrLst meth="repeat">
+      <a:schemeClr val="accent5"/>
+    </dgm:fillClrLst>
+    <dgm:linClrLst meth="repeat">
+      <a:schemeClr val="lt1"/>
+    </dgm:linClrLst>
+    <dgm:effectClrLst/>
+    <dgm:txLinClrLst/>
+    <dgm:txFillClrLst meth="repeat">
+      <a:schemeClr val="lt1"/>
+    </dgm:txFillClrLst>
+    <dgm:txEffectClrLst/>
+  </dgm:styleLbl>
+  <dgm:styleLbl name="parChTrans1D1">
+    <dgm:fillClrLst meth="repeat">
+      <a:schemeClr val="accent2"/>
+    </dgm:fillClrLst>
+    <dgm:linClrLst meth="repeat">
+      <a:schemeClr val="accent2"/>
+    </dgm:linClrLst>
+    <dgm:effectClrLst/>
+    <dgm:txLinClrLst/>
+    <dgm:txFillClrLst meth="repeat">
+      <a:schemeClr val="tx1"/>
+    </dgm:txFillClrLst>
+    <dgm:txEffectClrLst/>
+  </dgm:styleLbl>
+  <dgm:styleLbl name="parChTrans1D2">
+    <dgm:fillClrLst meth="repeat">
+      <a:schemeClr val="accent2">
+        <a:tint val="90000"/>
+      </a:schemeClr>
+    </dgm:fillClrLst>
+    <dgm:linClrLst meth="repeat">
+      <a:schemeClr val="accent3"/>
+    </dgm:linClrLst>
+    <dgm:effectClrLst/>
+    <dgm:txLinClrLst/>
+    <dgm:txFillClrLst meth="repeat">
+      <a:schemeClr val="tx1"/>
+    </dgm:txFillClrLst>
+    <dgm:txEffectClrLst/>
+  </dgm:styleLbl>
+  <dgm:styleLbl name="parChTrans1D3">
+    <dgm:fillClrLst meth="repeat">
+      <a:schemeClr val="accent2">
+        <a:tint val="70000"/>
+      </a:schemeClr>
+    </dgm:fillClrLst>
+    <dgm:linClrLst meth="repeat">
+      <a:schemeClr val="accent4"/>
+    </dgm:linClrLst>
+    <dgm:effectClrLst/>
+    <dgm:txLinClrLst/>
+    <dgm:txFillClrLst meth="repeat">
+      <a:schemeClr val="tx1"/>
+    </dgm:txFillClrLst>
+    <dgm:txEffectClrLst/>
+  </dgm:styleLbl>
+  <dgm:styleLbl name="parChTrans1D4">
+    <dgm:fillClrLst meth="repeat">
+      <a:schemeClr val="accent2">
+        <a:tint val="50000"/>
+      </a:schemeClr>
+    </dgm:fillClrLst>
+    <dgm:linClrLst meth="repeat">
+      <a:schemeClr val="accent5"/>
+    </dgm:linClrLst>
+    <dgm:effectClrLst/>
+    <dgm:txLinClrLst/>
+    <dgm:txFillClrLst meth="repeat">
+      <a:schemeClr val="tx1"/>
+    </dgm:txFillClrLst>
+    <dgm:txEffectClrLst/>
+  </dgm:styleLbl>
+  <dgm:styleLbl name="fgAcc1">
+    <dgm:fillClrLst meth="repeat">
+      <a:schemeClr val="lt1">
+        <a:alpha val="90000"/>
+      </a:schemeClr>
+    </dgm:fillClrLst>
+    <dgm:linClrLst>
+      <a:schemeClr val="accent2"/>
+      <a:schemeClr val="accent3"/>
+    </dgm:linClrLst>
+    <dgm:effectClrLst/>
+    <dgm:txLinClrLst/>
+    <dgm:txFillClrLst meth="repeat">
+      <a:schemeClr val="dk1"/>
+    </dgm:txFillClrLst>
+    <dgm:txEffectClrLst/>
+  </dgm:styleLbl>
+  <dgm:styleLbl name="conFgAcc1">
+    <dgm:fillClrLst meth="repeat">
+      <a:schemeClr val="lt1">
+        <a:alpha val="90000"/>
+      </a:schemeClr>
+    </dgm:fillClrLst>
+    <dgm:linClrLst>
+      <a:schemeClr val="accent2"/>
+      <a:schemeClr val="accent3"/>
+    </dgm:linClrLst>
+    <dgm:effectClrLst/>
+    <dgm:txLinClrLst/>
+    <dgm:txFillClrLst meth="repeat">
+      <a:schemeClr val="dk1"/>
+    </dgm:txFillClrLst>
+    <dgm:txEffectClrLst/>
+  </dgm:styleLbl>
+  <dgm:styleLbl name="alignAcc1">
+    <dgm:fillClrLst meth="repeat">
+      <a:schemeClr val="lt1">
+        <a:alpha val="90000"/>
+      </a:schemeClr>
+    </dgm:fillClrLst>
+    <dgm:linClrLst>
+      <a:schemeClr val="accent2"/>
+      <a:schemeClr val="accent3"/>
+    </dgm:linClrLst>
+    <dgm:effectClrLst/>
+    <dgm:txLinClrLst/>
+    <dgm:txFillClrLst meth="repeat">
+      <a:schemeClr val="dk1"/>
+    </dgm:txFillClrLst>
+    <dgm:txEffectClrLst/>
+  </dgm:styleLbl>
+  <dgm:styleLbl name="trAlignAcc1">
+    <dgm:fillClrLst meth="repeat">
+      <a:schemeClr val="lt1">
+        <a:alpha val="40000"/>
+      </a:schemeClr>
+    </dgm:fillClrLst>
+    <dgm:linClrLst meth="repeat">
+      <a:schemeClr val="accent2"/>
+    </dgm:linClrLst>
+    <dgm:effectClrLst/>
+    <dgm:txLinClrLst/>
+    <dgm:txFillClrLst meth="repeat">
+      <a:schemeClr val="dk1"/>
+    </dgm:txFillClrLst>
+    <dgm:txEffectClrLst/>
+  </dgm:styleLbl>
+  <dgm:styleLbl name="bgAcc1">
+    <dgm:fillClrLst meth="repeat">
+      <a:schemeClr val="lt1">
+        <a:alpha val="90000"/>
+      </a:schemeClr>
+    </dgm:fillClrLst>
+    <dgm:linClrLst>
+      <a:schemeClr val="accent2"/>
+      <a:schemeClr val="accent3"/>
+    </dgm:linClrLst>
+    <dgm:effectClrLst/>
+    <dgm:txLinClrLst/>
+    <dgm:txFillClrLst meth="repeat">
+      <a:schemeClr val="dk1"/>
+    </dgm:txFillClrLst>
+    <dgm:txEffectClrLst/>
+  </dgm:styleLbl>
+  <dgm:styleLbl name="solidFgAcc1">
+    <dgm:fillClrLst meth="repeat">
+      <a:schemeClr val="lt1"/>
+    </dgm:fillClrLst>
+    <dgm:linClrLst>
+      <a:schemeClr val="accent2"/>
+      <a:schemeClr val="accent3"/>
+    </dgm:linClrLst>
+    <dgm:effectClrLst/>
+    <dgm:txLinClrLst/>
+    <dgm:txFillClrLst meth="repeat">
+      <a:schemeClr val="dk1"/>
+    </dgm:txFillClrLst>
+    <dgm:txEffectClrLst/>
+  </dgm:styleLbl>
+  <dgm:styleLbl name="solidAlignAcc1">
+    <dgm:fillClrLst meth="repeat">
+      <a:schemeClr val="lt1"/>
+    </dgm:fillClrLst>
+    <dgm:linClrLst>
+      <a:schemeClr val="accent2"/>
+      <a:schemeClr val="accent3"/>
+    </dgm:linClrLst>
+    <dgm:effectClrLst/>
+    <dgm:txLinClrLst/>
+    <dgm:txFillClrLst meth="repeat">
+      <a:schemeClr val="dk1"/>
+    </dgm:txFillClrLst>
+    <dgm:txEffectClrLst/>
+  </dgm:styleLbl>
+  <dgm:styleLbl name="solidBgAcc1">
+    <dgm:fillClrLst meth="repeat">
+      <a:schemeClr val="lt1"/>
+    </dgm:fillClrLst>
+    <dgm:linClrLst>
+      <a:schemeClr val="accent2"/>
+      <a:schemeClr val="accent3"/>
+    </dgm:linClrLst>
+    <dgm:effectClrLst/>
+    <dgm:txLinClrLst/>
+    <dgm:txFillClrLst meth="repeat">
+      <a:schemeClr val="dk1"/>
+    </dgm:txFillClrLst>
+    <dgm:txEffectClrLst/>
+  </dgm:styleLbl>
+  <dgm:styleLbl name="fgAccFollowNode1">
+    <dgm:fillClrLst>
+      <a:schemeClr val="accent2">
+        <a:tint val="40000"/>
+        <a:alpha val="90000"/>
+      </a:schemeClr>
+      <a:schemeClr val="accent3">
+        <a:tint val="40000"/>
+        <a:alpha val="90000"/>
+      </a:schemeClr>
+    </dgm:fillClrLst>
+    <dgm:linClrLst>
+      <a:schemeClr val="accent2">
+        <a:tint val="40000"/>
+        <a:alpha val="90000"/>
+      </a:schemeClr>
+      <a:schemeClr val="accent3">
+        <a:tint val="40000"/>
+        <a:alpha val="90000"/>
+      </a:schemeClr>
+    </dgm:linClrLst>
+    <dgm:effectClrLst/>
+    <dgm:txLinClrLst/>
+    <dgm:txFillClrLst meth="repeat">
+      <a:schemeClr val="dk1"/>
+    </dgm:txFillClrLst>
+    <dgm:txEffectClrLst/>
+  </dgm:styleLbl>
+  <dgm:styleLbl name="alignAccFollowNode1">
+    <dgm:fillClrLst>
+      <a:schemeClr val="accent2">
+        <a:tint val="40000"/>
+        <a:alpha val="90000"/>
+      </a:schemeClr>
+      <a:schemeClr val="accent3">
+        <a:tint val="40000"/>
+        <a:alpha val="90000"/>
+      </a:schemeClr>
+    </dgm:fillClrLst>
+    <dgm:linClrLst>
+      <a:schemeClr val="accent2">
+        <a:tint val="40000"/>
+        <a:alpha val="90000"/>
+      </a:schemeClr>
+      <a:schemeClr val="accent3">
+        <a:tint val="40000"/>
+        <a:alpha val="90000"/>
+      </a:schemeClr>
+    </dgm:linClrLst>
+    <dgm:effectClrLst/>
+    <dgm:txLinClrLst/>
+    <dgm:txFillClrLst meth="repeat">
+      <a:schemeClr val="dk1"/>
+    </dgm:txFillClrLst>
+    <dgm:txEffectClrLst/>
+  </dgm:styleLbl>
+  <dgm:styleLbl name="bgAccFollowNode1">
+    <dgm:fillClrLst>
+      <a:schemeClr val="accent2">
+        <a:tint val="40000"/>
+        <a:alpha val="90000"/>
+      </a:schemeClr>
+      <a:schemeClr val="accent3">
+        <a:tint val="40000"/>
+        <a:alpha val="90000"/>
+      </a:schemeClr>
+    </dgm:fillClrLst>
+    <dgm:linClrLst>
+      <a:schemeClr val="accent2">
+        <a:tint val="40000"/>
+        <a:alpha val="90000"/>
+      </a:schemeClr>
+      <a:schemeClr val="accent3">
+        <a:tint val="40000"/>
+        <a:alpha val="90000"/>
+      </a:schemeClr>
+    </dgm:linClrLst>
+    <dgm:effectClrLst/>
+    <dgm:txLinClrLst/>
+    <dgm:txFillClrLst meth="repeat">
+      <a:schemeClr val="dk1"/>
+    </dgm:txFillClrLst>
+    <dgm:txEffectClrLst/>
+  </dgm:styleLbl>
+  <dgm:styleLbl name="fgAcc0">
+    <dgm:fillClrLst meth="repeat">
+      <a:schemeClr val="lt1">
+        <a:alpha val="90000"/>
+      </a:schemeClr>
+    </dgm:fillClrLst>
+    <dgm:linClrLst>
+      <a:schemeClr val="accent1"/>
+    </dgm:linClrLst>
+    <dgm:effectClrLst/>
+    <dgm:txLinClrLst/>
+    <dgm:txFillClrLst meth="repeat">
+      <a:schemeClr val="dk1"/>
+    </dgm:txFillClrLst>
+    <dgm:txEffectClrLst/>
+  </dgm:styleLbl>
+  <dgm:styleLbl name="fgAcc2">
+    <dgm:fillClrLst meth="repeat">
+      <a:schemeClr val="lt1">
+        <a:alpha val="90000"/>
+      </a:schemeClr>
+    </dgm:fillClrLst>
+    <dgm:linClrLst>
+      <a:schemeClr val="accent3"/>
+    </dgm:linClrLst>
+    <dgm:effectClrLst/>
+    <dgm:txLinClrLst/>
+    <dgm:txFillClrLst meth="repeat">
+      <a:schemeClr val="dk1"/>
+    </dgm:txFillClrLst>
+    <dgm:txEffectClrLst/>
+  </dgm:styleLbl>
+  <dgm:styleLbl name="fgAcc3">
+    <dgm:fillClrLst meth="repeat">
+      <a:schemeClr val="lt1">
+        <a:alpha val="90000"/>
+      </a:schemeClr>
+    </dgm:fillClrLst>
+    <dgm:linClrLst>
+      <a:schemeClr val="accent4"/>
+    </dgm:linClrLst>
+    <dgm:effectClrLst/>
+    <dgm:txLinClrLst/>
+    <dgm:txFillClrLst meth="repeat">
+      <a:schemeClr val="dk1"/>
+    </dgm:txFillClrLst>
+    <dgm:txEffectClrLst/>
+  </dgm:styleLbl>
+  <dgm:styleLbl name="fgAcc4">
+    <dgm:fillClrLst meth="repeat">
+      <a:schemeClr val="lt1">
+        <a:alpha val="90000"/>
+      </a:schemeClr>
+    </dgm:fillClrLst>
+    <dgm:linClrLst>
+      <a:schemeClr val="accent5"/>
+    </dgm:linClrLst>
+    <dgm:effectClrLst/>
+    <dgm:txLinClrLst/>
+    <dgm:txFillClrLst meth="repeat">
+      <a:schemeClr val="dk1"/>
+    </dgm:txFillClrLst>
+    <dgm:txEffectClrLst/>
+  </dgm:styleLbl>
+  <dgm:styleLbl name="bgShp">
+    <dgm:fillClrLst meth="repeat">
+      <a:schemeClr val="accent2">
+        <a:tint val="40000"/>
+      </a:schemeClr>
+    </dgm:fillClrLst>
+    <dgm:linClrLst meth="repeat">
+      <a:schemeClr val="dk1"/>
+    </dgm:linClrLst>
+    <dgm:effectClrLst/>
+    <dgm:txLinClrLst/>
+    <dgm:txFillClrLst meth="repeat">
+      <a:schemeClr val="dk1"/>
+    </dgm:txFillClrLst>
+    <dgm:txEffectClrLst/>
+  </dgm:styleLbl>
+  <dgm:styleLbl name="dkBgShp">
+    <dgm:fillClrLst meth="repeat">
+      <a:schemeClr val="accent2">
+        <a:shade val="90000"/>
+      </a:schemeClr>
+    </dgm:fillClrLst>
+    <dgm:linClrLst meth="repeat">
+      <a:schemeClr val="dk1"/>
+    </dgm:linClrLst>
+    <dgm:effectClrLst/>
+    <dgm:txLinClrLst/>
+    <dgm:txFillClrLst meth="repeat">
+      <a:schemeClr val="lt1"/>
+    </dgm:txFillClrLst>
+    <dgm:txEffectClrLst/>
+  </dgm:styleLbl>
+  <dgm:styleLbl name="trBgShp">
+    <dgm:fillClrLst meth="repeat">
+      <a:schemeClr val="accent2">
+        <a:tint val="50000"/>
+        <a:alpha val="40000"/>
+      </a:schemeClr>
+    </dgm:fillClrLst>
+    <dgm:linClrLst meth="repeat">
+      <a:schemeClr val="accent2"/>
+    </dgm:linClrLst>
+    <dgm:effectClrLst/>
+    <dgm:txLinClrLst/>
+    <dgm:txFillClrLst meth="repeat">
+      <a:schemeClr val="lt1"/>
+    </dgm:txFillClrLst>
+    <dgm:txEffectClrLst/>
+  </dgm:styleLbl>
+  <dgm:styleLbl name="fgShp">
+    <dgm:fillClrLst meth="repeat">
+      <a:schemeClr val="accent2">
+        <a:tint val="40000"/>
+      </a:schemeClr>
+    </dgm:fillClrLst>
+    <dgm:linClrLst meth="repeat">
+      <a:schemeClr val="lt1"/>
+    </dgm:linClrLst>
+    <dgm:effectClrLst/>
+    <dgm:txLinClrLst/>
+    <dgm:txFillClrLst meth="repeat">
+      <a:schemeClr val="dk1"/>
+    </dgm:txFillClrLst>
+    <dgm:txEffectClrLst/>
+  </dgm:styleLbl>
+  <dgm:styleLbl name="revTx">
+    <dgm:fillClrLst meth="repeat">
+      <a:schemeClr val="lt1">
+        <a:alpha val="0"/>
+      </a:schemeClr>
+    </dgm:fillClrLst>
+    <dgm:linClrLst meth="repeat">
+      <a:schemeClr val="dk1">
+        <a:alpha val="0"/>
+      </a:schemeClr>
+    </dgm:linClrLst>
+    <dgm:effectClrLst/>
+    <dgm:txLinClrLst/>
+    <dgm:txFillClrLst meth="repeat">
+      <a:schemeClr val="tx1"/>
+    </dgm:txFillClrLst>
+    <dgm:txEffectClrLst/>
+  </dgm:styleLbl>
+</dgm:colorsDef>
+</file>
+
+<file path=ppt/diagrams/colors6.xml><?xml version="1.0" encoding="utf-8"?>
+<dgm:colorsDef xmlns:dgm="http://schemas.openxmlformats.org/drawingml/2006/diagram" xmlns:a="http://schemas.openxmlformats.org/drawingml/2006/main" uniqueId="urn:microsoft.com/office/officeart/2005/8/colors/colorful2">
+  <dgm:title val=""/>
+  <dgm:desc val=""/>
+  <dgm:catLst>
+    <dgm:cat type="colorful" pri="10200"/>
+  </dgm:catLst>
+  <dgm:styleLbl name="node0">
+    <dgm:fillClrLst meth="repeat">
+      <a:schemeClr val="accent1"/>
+    </dgm:fillClrLst>
+    <dgm:linClrLst meth="repeat">
+      <a:schemeClr val="lt1"/>
+    </dgm:linClrLst>
+    <dgm:effectClrLst/>
+    <dgm:txLinClrLst/>
+    <dgm:txFillClrLst/>
+    <dgm:txEffectClrLst/>
+  </dgm:styleLbl>
+  <dgm:styleLbl name="node1">
+    <dgm:fillClrLst>
+      <a:schemeClr val="accent2"/>
+      <a:schemeClr val="accent3"/>
+    </dgm:fillClrLst>
+    <dgm:linClrLst meth="repeat">
+      <a:schemeClr val="lt1"/>
+    </dgm:linClrLst>
+    <dgm:effectClrLst/>
+    <dgm:txLinClrLst/>
+    <dgm:txFillClrLst/>
+    <dgm:txEffectClrLst/>
+  </dgm:styleLbl>
+  <dgm:styleLbl name="alignNode1">
+    <dgm:fillClrLst>
+      <a:schemeClr val="accent2"/>
+      <a:schemeClr val="accent3"/>
+    </dgm:fillClrLst>
+    <dgm:linClrLst>
+      <a:schemeClr val="accent2"/>
+      <a:schemeClr val="accent3"/>
+    </dgm:linClrLst>
+    <dgm:effectClrLst/>
+    <dgm:txLinClrLst/>
+    <dgm:txFillClrLst/>
+    <dgm:txEffectClrLst/>
+  </dgm:styleLbl>
+  <dgm:styleLbl name="lnNode1">
+    <dgm:fillClrLst>
+      <a:schemeClr val="accent2"/>
+      <a:schemeClr val="accent3"/>
+    </dgm:fillClrLst>
+    <dgm:linClrLst meth="repeat">
+      <a:schemeClr val="lt1"/>
+    </dgm:linClrLst>
+    <dgm:effectClrLst/>
+    <dgm:txLinClrLst/>
+    <dgm:txFillClrLst/>
+    <dgm:txEffectClrLst/>
+  </dgm:styleLbl>
+  <dgm:styleLbl name="vennNode1">
+    <dgm:fillClrLst>
+      <a:schemeClr val="accent2">
+        <a:alpha val="50000"/>
+      </a:schemeClr>
+      <a:schemeClr val="accent3">
+        <a:alpha val="50000"/>
+      </a:schemeClr>
+    </dgm:fillClrLst>
+    <dgm:linClrLst meth="repeat">
+      <a:schemeClr val="lt1"/>
+    </dgm:linClrLst>
+    <dgm:effectClrLst/>
+    <dgm:txLinClrLst/>
+    <dgm:txFillClrLst/>
+    <dgm:txEffectClrLst/>
+  </dgm:styleLbl>
+  <dgm:styleLbl name="node2">
+    <dgm:fillClrLst>
+      <a:schemeClr val="accent3"/>
+    </dgm:fillClrLst>
+    <dgm:linClrLst meth="repeat">
+      <a:schemeClr val="lt1"/>
+    </dgm:linClrLst>
+    <dgm:effectClrLst/>
+    <dgm:txLinClrLst/>
+    <dgm:txFillClrLst/>
+    <dgm:txEffectClrLst/>
+  </dgm:styleLbl>
+  <dgm:styleLbl name="node3">
+    <dgm:fillClrLst>
+      <a:schemeClr val="accent4"/>
+    </dgm:fillClrLst>
+    <dgm:linClrLst meth="repeat">
+      <a:schemeClr val="lt1"/>
+    </dgm:linClrLst>
+    <dgm:effectClrLst/>
+    <dgm:txLinClrLst/>
+    <dgm:txFillClrLst/>
+    <dgm:txEffectClrLst/>
+  </dgm:styleLbl>
+  <dgm:styleLbl name="node4">
+    <dgm:fillClrLst>
+      <a:schemeClr val="accent5"/>
+    </dgm:fillClrLst>
+    <dgm:linClrLst meth="repeat">
+      <a:schemeClr val="lt1"/>
+    </dgm:linClrLst>
+    <dgm:effectClrLst/>
+    <dgm:txLinClrLst/>
+    <dgm:txFillClrLst/>
+    <dgm:txEffectClrLst/>
+  </dgm:styleLbl>
+  <dgm:styleLbl name="fgImgPlace1">
+    <dgm:fillClrLst>
+      <a:schemeClr val="accent2">
+        <a:tint val="50000"/>
+      </a:schemeClr>
+      <a:schemeClr val="accent3">
+        <a:tint val="50000"/>
+      </a:schemeClr>
+    </dgm:fillClrLst>
+    <dgm:linClrLst meth="repeat">
+      <a:schemeClr val="lt1"/>
+    </dgm:linClrLst>
+    <dgm:effectClrLst/>
+    <dgm:txLinClrLst/>
+    <dgm:txFillClrLst meth="repeat">
+      <a:schemeClr val="lt1"/>
+    </dgm:txFillClrLst>
+    <dgm:txEffectClrLst/>
+  </dgm:styleLbl>
+  <dgm:styleLbl name="alignImgPlace1">
+    <dgm:fillClrLst>
+      <a:schemeClr val="accent2">
+        <a:tint val="50000"/>
+      </a:schemeClr>
+      <a:schemeClr val="accent3">
+        <a:tint val="20000"/>
+      </a:schemeClr>
+    </dgm:fillClrLst>
+    <dgm:linClrLst meth="repeat">
+      <a:schemeClr val="lt1"/>
+    </dgm:linClrLst>
+    <dgm:effectClrLst/>
+    <dgm:txLinClrLst/>
+    <dgm:txFillClrLst meth="repeat">
+      <a:schemeClr val="lt1"/>
+    </dgm:txFillClrLst>
+    <dgm:txEffectClrLst/>
+  </dgm:styleLbl>
+  <dgm:styleLbl name="bgImgPlace1">
+    <dgm:fillClrLst>
+      <a:schemeClr val="accent2">
+        <a:tint val="50000"/>
+      </a:schemeClr>
+      <a:schemeClr val="accent3">
+        <a:tint val="20000"/>
+      </a:schemeClr>
+    </dgm:fillClrLst>
+    <dgm:linClrLst meth="repeat">
+      <a:schemeClr val="lt1"/>
+    </dgm:linClrLst>
+    <dgm:effectClrLst/>
+    <dgm:txLinClrLst/>
+    <dgm:txFillClrLst meth="repeat">
+      <a:schemeClr val="lt1"/>
+    </dgm:txFillClrLst>
+    <dgm:txEffectClrLst/>
+  </dgm:styleLbl>
+  <dgm:styleLbl name="sibTrans2D1">
+    <dgm:fillClrLst>
+      <a:schemeClr val="accent2"/>
+      <a:schemeClr val="accent3"/>
+    </dgm:fillClrLst>
+    <dgm:linClrLst meth="repeat">
+      <a:schemeClr val="lt1"/>
+    </dgm:linClrLst>
+    <dgm:effectClrLst/>
+    <dgm:txLinClrLst/>
+    <dgm:txFillClrLst/>
+    <dgm:txEffectClrLst/>
+  </dgm:styleLbl>
+  <dgm:styleLbl name="fgSibTrans2D1">
+    <dgm:fillClrLst>
+      <a:schemeClr val="accent2"/>
+      <a:schemeClr val="accent3"/>
+    </dgm:fillClrLst>
+    <dgm:linClrLst meth="repeat">
+      <a:schemeClr val="lt1"/>
+    </dgm:linClrLst>
+    <dgm:effectClrLst/>
+    <dgm:txLinClrLst/>
+    <dgm:txFillClrLst meth="repeat">
+      <a:schemeClr val="lt1"/>
+    </dgm:txFillClrLst>
+    <dgm:txEffectClrLst/>
+  </dgm:styleLbl>
+  <dgm:styleLbl name="bgSibTrans2D1">
+    <dgm:fillClrLst>
+      <a:schemeClr val="accent2"/>
+      <a:schemeClr val="accent3"/>
+    </dgm:fillClrLst>
+    <dgm:linClrLst meth="repeat">
+      <a:schemeClr val="lt1"/>
+    </dgm:linClrLst>
+    <dgm:effectClrLst/>
+    <dgm:txLinClrLst/>
+    <dgm:txFillClrLst meth="repeat">
+      <a:schemeClr val="lt1"/>
+    </dgm:txFillClrLst>
+    <dgm:txEffectClrLst/>
+  </dgm:styleLbl>
+  <dgm:styleLbl name="sibTrans1D1">
+    <dgm:fillClrLst/>
+    <dgm:linClrLst>
+      <a:schemeClr val="accent2"/>
+      <a:schemeClr val="accent3"/>
+    </dgm:linClrLst>
+    <dgm:effectClrLst/>
+    <dgm:txLinClrLst/>
+    <dgm:txFillClrLst meth="repeat">
+      <a:schemeClr val="tx1"/>
+    </dgm:txFillClrLst>
+    <dgm:txEffectClrLst/>
+  </dgm:styleLbl>
+  <dgm:styleLbl name="callout">
+    <dgm:fillClrLst meth="repeat">
+      <a:schemeClr val="accent2"/>
+    </dgm:fillClrLst>
+    <dgm:linClrLst meth="repeat">
+      <a:schemeClr val="accent2">
+        <a:tint val="50000"/>
+      </a:schemeClr>
+    </dgm:linClrLst>
+    <dgm:effectClrLst/>
+    <dgm:txLinClrLst/>
+    <dgm:txFillClrLst meth="repeat">
+      <a:schemeClr val="tx1"/>
+    </dgm:txFillClrLst>
+    <dgm:txEffectClrLst/>
+  </dgm:styleLbl>
+  <dgm:styleLbl name="asst0">
+    <dgm:fillClrLst meth="repeat">
+      <a:schemeClr val="accent2"/>
+    </dgm:fillClrLst>
+    <dgm:linClrLst meth="repeat">
+      <a:schemeClr val="lt1">
+        <a:shade val="80000"/>
+      </a:schemeClr>
+    </dgm:linClrLst>
+    <dgm:effectClrLst/>
+    <dgm:txLinClrLst/>
+    <dgm:txFillClrLst/>
+    <dgm:txEffectClrLst/>
+  </dgm:styleLbl>
+  <dgm:styleLbl name="asst1">
+    <dgm:fillClrLst meth="repeat">
+      <a:schemeClr val="accent3"/>
+    </dgm:fillClrLst>
+    <dgm:linClrLst meth="repeat">
+      <a:schemeClr val="lt1">
+        <a:shade val="80000"/>
+      </a:schemeClr>
+    </dgm:linClrLst>
+    <dgm:effectClrLst/>
+    <dgm:txLinClrLst/>
+    <dgm:txFillClrLst/>
+    <dgm:txEffectClrLst/>
+  </dgm:styleLbl>
+  <dgm:styleLbl name="asst2">
+    <dgm:fillClrLst>
+      <a:schemeClr val="accent4"/>
+    </dgm:fillClrLst>
+    <dgm:linClrLst meth="repeat">
+      <a:schemeClr val="lt1"/>
+    </dgm:linClrLst>
+    <dgm:effectClrLst/>
+    <dgm:txLinClrLst/>
+    <dgm:txFillClrLst/>
+    <dgm:txEffectClrLst/>
+  </dgm:styleLbl>
+  <dgm:styleLbl name="asst3">
+    <dgm:fillClrLst>
+      <a:schemeClr val="accent5"/>
+    </dgm:fillClrLst>
+    <dgm:linClrLst meth="repeat">
+      <a:schemeClr val="lt1"/>
+    </dgm:linClrLst>
+    <dgm:effectClrLst/>
+    <dgm:txLinClrLst/>
+    <dgm:txFillClrLst/>
+    <dgm:txEffectClrLst/>
+  </dgm:styleLbl>
+  <dgm:styleLbl name="asst4">
+    <dgm:fillClrLst>
+      <a:schemeClr val="accent6"/>
+    </dgm:fillClrLst>
+    <dgm:linClrLst meth="repeat">
+      <a:schemeClr val="lt1"/>
+    </dgm:linClrLst>
+    <dgm:effectClrLst/>
+    <dgm:txLinClrLst/>
+    <dgm:txFillClrLst/>
+    <dgm:txEffectClrLst/>
+  </dgm:styleLbl>
+  <dgm:styleLbl name="parChTrans2D1">
+    <dgm:fillClrLst meth="repeat">
+      <a:schemeClr val="accent2"/>
+    </dgm:fillClrLst>
+    <dgm:linClrLst meth="repeat">
+      <a:schemeClr val="lt1"/>
+    </dgm:linClrLst>
+    <dgm:effectClrLst/>
+    <dgm:txLinClrLst/>
+    <dgm:txFillClrLst meth="repeat">
+      <a:schemeClr val="lt1"/>
+    </dgm:txFillClrLst>
+    <dgm:txEffectClrLst/>
+  </dgm:styleLbl>
+  <dgm:styleLbl name="parChTrans2D2">
+    <dgm:fillClrLst meth="repeat">
+      <a:schemeClr val="accent3"/>
+    </dgm:fillClrLst>
+    <dgm:linClrLst meth="repeat">
+      <a:schemeClr val="lt1"/>
+    </dgm:linClrLst>
+    <dgm:effectClrLst/>
+    <dgm:txLinClrLst/>
+    <dgm:txFillClrLst/>
+    <dgm:txEffectClrLst/>
+  </dgm:styleLbl>
+  <dgm:styleLbl name="parChTrans2D3">
+    <dgm:fillClrLst meth="repeat">
+      <a:schemeClr val="accent4"/>
+    </dgm:fillClrLst>
+    <dgm:linClrLst meth="repeat">
+      <a:schemeClr val="lt1"/>
+    </dgm:linClrLst>
+    <dgm:effectClrLst/>
+    <dgm:txLinClrLst/>
+    <dgm:txFillClrLst/>
+    <dgm:txEffectClrLst/>
+  </dgm:styleLbl>
+  <dgm:styleLbl name="parChTrans2D4">
+    <dgm:fillClrLst meth="repeat">
+      <a:schemeClr val="accent5"/>
+    </dgm:fillClrLst>
+    <dgm:linClrLst meth="repeat">
+      <a:schemeClr val="lt1"/>
+    </dgm:linClrLst>
+    <dgm:effectClrLst/>
+    <dgm:txLinClrLst/>
+    <dgm:txFillClrLst meth="repeat">
+      <a:schemeClr val="lt1"/>
+    </dgm:txFillClrLst>
+    <dgm:txEffectClrLst/>
+  </dgm:styleLbl>
+  <dgm:styleLbl name="parChTrans1D1">
+    <dgm:fillClrLst meth="repeat">
+      <a:schemeClr val="accent2"/>
+    </dgm:fillClrLst>
+    <dgm:linClrLst meth="repeat">
+      <a:schemeClr val="accent2"/>
+    </dgm:linClrLst>
+    <dgm:effectClrLst/>
+    <dgm:txLinClrLst/>
+    <dgm:txFillClrLst meth="repeat">
+      <a:schemeClr val="tx1"/>
+    </dgm:txFillClrLst>
+    <dgm:txEffectClrLst/>
+  </dgm:styleLbl>
+  <dgm:styleLbl name="parChTrans1D2">
+    <dgm:fillClrLst meth="repeat">
+      <a:schemeClr val="accent2">
+        <a:tint val="90000"/>
+      </a:schemeClr>
+    </dgm:fillClrLst>
+    <dgm:linClrLst meth="repeat">
+      <a:schemeClr val="accent3"/>
+    </dgm:linClrLst>
+    <dgm:effectClrLst/>
+    <dgm:txLinClrLst/>
+    <dgm:txFillClrLst meth="repeat">
+      <a:schemeClr val="tx1"/>
+    </dgm:txFillClrLst>
+    <dgm:txEffectClrLst/>
+  </dgm:styleLbl>
+  <dgm:styleLbl name="parChTrans1D3">
+    <dgm:fillClrLst meth="repeat">
+      <a:schemeClr val="accent2">
+        <a:tint val="70000"/>
+      </a:schemeClr>
+    </dgm:fillClrLst>
+    <dgm:linClrLst meth="repeat">
+      <a:schemeClr val="accent4"/>
+    </dgm:linClrLst>
+    <dgm:effectClrLst/>
+    <dgm:txLinClrLst/>
+    <dgm:txFillClrLst meth="repeat">
+      <a:schemeClr val="tx1"/>
+    </dgm:txFillClrLst>
+    <dgm:txEffectClrLst/>
+  </dgm:styleLbl>
+  <dgm:styleLbl name="parChTrans1D4">
+    <dgm:fillClrLst meth="repeat">
+      <a:schemeClr val="accent2">
+        <a:tint val="50000"/>
+      </a:schemeClr>
+    </dgm:fillClrLst>
+    <dgm:linClrLst meth="repeat">
+      <a:schemeClr val="accent5"/>
+    </dgm:linClrLst>
+    <dgm:effectClrLst/>
+    <dgm:txLinClrLst/>
+    <dgm:txFillClrLst meth="repeat">
+      <a:schemeClr val="tx1"/>
+    </dgm:txFillClrLst>
+    <dgm:txEffectClrLst/>
+  </dgm:styleLbl>
+  <dgm:styleLbl name="fgAcc1">
+    <dgm:fillClrLst meth="repeat">
+      <a:schemeClr val="lt1">
+        <a:alpha val="90000"/>
+      </a:schemeClr>
+    </dgm:fillClrLst>
+    <dgm:linClrLst>
+      <a:schemeClr val="accent2"/>
+      <a:schemeClr val="accent3"/>
+    </dgm:linClrLst>
+    <dgm:effectClrLst/>
+    <dgm:txLinClrLst/>
+    <dgm:txFillClrLst meth="repeat">
+      <a:schemeClr val="dk1"/>
+    </dgm:txFillClrLst>
+    <dgm:txEffectClrLst/>
+  </dgm:styleLbl>
+  <dgm:styleLbl name="conFgAcc1">
+    <dgm:fillClrLst meth="repeat">
+      <a:schemeClr val="lt1">
+        <a:alpha val="90000"/>
+      </a:schemeClr>
+    </dgm:fillClrLst>
+    <dgm:linClrLst>
+      <a:schemeClr val="accent2"/>
+      <a:schemeClr val="accent3"/>
+    </dgm:linClrLst>
+    <dgm:effectClrLst/>
+    <dgm:txLinClrLst/>
+    <dgm:txFillClrLst meth="repeat">
+      <a:schemeClr val="dk1"/>
+    </dgm:txFillClrLst>
+    <dgm:txEffectClrLst/>
+  </dgm:styleLbl>
+  <dgm:styleLbl name="alignAcc1">
+    <dgm:fillClrLst meth="repeat">
+      <a:schemeClr val="lt1">
+        <a:alpha val="90000"/>
+      </a:schemeClr>
+    </dgm:fillClrLst>
+    <dgm:linClrLst>
+      <a:schemeClr val="accent2"/>
+      <a:schemeClr val="accent3"/>
+    </dgm:linClrLst>
+    <dgm:effectClrLst/>
+    <dgm:txLinClrLst/>
+    <dgm:txFillClrLst meth="repeat">
+      <a:schemeClr val="dk1"/>
+    </dgm:txFillClrLst>
+    <dgm:txEffectClrLst/>
+  </dgm:styleLbl>
+  <dgm:styleLbl name="trAlignAcc1">
+    <dgm:fillClrLst meth="repeat">
+      <a:schemeClr val="lt1">
+        <a:alpha val="40000"/>
+      </a:schemeClr>
+    </dgm:fillClrLst>
+    <dgm:linClrLst meth="repeat">
+      <a:schemeClr val="accent2"/>
+    </dgm:linClrLst>
+    <dgm:effectClrLst/>
+    <dgm:txLinClrLst/>
+    <dgm:txFillClrLst meth="repeat">
+      <a:schemeClr val="dk1"/>
+    </dgm:txFillClrLst>
+    <dgm:txEffectClrLst/>
+  </dgm:styleLbl>
+  <dgm:styleLbl name="bgAcc1">
+    <dgm:fillClrLst meth="repeat">
+      <a:schemeClr val="lt1">
+        <a:alpha val="90000"/>
+      </a:schemeClr>
+    </dgm:fillClrLst>
+    <dgm:linClrLst>
+      <a:schemeClr val="accent2"/>
+      <a:schemeClr val="accent3"/>
+    </dgm:linClrLst>
+    <dgm:effectClrLst/>
+    <dgm:txLinClrLst/>
+    <dgm:txFillClrLst meth="repeat">
+      <a:schemeClr val="dk1"/>
+    </dgm:txFillClrLst>
+    <dgm:txEffectClrLst/>
+  </dgm:styleLbl>
+  <dgm:styleLbl name="solidFgAcc1">
+    <dgm:fillClrLst meth="repeat">
+      <a:schemeClr val="lt1"/>
+    </dgm:fillClrLst>
+    <dgm:linClrLst>
+      <a:schemeClr val="accent2"/>
+      <a:schemeClr val="accent3"/>
+    </dgm:linClrLst>
+    <dgm:effectClrLst/>
+    <dgm:txLinClrLst/>
+    <dgm:txFillClrLst meth="repeat">
+      <a:schemeClr val="dk1"/>
+    </dgm:txFillClrLst>
+    <dgm:txEffectClrLst/>
+  </dgm:styleLbl>
+  <dgm:styleLbl name="solidAlignAcc1">
+    <dgm:fillClrLst meth="repeat">
+      <a:schemeClr val="lt1"/>
+    </dgm:fillClrLst>
+    <dgm:linClrLst>
+      <a:schemeClr val="accent2"/>
+      <a:schemeClr val="accent3"/>
+    </dgm:linClrLst>
+    <dgm:effectClrLst/>
+    <dgm:txLinClrLst/>
+    <dgm:txFillClrLst meth="repeat">
+      <a:schemeClr val="dk1"/>
+    </dgm:txFillClrLst>
+    <dgm:txEffectClrLst/>
+  </dgm:styleLbl>
+  <dgm:styleLbl name="solidBgAcc1">
+    <dgm:fillClrLst meth="repeat">
+      <a:schemeClr val="lt1"/>
+    </dgm:fillClrLst>
+    <dgm:linClrLst>
+      <a:schemeClr val="accent2"/>
+      <a:schemeClr val="accent3"/>
+    </dgm:linClrLst>
+    <dgm:effectClrLst/>
+    <dgm:txLinClrLst/>
+    <dgm:txFillClrLst meth="repeat">
+      <a:schemeClr val="dk1"/>
+    </dgm:txFillClrLst>
+    <dgm:txEffectClrLst/>
+  </dgm:styleLbl>
+  <dgm:styleLbl name="fgAccFollowNode1">
+    <dgm:fillClrLst>
+      <a:schemeClr val="accent2">
+        <a:tint val="40000"/>
+        <a:alpha val="90000"/>
+      </a:schemeClr>
+      <a:schemeClr val="accent3">
+        <a:tint val="40000"/>
+        <a:alpha val="90000"/>
+      </a:schemeClr>
+    </dgm:fillClrLst>
+    <dgm:linClrLst>
+      <a:schemeClr val="accent2">
+        <a:tint val="40000"/>
+        <a:alpha val="90000"/>
+      </a:schemeClr>
+      <a:schemeClr val="accent3">
+        <a:tint val="40000"/>
+        <a:alpha val="90000"/>
+      </a:schemeClr>
+    </dgm:linClrLst>
+    <dgm:effectClrLst/>
+    <dgm:txLinClrLst/>
+    <dgm:txFillClrLst meth="repeat">
+      <a:schemeClr val="dk1"/>
+    </dgm:txFillClrLst>
+    <dgm:txEffectClrLst/>
+  </dgm:styleLbl>
+  <dgm:styleLbl name="alignAccFollowNode1">
+    <dgm:fillClrLst>
+      <a:schemeClr val="accent2">
+        <a:tint val="40000"/>
+        <a:alpha val="90000"/>
+      </a:schemeClr>
+      <a:schemeClr val="accent3">
+        <a:tint val="40000"/>
+        <a:alpha val="90000"/>
+      </a:schemeClr>
+    </dgm:fillClrLst>
+    <dgm:linClrLst>
+      <a:schemeClr val="accent2">
+        <a:tint val="40000"/>
+        <a:alpha val="90000"/>
+      </a:schemeClr>
+      <a:schemeClr val="accent3">
+        <a:tint val="40000"/>
+        <a:alpha val="90000"/>
+      </a:schemeClr>
+    </dgm:linClrLst>
+    <dgm:effectClrLst/>
+    <dgm:txLinClrLst/>
+    <dgm:txFillClrLst meth="repeat">
+      <a:schemeClr val="dk1"/>
+    </dgm:txFillClrLst>
+    <dgm:txEffectClrLst/>
+  </dgm:styleLbl>
+  <dgm:styleLbl name="bgAccFollowNode1">
+    <dgm:fillClrLst>
+      <a:schemeClr val="accent2">
+        <a:tint val="40000"/>
+        <a:alpha val="90000"/>
+      </a:schemeClr>
+      <a:schemeClr val="accent3">
+        <a:tint val="40000"/>
+        <a:alpha val="90000"/>
+      </a:schemeClr>
+    </dgm:fillClrLst>
+    <dgm:linClrLst>
+      <a:schemeClr val="accent2">
+        <a:tint val="40000"/>
+        <a:alpha val="90000"/>
+      </a:schemeClr>
+      <a:schemeClr val="accent3">
+        <a:tint val="40000"/>
+        <a:alpha val="90000"/>
+      </a:schemeClr>
+    </dgm:linClrLst>
+    <dgm:effectClrLst/>
+    <dgm:txLinClrLst/>
+    <dgm:txFillClrLst meth="repeat">
+      <a:schemeClr val="dk1"/>
+    </dgm:txFillClrLst>
+    <dgm:txEffectClrLst/>
+  </dgm:styleLbl>
+  <dgm:styleLbl name="fgAcc0">
+    <dgm:fillClrLst meth="repeat">
+      <a:schemeClr val="lt1">
+        <a:alpha val="90000"/>
+      </a:schemeClr>
+    </dgm:fillClrLst>
+    <dgm:linClrLst>
+      <a:schemeClr val="accent1"/>
+    </dgm:linClrLst>
+    <dgm:effectClrLst/>
+    <dgm:txLinClrLst/>
+    <dgm:txFillClrLst meth="repeat">
+      <a:schemeClr val="dk1"/>
+    </dgm:txFillClrLst>
+    <dgm:txEffectClrLst/>
+  </dgm:styleLbl>
+  <dgm:styleLbl name="fgAcc2">
+    <dgm:fillClrLst meth="repeat">
+      <a:schemeClr val="lt1">
+        <a:alpha val="90000"/>
+      </a:schemeClr>
+    </dgm:fillClrLst>
+    <dgm:linClrLst>
+      <a:schemeClr val="accent3"/>
+    </dgm:linClrLst>
+    <dgm:effectClrLst/>
+    <dgm:txLinClrLst/>
+    <dgm:txFillClrLst meth="repeat">
+      <a:schemeClr val="dk1"/>
+    </dgm:txFillClrLst>
+    <dgm:txEffectClrLst/>
+  </dgm:styleLbl>
+  <dgm:styleLbl name="fgAcc3">
+    <dgm:fillClrLst meth="repeat">
+      <a:schemeClr val="lt1">
+        <a:alpha val="90000"/>
+      </a:schemeClr>
+    </dgm:fillClrLst>
+    <dgm:linClrLst>
+      <a:schemeClr val="accent4"/>
+    </dgm:linClrLst>
+    <dgm:effectClrLst/>
+    <dgm:txLinClrLst/>
+    <dgm:txFillClrLst meth="repeat">
+      <a:schemeClr val="dk1"/>
+    </dgm:txFillClrLst>
+    <dgm:txEffectClrLst/>
+  </dgm:styleLbl>
+  <dgm:styleLbl name="fgAcc4">
+    <dgm:fillClrLst meth="repeat">
+      <a:schemeClr val="lt1">
+        <a:alpha val="90000"/>
+      </a:schemeClr>
+    </dgm:fillClrLst>
+    <dgm:linClrLst>
+      <a:schemeClr val="accent5"/>
+    </dgm:linClrLst>
+    <dgm:effectClrLst/>
+    <dgm:txLinClrLst/>
+    <dgm:txFillClrLst meth="repeat">
+      <a:schemeClr val="dk1"/>
+    </dgm:txFillClrLst>
+    <dgm:txEffectClrLst/>
+  </dgm:styleLbl>
+  <dgm:styleLbl name="bgShp">
+    <dgm:fillClrLst meth="repeat">
+      <a:schemeClr val="accent2">
+        <a:tint val="40000"/>
+      </a:schemeClr>
+    </dgm:fillClrLst>
+    <dgm:linClrLst meth="repeat">
+      <a:schemeClr val="dk1"/>
+    </dgm:linClrLst>
+    <dgm:effectClrLst/>
+    <dgm:txLinClrLst/>
+    <dgm:txFillClrLst meth="repeat">
+      <a:schemeClr val="dk1"/>
+    </dgm:txFillClrLst>
+    <dgm:txEffectClrLst/>
+  </dgm:styleLbl>
+  <dgm:styleLbl name="dkBgShp">
+    <dgm:fillClrLst meth="repeat">
+      <a:schemeClr val="accent2">
+        <a:shade val="90000"/>
+      </a:schemeClr>
+    </dgm:fillClrLst>
+    <dgm:linClrLst meth="repeat">
+      <a:schemeClr val="dk1"/>
+    </dgm:linClrLst>
+    <dgm:effectClrLst/>
+    <dgm:txLinClrLst/>
+    <dgm:txFillClrLst meth="repeat">
+      <a:schemeClr val="lt1"/>
+    </dgm:txFillClrLst>
+    <dgm:txEffectClrLst/>
+  </dgm:styleLbl>
+  <dgm:styleLbl name="trBgShp">
+    <dgm:fillClrLst meth="repeat">
+      <a:schemeClr val="accent2">
+        <a:tint val="50000"/>
+        <a:alpha val="40000"/>
+      </a:schemeClr>
+    </dgm:fillClrLst>
+    <dgm:linClrLst meth="repeat">
+      <a:schemeClr val="accent2"/>
+    </dgm:linClrLst>
+    <dgm:effectClrLst/>
+    <dgm:txLinClrLst/>
+    <dgm:txFillClrLst meth="repeat">
+      <a:schemeClr val="lt1"/>
+    </dgm:txFillClrLst>
+    <dgm:txEffectClrLst/>
+  </dgm:styleLbl>
+  <dgm:styleLbl name="fgShp">
+    <dgm:fillClrLst meth="repeat">
+      <a:schemeClr val="accent2">
+        <a:tint val="40000"/>
+      </a:schemeClr>
+    </dgm:fillClrLst>
+    <dgm:linClrLst meth="repeat">
+      <a:schemeClr val="lt1"/>
+    </dgm:linClrLst>
+    <dgm:effectClrLst/>
+    <dgm:txLinClrLst/>
+    <dgm:txFillClrLst meth="repeat">
+      <a:schemeClr val="dk1"/>
+    </dgm:txFillClrLst>
+    <dgm:txEffectClrLst/>
+  </dgm:styleLbl>
+  <dgm:styleLbl name="revTx">
+    <dgm:fillClrLst meth="repeat">
+      <a:schemeClr val="lt1">
+        <a:alpha val="0"/>
+      </a:schemeClr>
+    </dgm:fillClrLst>
+    <dgm:linClrLst meth="repeat">
+      <a:schemeClr val="dk1">
+        <a:alpha val="0"/>
+      </a:schemeClr>
+    </dgm:linClrLst>
+    <dgm:effectClrLst/>
+    <dgm:txLinClrLst/>
+    <dgm:txFillClrLst meth="repeat">
+      <a:schemeClr val="tx1"/>
+    </dgm:txFillClrLst>
+    <dgm:txEffectClrLst/>
+  </dgm:styleLbl>
+</dgm:colorsDef>
+</file>
+
 <file path=ppt/diagrams/data1.xml><?xml version="1.0" encoding="utf-8"?>
 <dgm:dataModel xmlns:dgm="http://schemas.openxmlformats.org/drawingml/2006/diagram" xmlns:a="http://schemas.openxmlformats.org/drawingml/2006/main">
   <dgm:ptLst>
     <dgm:pt modelId="{06E82BA1-DC81-479F-BB9B-C48C49098F31}" type="doc">
-      <dgm:prSet loTypeId="urn:microsoft.com/office/officeart/2005/8/layout/vList2" loCatId="list" qsTypeId="urn:microsoft.com/office/officeart/2005/8/quickstyle/simple1" qsCatId="simple" csTypeId="urn:microsoft.com/office/officeart/2005/8/colors/colorful2" csCatId="colorful"/>
+      <dgm:prSet loTypeId="urn:microsoft.com/office/officeart/2005/8/layout/vList2" loCatId="list" qsTypeId="urn:microsoft.com/office/officeart/2005/8/quickstyle/simple1" qsCatId="simple" csTypeId="urn:microsoft.com/office/officeart/2005/8/colors/colorful2" csCatId="colorful" phldr="1"/>
       <dgm:spPr/>
       <dgm:t>
         <a:bodyPr/>
@@ -3466,10 +5029,10 @@
         <a:lstStyle/>
         <a:p>
           <a:r>
-            <a:rPr lang="hr-HR"/>
+            <a:rPr lang="hr-HR" dirty="0"/>
             <a:t>Iskustva</a:t>
           </a:r>
-          <a:endParaRPr lang="en-US"/>
+          <a:endParaRPr lang="en-US" dirty="0"/>
         </a:p>
       </dgm:t>
     </dgm:pt>
@@ -3495,6 +5058,174 @@
         </a:p>
       </dgm:t>
     </dgm:pt>
+    <dgm:pt modelId="{E8EB9003-F937-439D-8A1A-C79EB88A84A1}">
+      <dgm:prSet/>
+      <dgm:spPr/>
+      <dgm:t>
+        <a:bodyPr/>
+        <a:lstStyle/>
+        <a:p>
+          <a:r>
+            <a:rPr lang="hr-HR" dirty="0"/>
+            <a:t>a</a:t>
+          </a:r>
+        </a:p>
+      </dgm:t>
+    </dgm:pt>
+    <dgm:pt modelId="{A94CEEF6-FA04-4E81-B17E-7D10F3C94FBC}" type="parTrans" cxnId="{9D67145B-E31C-4F1F-9330-AFF4C0FBC0F5}">
+      <dgm:prSet/>
+      <dgm:spPr/>
+      <dgm:t>
+        <a:bodyPr/>
+        <a:lstStyle/>
+        <a:p>
+          <a:endParaRPr lang="hr-HR"/>
+        </a:p>
+      </dgm:t>
+    </dgm:pt>
+    <dgm:pt modelId="{D3984765-43FB-4866-AC01-A3FB14C4A143}" type="sibTrans" cxnId="{9D67145B-E31C-4F1F-9330-AFF4C0FBC0F5}">
+      <dgm:prSet/>
+      <dgm:spPr/>
+      <dgm:t>
+        <a:bodyPr/>
+        <a:lstStyle/>
+        <a:p>
+          <a:endParaRPr lang="hr-HR"/>
+        </a:p>
+      </dgm:t>
+    </dgm:pt>
+    <dgm:pt modelId="{82E70812-3ADC-4ED5-A633-5B8F5378680E}">
+      <dgm:prSet/>
+      <dgm:spPr/>
+      <dgm:t>
+        <a:bodyPr/>
+        <a:lstStyle/>
+        <a:p>
+          <a:endParaRPr lang="hr-HR"/>
+        </a:p>
+      </dgm:t>
+    </dgm:pt>
+    <dgm:pt modelId="{F4BAD4FC-98D6-4192-B10C-32E622F52441}" type="parTrans" cxnId="{08F6121A-B2B6-4F7C-A899-8FCFE6CD461F}">
+      <dgm:prSet/>
+      <dgm:spPr/>
+      <dgm:t>
+        <a:bodyPr/>
+        <a:lstStyle/>
+        <a:p>
+          <a:endParaRPr lang="hr-HR"/>
+        </a:p>
+      </dgm:t>
+    </dgm:pt>
+    <dgm:pt modelId="{7242C431-0727-4EDB-803D-1CBE3BCC9E1D}" type="sibTrans" cxnId="{08F6121A-B2B6-4F7C-A899-8FCFE6CD461F}">
+      <dgm:prSet/>
+      <dgm:spPr/>
+      <dgm:t>
+        <a:bodyPr/>
+        <a:lstStyle/>
+        <a:p>
+          <a:endParaRPr lang="hr-HR"/>
+        </a:p>
+      </dgm:t>
+    </dgm:pt>
+    <dgm:pt modelId="{E96818AC-CB3C-4040-8D43-AB434BEE84FA}">
+      <dgm:prSet/>
+      <dgm:spPr/>
+      <dgm:t>
+        <a:bodyPr/>
+        <a:lstStyle/>
+        <a:p>
+          <a:endParaRPr lang="hr-HR"/>
+        </a:p>
+      </dgm:t>
+    </dgm:pt>
+    <dgm:pt modelId="{6A15F247-9CC3-423C-ABDD-C46821278AB0}" type="parTrans" cxnId="{9466763A-BB83-46BE-B4E0-DA2C974D47DF}">
+      <dgm:prSet/>
+      <dgm:spPr/>
+      <dgm:t>
+        <a:bodyPr/>
+        <a:lstStyle/>
+        <a:p>
+          <a:endParaRPr lang="hr-HR"/>
+        </a:p>
+      </dgm:t>
+    </dgm:pt>
+    <dgm:pt modelId="{C1997766-261F-424D-B186-39B998C01EB7}" type="sibTrans" cxnId="{9466763A-BB83-46BE-B4E0-DA2C974D47DF}">
+      <dgm:prSet/>
+      <dgm:spPr/>
+      <dgm:t>
+        <a:bodyPr/>
+        <a:lstStyle/>
+        <a:p>
+          <a:endParaRPr lang="hr-HR"/>
+        </a:p>
+      </dgm:t>
+    </dgm:pt>
+    <dgm:pt modelId="{BD5F9635-3597-4B06-ADE9-AC2E8BD34833}">
+      <dgm:prSet/>
+      <dgm:spPr/>
+      <dgm:t>
+        <a:bodyPr/>
+        <a:lstStyle/>
+        <a:p>
+          <a:endParaRPr lang="hr-HR"/>
+        </a:p>
+      </dgm:t>
+    </dgm:pt>
+    <dgm:pt modelId="{E3F560E7-136F-4FE0-B2B1-860349300089}" type="parTrans" cxnId="{38BDF9D6-1EF2-4A0A-B7B6-2A1CE484FABE}">
+      <dgm:prSet/>
+      <dgm:spPr/>
+      <dgm:t>
+        <a:bodyPr/>
+        <a:lstStyle/>
+        <a:p>
+          <a:endParaRPr lang="hr-HR"/>
+        </a:p>
+      </dgm:t>
+    </dgm:pt>
+    <dgm:pt modelId="{B1AC5612-81FB-42A9-8F1F-D8E12BB225C1}" type="sibTrans" cxnId="{38BDF9D6-1EF2-4A0A-B7B6-2A1CE484FABE}">
+      <dgm:prSet/>
+      <dgm:spPr/>
+      <dgm:t>
+        <a:bodyPr/>
+        <a:lstStyle/>
+        <a:p>
+          <a:endParaRPr lang="hr-HR"/>
+        </a:p>
+      </dgm:t>
+    </dgm:pt>
+    <dgm:pt modelId="{F9EA8178-CAA0-4FF2-B950-039BEA0341BE}">
+      <dgm:prSet/>
+      <dgm:spPr/>
+      <dgm:t>
+        <a:bodyPr/>
+        <a:lstStyle/>
+        <a:p>
+          <a:endParaRPr lang="hr-HR"/>
+        </a:p>
+      </dgm:t>
+    </dgm:pt>
+    <dgm:pt modelId="{F3A15967-69B4-4ED1-B440-31E54751940E}" type="parTrans" cxnId="{A2CB724B-A83C-481B-955D-78E0E0648956}">
+      <dgm:prSet/>
+      <dgm:spPr/>
+      <dgm:t>
+        <a:bodyPr/>
+        <a:lstStyle/>
+        <a:p>
+          <a:endParaRPr lang="hr-HR"/>
+        </a:p>
+      </dgm:t>
+    </dgm:pt>
+    <dgm:pt modelId="{173ADACF-B252-4FFE-829C-D8C3C59A38BD}" type="sibTrans" cxnId="{A2CB724B-A83C-481B-955D-78E0E0648956}">
+      <dgm:prSet/>
+      <dgm:spPr/>
+      <dgm:t>
+        <a:bodyPr/>
+        <a:lstStyle/>
+        <a:p>
+          <a:endParaRPr lang="hr-HR"/>
+        </a:p>
+      </dgm:t>
+    </dgm:pt>
     <dgm:pt modelId="{6267B17E-ED7B-419A-8E3B-5BDACB7391AD}" type="pres">
       <dgm:prSet presAssocID="{06E82BA1-DC81-479F-BB9B-C48C49098F31}" presName="linear" presStyleCnt="0">
         <dgm:presLayoutVars>
@@ -3505,7 +5236,7 @@
       <dgm:spPr/>
     </dgm:pt>
     <dgm:pt modelId="{740800C2-B3EF-42B0-AFFC-0B9E6207CD2A}" type="pres">
-      <dgm:prSet presAssocID="{7986F941-B703-4BB6-8C17-9811553C1E1F}" presName="parentText" presStyleLbl="node1" presStyleIdx="0" presStyleCnt="6">
+      <dgm:prSet presAssocID="{7986F941-B703-4BB6-8C17-9811553C1E1F}" presName="parentText" presStyleLbl="node1" presStyleIdx="0" presStyleCnt="11">
         <dgm:presLayoutVars>
           <dgm:chMax val="0"/>
           <dgm:bulletEnabled val="1"/>
@@ -3518,7 +5249,7 @@
       <dgm:spPr/>
     </dgm:pt>
     <dgm:pt modelId="{B271DF94-6A65-4F05-B5CE-A2F6A4F8025F}" type="pres">
-      <dgm:prSet presAssocID="{C8F713D5-F102-40C7-95BE-03175E2ACD58}" presName="parentText" presStyleLbl="node1" presStyleIdx="1" presStyleCnt="6">
+      <dgm:prSet presAssocID="{C8F713D5-F102-40C7-95BE-03175E2ACD58}" presName="parentText" presStyleLbl="node1" presStyleIdx="1" presStyleCnt="11">
         <dgm:presLayoutVars>
           <dgm:chMax val="0"/>
           <dgm:bulletEnabled val="1"/>
@@ -3531,7 +5262,7 @@
       <dgm:spPr/>
     </dgm:pt>
     <dgm:pt modelId="{4AB35E06-38DA-485A-8735-75D744F065E7}" type="pres">
-      <dgm:prSet presAssocID="{EEFDE0CA-6ECC-43C6-A067-46BE11862677}" presName="parentText" presStyleLbl="node1" presStyleIdx="2" presStyleCnt="6">
+      <dgm:prSet presAssocID="{EEFDE0CA-6ECC-43C6-A067-46BE11862677}" presName="parentText" presStyleLbl="node1" presStyleIdx="2" presStyleCnt="11">
         <dgm:presLayoutVars>
           <dgm:chMax val="0"/>
           <dgm:bulletEnabled val="1"/>
@@ -3544,7 +5275,7 @@
       <dgm:spPr/>
     </dgm:pt>
     <dgm:pt modelId="{F6FB814C-F83D-484D-8AF5-994364F99DE0}" type="pres">
-      <dgm:prSet presAssocID="{7277B101-EAFD-4401-AECC-26A2998D4EA9}" presName="parentText" presStyleLbl="node1" presStyleIdx="3" presStyleCnt="6">
+      <dgm:prSet presAssocID="{7277B101-EAFD-4401-AECC-26A2998D4EA9}" presName="parentText" presStyleLbl="node1" presStyleIdx="3" presStyleCnt="11">
         <dgm:presLayoutVars>
           <dgm:chMax val="0"/>
           <dgm:bulletEnabled val="1"/>
@@ -3557,7 +5288,7 @@
       <dgm:spPr/>
     </dgm:pt>
     <dgm:pt modelId="{AA328B94-C2E7-4B09-BD59-8A24145C662C}" type="pres">
-      <dgm:prSet presAssocID="{4D9508C0-826E-4786-B099-2CAE395B417D}" presName="parentText" presStyleLbl="node1" presStyleIdx="4" presStyleCnt="6">
+      <dgm:prSet presAssocID="{4D9508C0-826E-4786-B099-2CAE395B417D}" presName="parentText" presStyleLbl="node1" presStyleIdx="4" presStyleCnt="11">
         <dgm:presLayoutVars>
           <dgm:chMax val="0"/>
           <dgm:bulletEnabled val="1"/>
@@ -3570,7 +5301,72 @@
       <dgm:spPr/>
     </dgm:pt>
     <dgm:pt modelId="{86BAB254-6B4B-4851-8321-2C85BA1A11EB}" type="pres">
-      <dgm:prSet presAssocID="{C7D35DFD-32C0-492C-99C1-7E60EF439CF4}" presName="parentText" presStyleLbl="node1" presStyleIdx="5" presStyleCnt="6">
+      <dgm:prSet presAssocID="{C7D35DFD-32C0-492C-99C1-7E60EF439CF4}" presName="parentText" presStyleLbl="node1" presStyleIdx="5" presStyleCnt="11">
+        <dgm:presLayoutVars>
+          <dgm:chMax val="0"/>
+          <dgm:bulletEnabled val="1"/>
+        </dgm:presLayoutVars>
+      </dgm:prSet>
+      <dgm:spPr/>
+    </dgm:pt>
+    <dgm:pt modelId="{7BED5ED9-957F-49C4-ABD0-69E1180C2FE4}" type="pres">
+      <dgm:prSet presAssocID="{909D3EC5-2479-486D-B9B5-2C2222865C99}" presName="spacer" presStyleCnt="0"/>
+      <dgm:spPr/>
+    </dgm:pt>
+    <dgm:pt modelId="{E9865F06-256D-42CE-B0D4-418A3216E2CC}" type="pres">
+      <dgm:prSet presAssocID="{E8EB9003-F937-439D-8A1A-C79EB88A84A1}" presName="parentText" presStyleLbl="node1" presStyleIdx="6" presStyleCnt="11">
+        <dgm:presLayoutVars>
+          <dgm:chMax val="0"/>
+          <dgm:bulletEnabled val="1"/>
+        </dgm:presLayoutVars>
+      </dgm:prSet>
+      <dgm:spPr/>
+    </dgm:pt>
+    <dgm:pt modelId="{9804ED67-1930-477C-8B8F-DA5153ABDB00}" type="pres">
+      <dgm:prSet presAssocID="{D3984765-43FB-4866-AC01-A3FB14C4A143}" presName="spacer" presStyleCnt="0"/>
+      <dgm:spPr/>
+    </dgm:pt>
+    <dgm:pt modelId="{DE306D46-B45A-4901-AA07-273F1CB89355}" type="pres">
+      <dgm:prSet presAssocID="{82E70812-3ADC-4ED5-A633-5B8F5378680E}" presName="parentText" presStyleLbl="node1" presStyleIdx="7" presStyleCnt="11">
+        <dgm:presLayoutVars>
+          <dgm:chMax val="0"/>
+          <dgm:bulletEnabled val="1"/>
+        </dgm:presLayoutVars>
+      </dgm:prSet>
+      <dgm:spPr/>
+    </dgm:pt>
+    <dgm:pt modelId="{F6F74641-352F-4F5A-945A-7103C69122B2}" type="pres">
+      <dgm:prSet presAssocID="{7242C431-0727-4EDB-803D-1CBE3BCC9E1D}" presName="spacer" presStyleCnt="0"/>
+      <dgm:spPr/>
+    </dgm:pt>
+    <dgm:pt modelId="{41158F1B-371A-4992-B2EC-7A5F269DF30C}" type="pres">
+      <dgm:prSet presAssocID="{E96818AC-CB3C-4040-8D43-AB434BEE84FA}" presName="parentText" presStyleLbl="node1" presStyleIdx="8" presStyleCnt="11">
+        <dgm:presLayoutVars>
+          <dgm:chMax val="0"/>
+          <dgm:bulletEnabled val="1"/>
+        </dgm:presLayoutVars>
+      </dgm:prSet>
+      <dgm:spPr/>
+    </dgm:pt>
+    <dgm:pt modelId="{C8DD0525-DD75-44F8-A49A-0932A9B2DDA2}" type="pres">
+      <dgm:prSet presAssocID="{C1997766-261F-424D-B186-39B998C01EB7}" presName="spacer" presStyleCnt="0"/>
+      <dgm:spPr/>
+    </dgm:pt>
+    <dgm:pt modelId="{2356CAD4-6C86-4656-8424-35019E915118}" type="pres">
+      <dgm:prSet presAssocID="{BD5F9635-3597-4B06-ADE9-AC2E8BD34833}" presName="parentText" presStyleLbl="node1" presStyleIdx="9" presStyleCnt="11">
+        <dgm:presLayoutVars>
+          <dgm:chMax val="0"/>
+          <dgm:bulletEnabled val="1"/>
+        </dgm:presLayoutVars>
+      </dgm:prSet>
+      <dgm:spPr/>
+    </dgm:pt>
+    <dgm:pt modelId="{421DE727-01AD-4E64-A6B0-9E9B817A3858}" type="pres">
+      <dgm:prSet presAssocID="{B1AC5612-81FB-42A9-8F1F-D8E12BB225C1}" presName="spacer" presStyleCnt="0"/>
+      <dgm:spPr/>
+    </dgm:pt>
+    <dgm:pt modelId="{3598683F-A3B1-4733-B3A8-15B9AC793CB5}" type="pres">
+      <dgm:prSet presAssocID="{F9EA8178-CAA0-4FF2-B950-039BEA0341BE}" presName="parentText" presStyleLbl="node1" presStyleIdx="10" presStyleCnt="11">
         <dgm:presLayoutVars>
           <dgm:chMax val="0"/>
           <dgm:bulletEnabled val="1"/>
@@ -3581,18 +5377,28 @@
   </dgm:ptLst>
   <dgm:cxnLst>
     <dgm:cxn modelId="{E3252A00-FB6A-4856-B453-0B6D59A66396}" type="presOf" srcId="{7986F941-B703-4BB6-8C17-9811553C1E1F}" destId="{740800C2-B3EF-42B0-AFFC-0B9E6207CD2A}" srcOrd="0" destOrd="0" presId="urn:microsoft.com/office/officeart/2005/8/layout/vList2"/>
+    <dgm:cxn modelId="{1A876E06-4E53-481D-888F-A3637E247409}" type="presOf" srcId="{BD5F9635-3597-4B06-ADE9-AC2E8BD34833}" destId="{2356CAD4-6C86-4656-8424-35019E915118}" srcOrd="0" destOrd="0" presId="urn:microsoft.com/office/officeart/2005/8/layout/vList2"/>
+    <dgm:cxn modelId="{33CA3708-01B2-4EDF-ACB4-58698EBD108B}" type="presOf" srcId="{E8EB9003-F937-439D-8A1A-C79EB88A84A1}" destId="{E9865F06-256D-42CE-B0D4-418A3216E2CC}" srcOrd="0" destOrd="0" presId="urn:microsoft.com/office/officeart/2005/8/layout/vList2"/>
+    <dgm:cxn modelId="{08F6121A-B2B6-4F7C-A899-8FCFE6CD461F}" srcId="{06E82BA1-DC81-479F-BB9B-C48C49098F31}" destId="{82E70812-3ADC-4ED5-A633-5B8F5378680E}" srcOrd="7" destOrd="0" parTransId="{F4BAD4FC-98D6-4192-B10C-32E622F52441}" sibTransId="{7242C431-0727-4EDB-803D-1CBE3BCC9E1D}"/>
+    <dgm:cxn modelId="{9466763A-BB83-46BE-B4E0-DA2C974D47DF}" srcId="{06E82BA1-DC81-479F-BB9B-C48C49098F31}" destId="{E96818AC-CB3C-4040-8D43-AB434BEE84FA}" srcOrd="8" destOrd="0" parTransId="{6A15F247-9CC3-423C-ABDD-C46821278AB0}" sibTransId="{C1997766-261F-424D-B186-39B998C01EB7}"/>
+    <dgm:cxn modelId="{9D67145B-E31C-4F1F-9330-AFF4C0FBC0F5}" srcId="{06E82BA1-DC81-479F-BB9B-C48C49098F31}" destId="{E8EB9003-F937-439D-8A1A-C79EB88A84A1}" srcOrd="6" destOrd="0" parTransId="{A94CEEF6-FA04-4E81-B17E-7D10F3C94FBC}" sibTransId="{D3984765-43FB-4866-AC01-A3FB14C4A143}"/>
     <dgm:cxn modelId="{AAB6155B-159D-4C82-9DCD-F23F45E2CCA1}" type="presOf" srcId="{EEFDE0CA-6ECC-43C6-A067-46BE11862677}" destId="{4AB35E06-38DA-485A-8735-75D744F065E7}" srcOrd="0" destOrd="0" presId="urn:microsoft.com/office/officeart/2005/8/layout/vList2"/>
+    <dgm:cxn modelId="{C7D19E62-7DF8-4E74-B645-37CCE74154AF}" type="presOf" srcId="{82E70812-3ADC-4ED5-A633-5B8F5378680E}" destId="{DE306D46-B45A-4901-AA07-273F1CB89355}" srcOrd="0" destOrd="0" presId="urn:microsoft.com/office/officeart/2005/8/layout/vList2"/>
+    <dgm:cxn modelId="{A2CB724B-A83C-481B-955D-78E0E0648956}" srcId="{06E82BA1-DC81-479F-BB9B-C48C49098F31}" destId="{F9EA8178-CAA0-4FF2-B950-039BEA0341BE}" srcOrd="10" destOrd="0" parTransId="{F3A15967-69B4-4ED1-B440-31E54751940E}" sibTransId="{173ADACF-B252-4FFE-829C-D8C3C59A38BD}"/>
     <dgm:cxn modelId="{E1C11373-11A5-4EED-A986-BEEE29378F0A}" type="presOf" srcId="{06E82BA1-DC81-479F-BB9B-C48C49098F31}" destId="{6267B17E-ED7B-419A-8E3B-5BDACB7391AD}" srcOrd="0" destOrd="0" presId="urn:microsoft.com/office/officeart/2005/8/layout/vList2"/>
     <dgm:cxn modelId="{243A3D8B-D708-4F5F-AA52-DFABB0028517}" srcId="{06E82BA1-DC81-479F-BB9B-C48C49098F31}" destId="{C8F713D5-F102-40C7-95BE-03175E2ACD58}" srcOrd="1" destOrd="0" parTransId="{47CB4DC7-C8C4-4350-AF0A-4689AEAE9A10}" sibTransId="{86C7346E-7368-47DA-815F-777541C486C3}"/>
     <dgm:cxn modelId="{4E5D2491-2634-4DCE-8F05-F030AD0F8B80}" type="presOf" srcId="{7277B101-EAFD-4401-AECC-26A2998D4EA9}" destId="{F6FB814C-F83D-484D-8AF5-994364F99DE0}" srcOrd="0" destOrd="0" presId="urn:microsoft.com/office/officeart/2005/8/layout/vList2"/>
+    <dgm:cxn modelId="{48CF39B3-0E3E-4D23-A13D-DFCCA94D5837}" type="presOf" srcId="{E96818AC-CB3C-4040-8D43-AB434BEE84FA}" destId="{41158F1B-371A-4992-B2EC-7A5F269DF30C}" srcOrd="0" destOrd="0" presId="urn:microsoft.com/office/officeart/2005/8/layout/vList2"/>
     <dgm:cxn modelId="{37EC38BA-CE22-46BD-84CF-031AFA725338}" type="presOf" srcId="{C7D35DFD-32C0-492C-99C1-7E60EF439CF4}" destId="{86BAB254-6B4B-4851-8321-2C85BA1A11EB}" srcOrd="0" destOrd="0" presId="urn:microsoft.com/office/officeart/2005/8/layout/vList2"/>
     <dgm:cxn modelId="{E11560BA-D4AC-4556-B2DE-D91D66FDEAA5}" srcId="{06E82BA1-DC81-479F-BB9B-C48C49098F31}" destId="{EEFDE0CA-6ECC-43C6-A067-46BE11862677}" srcOrd="2" destOrd="0" parTransId="{637B2CDC-E70B-40E8-A3F6-6A8540C7F69D}" sibTransId="{D96AEA5E-BCFA-498F-B90C-D4D8C2C4E0A3}"/>
     <dgm:cxn modelId="{BEBEC2C1-800E-4298-8F4A-1D509E0A0541}" srcId="{06E82BA1-DC81-479F-BB9B-C48C49098F31}" destId="{4D9508C0-826E-4786-B099-2CAE395B417D}" srcOrd="4" destOrd="0" parTransId="{C53D75CD-1324-4186-8FB5-179F799A98C3}" sibTransId="{1027D0EA-C877-4E89-8B03-0FDEE111FFD2}"/>
     <dgm:cxn modelId="{A2D1E5C4-B80C-4B1C-810E-1F85DBDFBECA}" type="presOf" srcId="{C8F713D5-F102-40C7-95BE-03175E2ACD58}" destId="{B271DF94-6A65-4F05-B5CE-A2F6A4F8025F}" srcOrd="0" destOrd="0" presId="urn:microsoft.com/office/officeart/2005/8/layout/vList2"/>
     <dgm:cxn modelId="{FA3F18C7-4D0C-40B7-BF1B-0602C820D65A}" srcId="{06E82BA1-DC81-479F-BB9B-C48C49098F31}" destId="{C7D35DFD-32C0-492C-99C1-7E60EF439CF4}" srcOrd="5" destOrd="0" parTransId="{03A97E6A-3114-47D0-95F9-348F02B67695}" sibTransId="{909D3EC5-2479-486D-B9B5-2C2222865C99}"/>
     <dgm:cxn modelId="{42E8D8D0-785B-4FD8-B065-CE7F579CA3F5}" srcId="{06E82BA1-DC81-479F-BB9B-C48C49098F31}" destId="{7986F941-B703-4BB6-8C17-9811553C1E1F}" srcOrd="0" destOrd="0" parTransId="{D06C60A6-FE49-42C0-B5A7-BA24F7648B34}" sibTransId="{2D021B64-4E79-4546-84B1-8E7100A6F1A0}"/>
+    <dgm:cxn modelId="{38BDF9D6-1EF2-4A0A-B7B6-2A1CE484FABE}" srcId="{06E82BA1-DC81-479F-BB9B-C48C49098F31}" destId="{BD5F9635-3597-4B06-ADE9-AC2E8BD34833}" srcOrd="9" destOrd="0" parTransId="{E3F560E7-136F-4FE0-B2B1-860349300089}" sibTransId="{B1AC5612-81FB-42A9-8F1F-D8E12BB225C1}"/>
     <dgm:cxn modelId="{F38985EF-4406-4234-97AB-45E6465D3EF6}" type="presOf" srcId="{4D9508C0-826E-4786-B099-2CAE395B417D}" destId="{AA328B94-C2E7-4B09-BD59-8A24145C662C}" srcOrd="0" destOrd="0" presId="urn:microsoft.com/office/officeart/2005/8/layout/vList2"/>
     <dgm:cxn modelId="{B39DF6FB-B857-4F07-AD43-5BFDB082E072}" srcId="{06E82BA1-DC81-479F-BB9B-C48C49098F31}" destId="{7277B101-EAFD-4401-AECC-26A2998D4EA9}" srcOrd="3" destOrd="0" parTransId="{673A34F9-5FB1-41E1-BE81-F329B662EDC0}" sibTransId="{1C7E8B38-78CB-4DDA-A715-56650AECDDBF}"/>
+    <dgm:cxn modelId="{614782FC-505E-4B44-BB6E-881141623655}" type="presOf" srcId="{F9EA8178-CAA0-4FF2-B950-039BEA0341BE}" destId="{3598683F-A3B1-4733-B3A8-15B9AC793CB5}" srcOrd="0" destOrd="0" presId="urn:microsoft.com/office/officeart/2005/8/layout/vList2"/>
     <dgm:cxn modelId="{1762EE67-AE75-435A-8121-37BAEAF8C5F6}" type="presParOf" srcId="{6267B17E-ED7B-419A-8E3B-5BDACB7391AD}" destId="{740800C2-B3EF-42B0-AFFC-0B9E6207CD2A}" srcOrd="0" destOrd="0" presId="urn:microsoft.com/office/officeart/2005/8/layout/vList2"/>
     <dgm:cxn modelId="{1801FDEF-1675-465D-9F70-103B5AF82E1A}" type="presParOf" srcId="{6267B17E-ED7B-419A-8E3B-5BDACB7391AD}" destId="{8FCDD3BD-8E51-46E5-8E87-03B7FB3AF626}" srcOrd="1" destOrd="0" presId="urn:microsoft.com/office/officeart/2005/8/layout/vList2"/>
     <dgm:cxn modelId="{9BE23B9E-C340-4491-B05E-646390C2966D}" type="presParOf" srcId="{6267B17E-ED7B-419A-8E3B-5BDACB7391AD}" destId="{B271DF94-6A65-4F05-B5CE-A2F6A4F8025F}" srcOrd="2" destOrd="0" presId="urn:microsoft.com/office/officeart/2005/8/layout/vList2"/>
@@ -3604,6 +5410,16 @@
     <dgm:cxn modelId="{4CA36414-1B07-4A28-9638-BF4338E3EECC}" type="presParOf" srcId="{6267B17E-ED7B-419A-8E3B-5BDACB7391AD}" destId="{AA328B94-C2E7-4B09-BD59-8A24145C662C}" srcOrd="8" destOrd="0" presId="urn:microsoft.com/office/officeart/2005/8/layout/vList2"/>
     <dgm:cxn modelId="{5E46684C-C71E-434C-9F7A-7F001113A597}" type="presParOf" srcId="{6267B17E-ED7B-419A-8E3B-5BDACB7391AD}" destId="{094559FE-A616-439A-A8A7-1AF4D0C32B4C}" srcOrd="9" destOrd="0" presId="urn:microsoft.com/office/officeart/2005/8/layout/vList2"/>
     <dgm:cxn modelId="{1AFC6B8A-E9D9-49F1-90B3-68DD039B91AD}" type="presParOf" srcId="{6267B17E-ED7B-419A-8E3B-5BDACB7391AD}" destId="{86BAB254-6B4B-4851-8321-2C85BA1A11EB}" srcOrd="10" destOrd="0" presId="urn:microsoft.com/office/officeart/2005/8/layout/vList2"/>
+    <dgm:cxn modelId="{CD5D5AC9-46D2-4285-BB1D-B81F0E39EA9B}" type="presParOf" srcId="{6267B17E-ED7B-419A-8E3B-5BDACB7391AD}" destId="{7BED5ED9-957F-49C4-ABD0-69E1180C2FE4}" srcOrd="11" destOrd="0" presId="urn:microsoft.com/office/officeart/2005/8/layout/vList2"/>
+    <dgm:cxn modelId="{787228A2-0A50-42B9-A584-11071B57158C}" type="presParOf" srcId="{6267B17E-ED7B-419A-8E3B-5BDACB7391AD}" destId="{E9865F06-256D-42CE-B0D4-418A3216E2CC}" srcOrd="12" destOrd="0" presId="urn:microsoft.com/office/officeart/2005/8/layout/vList2"/>
+    <dgm:cxn modelId="{C660D187-3970-45E3-9F31-E3CC66AA193A}" type="presParOf" srcId="{6267B17E-ED7B-419A-8E3B-5BDACB7391AD}" destId="{9804ED67-1930-477C-8B8F-DA5153ABDB00}" srcOrd="13" destOrd="0" presId="urn:microsoft.com/office/officeart/2005/8/layout/vList2"/>
+    <dgm:cxn modelId="{09AED3F5-A62F-43D8-B544-B3CF7068D606}" type="presParOf" srcId="{6267B17E-ED7B-419A-8E3B-5BDACB7391AD}" destId="{DE306D46-B45A-4901-AA07-273F1CB89355}" srcOrd="14" destOrd="0" presId="urn:microsoft.com/office/officeart/2005/8/layout/vList2"/>
+    <dgm:cxn modelId="{026C8B29-13C0-415F-984B-60D567FAC1DD}" type="presParOf" srcId="{6267B17E-ED7B-419A-8E3B-5BDACB7391AD}" destId="{F6F74641-352F-4F5A-945A-7103C69122B2}" srcOrd="15" destOrd="0" presId="urn:microsoft.com/office/officeart/2005/8/layout/vList2"/>
+    <dgm:cxn modelId="{F1FDA14F-022D-4888-BA57-F26C26794273}" type="presParOf" srcId="{6267B17E-ED7B-419A-8E3B-5BDACB7391AD}" destId="{41158F1B-371A-4992-B2EC-7A5F269DF30C}" srcOrd="16" destOrd="0" presId="urn:microsoft.com/office/officeart/2005/8/layout/vList2"/>
+    <dgm:cxn modelId="{2ACB4D3C-098D-455A-B7E4-49FF377E3A40}" type="presParOf" srcId="{6267B17E-ED7B-419A-8E3B-5BDACB7391AD}" destId="{C8DD0525-DD75-44F8-A49A-0932A9B2DDA2}" srcOrd="17" destOrd="0" presId="urn:microsoft.com/office/officeart/2005/8/layout/vList2"/>
+    <dgm:cxn modelId="{2FB0772B-412A-4EE9-A0FA-162B4CCB1762}" type="presParOf" srcId="{6267B17E-ED7B-419A-8E3B-5BDACB7391AD}" destId="{2356CAD4-6C86-4656-8424-35019E915118}" srcOrd="18" destOrd="0" presId="urn:microsoft.com/office/officeart/2005/8/layout/vList2"/>
+    <dgm:cxn modelId="{400673AC-8D56-41EA-8422-9D359A5AAD19}" type="presParOf" srcId="{6267B17E-ED7B-419A-8E3B-5BDACB7391AD}" destId="{421DE727-01AD-4E64-A6B0-9E9B817A3858}" srcOrd="19" destOrd="0" presId="urn:microsoft.com/office/officeart/2005/8/layout/vList2"/>
+    <dgm:cxn modelId="{403C2745-363F-45E8-93AC-7ED7226DFF45}" type="presParOf" srcId="{6267B17E-ED7B-419A-8E3B-5BDACB7391AD}" destId="{3598683F-A3B1-4733-B3A8-15B9AC793CB5}" srcOrd="20" destOrd="0" presId="urn:microsoft.com/office/officeart/2005/8/layout/vList2"/>
   </dgm:cxnLst>
   <dgm:bg/>
   <dgm:whole/>
@@ -3619,7 +5435,7 @@
 <dgm:dataModel xmlns:dgm="http://schemas.openxmlformats.org/drawingml/2006/diagram" xmlns:a="http://schemas.openxmlformats.org/drawingml/2006/main">
   <dgm:ptLst>
     <dgm:pt modelId="{DF6CAFED-50FF-48BF-8736-75E9C7971987}" type="doc">
-      <dgm:prSet loTypeId="urn:microsoft.com/office/officeart/2005/8/layout/vList2" loCatId="list" qsTypeId="urn:microsoft.com/office/officeart/2005/8/quickstyle/simple1" qsCatId="simple" csTypeId="urn:microsoft.com/office/officeart/2005/8/colors/colorful2" csCatId="colorful"/>
+      <dgm:prSet loTypeId="urn:microsoft.com/office/officeart/2005/8/layout/vList2" loCatId="list" qsTypeId="urn:microsoft.com/office/officeart/2005/8/quickstyle/simple1" qsCatId="simple" csTypeId="urn:microsoft.com/office/officeart/2005/8/colors/colorful2" csCatId="colorful" phldr="1"/>
       <dgm:spPr/>
       <dgm:t>
         <a:bodyPr/>
@@ -3677,7 +5493,7 @@
             <a:rPr lang="hr-HR"/>
             <a:t>Cilj projekta</a:t>
           </a:r>
-          <a:endParaRPr lang="en-US"/>
+          <a:endParaRPr lang="en-US" dirty="0"/>
         </a:p>
       </dgm:t>
     </dgm:pt>
@@ -3711,10 +5527,10 @@
         <a:lstStyle/>
         <a:p>
           <a:r>
-            <a:rPr lang="hr-HR"/>
+            <a:rPr lang="hr-HR" dirty="0"/>
             <a:t>Analiza i oblikovanje sustava	</a:t>
           </a:r>
-          <a:endParaRPr lang="en-US"/>
+          <a:endParaRPr lang="en-US" dirty="0"/>
         </a:p>
       </dgm:t>
     </dgm:pt>
@@ -3747,11 +5563,7 @@
         <a:bodyPr/>
         <a:lstStyle/>
         <a:p>
-          <a:r>
-            <a:rPr lang="hr-HR"/>
-            <a:t>Zahtjevi</a:t>
-          </a:r>
-          <a:endParaRPr lang="en-US"/>
+          <a:endParaRPr lang="en-US" dirty="0"/>
         </a:p>
       </dgm:t>
     </dgm:pt>
@@ -3777,7 +5589,7 @@
         </a:p>
       </dgm:t>
     </dgm:pt>
-    <dgm:pt modelId="{EF94CB73-8720-45C2-BBAE-107B71061718}">
+    <dgm:pt modelId="{9D3A8B9A-C703-449C-9D56-7220356A635C}">
       <dgm:prSet/>
       <dgm:spPr/>
       <dgm:t>
@@ -3786,13 +5598,13 @@
         <a:p>
           <a:r>
             <a:rPr lang="hr-HR"/>
-            <a:t>Arhitektura</a:t>
+            <a:t>Organizacija rada </a:t>
           </a:r>
           <a:endParaRPr lang="en-US"/>
         </a:p>
       </dgm:t>
     </dgm:pt>
-    <dgm:pt modelId="{E09AB9EF-63DA-472E-A322-1F52EBA2C63E}" type="parTrans" cxnId="{8B315A26-5E9A-4E1F-8DE9-027E252236F8}">
+    <dgm:pt modelId="{25C90F4B-6BFE-4F53-B185-985F92F81169}" type="parTrans" cxnId="{075E59EE-7049-4769-AEF2-CEAAA181F8C5}">
       <dgm:prSet/>
       <dgm:spPr/>
       <dgm:t>
@@ -3803,7 +5615,311 @@
         </a:p>
       </dgm:t>
     </dgm:pt>
-    <dgm:pt modelId="{F73B74AA-A296-4346-B62D-14414B368977}" type="sibTrans" cxnId="{8B315A26-5E9A-4E1F-8DE9-027E252236F8}">
+    <dgm:pt modelId="{6163AF6F-922E-44CB-BA8A-FD320F14FBCE}" type="sibTrans" cxnId="{075E59EE-7049-4769-AEF2-CEAAA181F8C5}">
+      <dgm:prSet/>
+      <dgm:spPr/>
+      <dgm:t>
+        <a:bodyPr/>
+        <a:lstStyle/>
+        <a:p>
+          <a:endParaRPr lang="en-US"/>
+        </a:p>
+      </dgm:t>
+    </dgm:pt>
+    <dgm:pt modelId="{32EE6F5E-4320-4BA2-B986-BB7CF0D372CE}">
+      <dgm:prSet/>
+      <dgm:spPr/>
+      <dgm:t>
+        <a:bodyPr/>
+        <a:lstStyle/>
+        <a:p>
+          <a:r>
+            <a:rPr lang="hr-HR"/>
+            <a:t>Iskustva</a:t>
+          </a:r>
+          <a:endParaRPr lang="en-US"/>
+        </a:p>
+      </dgm:t>
+    </dgm:pt>
+    <dgm:pt modelId="{680FCF3E-854D-4ED1-8926-657E83EC9931}" type="parTrans" cxnId="{E13A7B2F-510A-43DD-B694-3B9CA628EC27}">
+      <dgm:prSet/>
+      <dgm:spPr/>
+      <dgm:t>
+        <a:bodyPr/>
+        <a:lstStyle/>
+        <a:p>
+          <a:endParaRPr lang="en-US"/>
+        </a:p>
+      </dgm:t>
+    </dgm:pt>
+    <dgm:pt modelId="{E75E3B27-D5D6-4C9D-B5FD-F676F4D91E91}" type="sibTrans" cxnId="{E13A7B2F-510A-43DD-B694-3B9CA628EC27}">
+      <dgm:prSet/>
+      <dgm:spPr/>
+      <dgm:t>
+        <a:bodyPr/>
+        <a:lstStyle/>
+        <a:p>
+          <a:endParaRPr lang="en-US"/>
+        </a:p>
+      </dgm:t>
+    </dgm:pt>
+    <dgm:pt modelId="{20EC5F39-22DE-4F11-9BD1-442D4229D3EC}" type="pres">
+      <dgm:prSet presAssocID="{DF6CAFED-50FF-48BF-8736-75E9C7971987}" presName="linear" presStyleCnt="0">
+        <dgm:presLayoutVars>
+          <dgm:animLvl val="lvl"/>
+          <dgm:resizeHandles val="exact"/>
+        </dgm:presLayoutVars>
+      </dgm:prSet>
+      <dgm:spPr/>
+    </dgm:pt>
+    <dgm:pt modelId="{E08AB127-2486-4D1E-BC32-60C3EEECC47F}" type="pres">
+      <dgm:prSet presAssocID="{F4D30EF4-0400-43C0-8CAA-B6A1AF11FB88}" presName="parentText" presStyleLbl="node1" presStyleIdx="0" presStyleCnt="5" custLinFactY="-78998" custLinFactNeighborX="-4200" custLinFactNeighborY="-100000">
+        <dgm:presLayoutVars>
+          <dgm:chMax val="0"/>
+          <dgm:bulletEnabled val="1"/>
+        </dgm:presLayoutVars>
+      </dgm:prSet>
+      <dgm:spPr/>
+    </dgm:pt>
+    <dgm:pt modelId="{3C4A11DA-D6CB-42E2-93C1-BC3A567E05C1}" type="pres">
+      <dgm:prSet presAssocID="{DE0C2115-E365-4431-BBD6-99949F2D4CBC}" presName="spacer" presStyleCnt="0"/>
+      <dgm:spPr/>
+    </dgm:pt>
+    <dgm:pt modelId="{0D061BCB-C9CD-45C8-AC00-8292B61A45BE}" type="pres">
+      <dgm:prSet presAssocID="{CD769061-11BD-4EEE-A694-21A03DDA74F3}" presName="parentText" presStyleLbl="node1" presStyleIdx="1" presStyleCnt="5">
+        <dgm:presLayoutVars>
+          <dgm:chMax val="0"/>
+          <dgm:bulletEnabled val="1"/>
+        </dgm:presLayoutVars>
+      </dgm:prSet>
+      <dgm:spPr/>
+    </dgm:pt>
+    <dgm:pt modelId="{673A3CDD-709E-4757-97EF-8A5FC5B08667}" type="pres">
+      <dgm:prSet presAssocID="{C52CF0C7-792B-474D-A5A6-9192E560CB92}" presName="spacer" presStyleCnt="0"/>
+      <dgm:spPr/>
+    </dgm:pt>
+    <dgm:pt modelId="{7EC53AB6-5A81-4724-AB2A-72A336609137}" type="pres">
+      <dgm:prSet presAssocID="{693D50E4-7FE9-4FF3-8BA3-9FFA0E77CD66}" presName="parentText" presStyleLbl="node1" presStyleIdx="2" presStyleCnt="5">
+        <dgm:presLayoutVars>
+          <dgm:chMax val="0"/>
+          <dgm:bulletEnabled val="1"/>
+        </dgm:presLayoutVars>
+      </dgm:prSet>
+      <dgm:spPr/>
+    </dgm:pt>
+    <dgm:pt modelId="{6964960E-A997-40B1-8ED9-E0370BDFD157}" type="pres">
+      <dgm:prSet presAssocID="{693D50E4-7FE9-4FF3-8BA3-9FFA0E77CD66}" presName="childText" presStyleLbl="revTx" presStyleIdx="0" presStyleCnt="1">
+        <dgm:presLayoutVars>
+          <dgm:bulletEnabled val="1"/>
+        </dgm:presLayoutVars>
+      </dgm:prSet>
+      <dgm:spPr/>
+    </dgm:pt>
+    <dgm:pt modelId="{095D16C5-2405-484D-A358-F5293A86E281}" type="pres">
+      <dgm:prSet presAssocID="{9D3A8B9A-C703-449C-9D56-7220356A635C}" presName="parentText" presStyleLbl="node1" presStyleIdx="3" presStyleCnt="5" custLinFactY="-48499" custLinFactNeighborY="-100000">
+        <dgm:presLayoutVars>
+          <dgm:chMax val="0"/>
+          <dgm:bulletEnabled val="1"/>
+        </dgm:presLayoutVars>
+      </dgm:prSet>
+      <dgm:spPr/>
+    </dgm:pt>
+    <dgm:pt modelId="{B93CA8B7-F54F-44CB-B8A5-7BB034E6E4A2}" type="pres">
+      <dgm:prSet presAssocID="{6163AF6F-922E-44CB-BA8A-FD320F14FBCE}" presName="spacer" presStyleCnt="0"/>
+      <dgm:spPr/>
+    </dgm:pt>
+    <dgm:pt modelId="{4D72C598-7E64-4926-A186-B983CD64A481}" type="pres">
+      <dgm:prSet presAssocID="{32EE6F5E-4320-4BA2-B986-BB7CF0D372CE}" presName="parentText" presStyleLbl="node1" presStyleIdx="4" presStyleCnt="5" custLinFactY="-47044" custLinFactNeighborX="2" custLinFactNeighborY="-100000">
+        <dgm:presLayoutVars>
+          <dgm:chMax val="0"/>
+          <dgm:bulletEnabled val="1"/>
+        </dgm:presLayoutVars>
+      </dgm:prSet>
+      <dgm:spPr/>
+    </dgm:pt>
+  </dgm:ptLst>
+  <dgm:cxnLst>
+    <dgm:cxn modelId="{7044670E-0614-4414-8147-FEB334B95282}" type="presOf" srcId="{693D50E4-7FE9-4FF3-8BA3-9FFA0E77CD66}" destId="{7EC53AB6-5A81-4724-AB2A-72A336609137}" srcOrd="0" destOrd="0" presId="urn:microsoft.com/office/officeart/2005/8/layout/vList2"/>
+    <dgm:cxn modelId="{26684014-D175-4E86-BC3F-1EDC880DA564}" type="presOf" srcId="{DF6CAFED-50FF-48BF-8736-75E9C7971987}" destId="{20EC5F39-22DE-4F11-9BD1-442D4229D3EC}" srcOrd="0" destOrd="0" presId="urn:microsoft.com/office/officeart/2005/8/layout/vList2"/>
+    <dgm:cxn modelId="{E13A7B2F-510A-43DD-B694-3B9CA628EC27}" srcId="{DF6CAFED-50FF-48BF-8736-75E9C7971987}" destId="{32EE6F5E-4320-4BA2-B986-BB7CF0D372CE}" srcOrd="4" destOrd="0" parTransId="{680FCF3E-854D-4ED1-8926-657E83EC9931}" sibTransId="{E75E3B27-D5D6-4C9D-B5FD-F676F4D91E91}"/>
+    <dgm:cxn modelId="{2B783346-C35B-4430-BDE6-3B4F9E393E4F}" srcId="{693D50E4-7FE9-4FF3-8BA3-9FFA0E77CD66}" destId="{E7A9C912-AEFA-466C-97EA-BE41E2F6FC1E}" srcOrd="0" destOrd="0" parTransId="{8CC1E1D9-8FF8-4708-ADEC-9FDB6B2A9623}" sibTransId="{81879EDF-72A4-4AA9-A59D-15A09FAF7264}"/>
+    <dgm:cxn modelId="{FBDD1356-0131-48B1-A5F2-9BB3373A7872}" type="presOf" srcId="{F4D30EF4-0400-43C0-8CAA-B6A1AF11FB88}" destId="{E08AB127-2486-4D1E-BC32-60C3EEECC47F}" srcOrd="0" destOrd="0" presId="urn:microsoft.com/office/officeart/2005/8/layout/vList2"/>
+    <dgm:cxn modelId="{0B070086-A46A-4E96-BA22-5498A8E0CC54}" type="presOf" srcId="{32EE6F5E-4320-4BA2-B986-BB7CF0D372CE}" destId="{4D72C598-7E64-4926-A186-B983CD64A481}" srcOrd="0" destOrd="0" presId="urn:microsoft.com/office/officeart/2005/8/layout/vList2"/>
+    <dgm:cxn modelId="{60E5B48E-FE4A-4397-8E17-9D7D7DAB9351}" srcId="{DF6CAFED-50FF-48BF-8736-75E9C7971987}" destId="{693D50E4-7FE9-4FF3-8BA3-9FFA0E77CD66}" srcOrd="2" destOrd="0" parTransId="{BF1E42E2-5EC6-4F58-9F01-F38849048302}" sibTransId="{ABBA505F-DCAF-45C0-A05B-817D83972E54}"/>
+    <dgm:cxn modelId="{CA2633A4-AE37-40D1-BC91-F5647A512A35}" srcId="{DF6CAFED-50FF-48BF-8736-75E9C7971987}" destId="{CD769061-11BD-4EEE-A694-21A03DDA74F3}" srcOrd="1" destOrd="0" parTransId="{DD5C46B7-7914-40D6-AE48-42282323EBDF}" sibTransId="{C52CF0C7-792B-474D-A5A6-9192E560CB92}"/>
+    <dgm:cxn modelId="{41678EA4-FC42-43C9-BEC7-67DB5E76680C}" srcId="{DF6CAFED-50FF-48BF-8736-75E9C7971987}" destId="{F4D30EF4-0400-43C0-8CAA-B6A1AF11FB88}" srcOrd="0" destOrd="0" parTransId="{6BCC0C0D-5DEF-4A93-A293-2EADD82D0B0E}" sibTransId="{DE0C2115-E365-4431-BBD6-99949F2D4CBC}"/>
+    <dgm:cxn modelId="{8C1CF4AB-6E15-4BA1-9163-885EE994AC0D}" type="presOf" srcId="{E7A9C912-AEFA-466C-97EA-BE41E2F6FC1E}" destId="{6964960E-A997-40B1-8ED9-E0370BDFD157}" srcOrd="0" destOrd="0" presId="urn:microsoft.com/office/officeart/2005/8/layout/vList2"/>
+    <dgm:cxn modelId="{A147CFDA-D144-4975-8653-0B03CAC573A4}" type="presOf" srcId="{CD769061-11BD-4EEE-A694-21A03DDA74F3}" destId="{0D061BCB-C9CD-45C8-AC00-8292B61A45BE}" srcOrd="0" destOrd="0" presId="urn:microsoft.com/office/officeart/2005/8/layout/vList2"/>
+    <dgm:cxn modelId="{B76F2BDE-BCD2-4016-AC2A-A3963D581D78}" type="presOf" srcId="{9D3A8B9A-C703-449C-9D56-7220356A635C}" destId="{095D16C5-2405-484D-A358-F5293A86E281}" srcOrd="0" destOrd="0" presId="urn:microsoft.com/office/officeart/2005/8/layout/vList2"/>
+    <dgm:cxn modelId="{075E59EE-7049-4769-AEF2-CEAAA181F8C5}" srcId="{DF6CAFED-50FF-48BF-8736-75E9C7971987}" destId="{9D3A8B9A-C703-449C-9D56-7220356A635C}" srcOrd="3" destOrd="0" parTransId="{25C90F4B-6BFE-4F53-B185-985F92F81169}" sibTransId="{6163AF6F-922E-44CB-BA8A-FD320F14FBCE}"/>
+    <dgm:cxn modelId="{88AD3CE4-CD9D-4343-9B03-D7ADB589D537}" type="presParOf" srcId="{20EC5F39-22DE-4F11-9BD1-442D4229D3EC}" destId="{E08AB127-2486-4D1E-BC32-60C3EEECC47F}" srcOrd="0" destOrd="0" presId="urn:microsoft.com/office/officeart/2005/8/layout/vList2"/>
+    <dgm:cxn modelId="{F7727D54-7A70-40C4-9AD9-EA7723C7BFE3}" type="presParOf" srcId="{20EC5F39-22DE-4F11-9BD1-442D4229D3EC}" destId="{3C4A11DA-D6CB-42E2-93C1-BC3A567E05C1}" srcOrd="1" destOrd="0" presId="urn:microsoft.com/office/officeart/2005/8/layout/vList2"/>
+    <dgm:cxn modelId="{B93A21F1-E7AA-4A91-9BC7-12B554A71CA7}" type="presParOf" srcId="{20EC5F39-22DE-4F11-9BD1-442D4229D3EC}" destId="{0D061BCB-C9CD-45C8-AC00-8292B61A45BE}" srcOrd="2" destOrd="0" presId="urn:microsoft.com/office/officeart/2005/8/layout/vList2"/>
+    <dgm:cxn modelId="{FC2B715B-3F2E-4B27-B2BB-AB17497584DC}" type="presParOf" srcId="{20EC5F39-22DE-4F11-9BD1-442D4229D3EC}" destId="{673A3CDD-709E-4757-97EF-8A5FC5B08667}" srcOrd="3" destOrd="0" presId="urn:microsoft.com/office/officeart/2005/8/layout/vList2"/>
+    <dgm:cxn modelId="{9D0083B2-BFA7-4EA4-9F6C-E50E343CE49F}" type="presParOf" srcId="{20EC5F39-22DE-4F11-9BD1-442D4229D3EC}" destId="{7EC53AB6-5A81-4724-AB2A-72A336609137}" srcOrd="4" destOrd="0" presId="urn:microsoft.com/office/officeart/2005/8/layout/vList2"/>
+    <dgm:cxn modelId="{617FFB25-4E35-4A12-8073-749B015CDA39}" type="presParOf" srcId="{20EC5F39-22DE-4F11-9BD1-442D4229D3EC}" destId="{6964960E-A997-40B1-8ED9-E0370BDFD157}" srcOrd="5" destOrd="0" presId="urn:microsoft.com/office/officeart/2005/8/layout/vList2"/>
+    <dgm:cxn modelId="{345BD9E2-767C-4133-9B81-9A6C5C3B6B9E}" type="presParOf" srcId="{20EC5F39-22DE-4F11-9BD1-442D4229D3EC}" destId="{095D16C5-2405-484D-A358-F5293A86E281}" srcOrd="6" destOrd="0" presId="urn:microsoft.com/office/officeart/2005/8/layout/vList2"/>
+    <dgm:cxn modelId="{872025DA-4B37-49A2-A3BF-97EBF750C4F0}" type="presParOf" srcId="{20EC5F39-22DE-4F11-9BD1-442D4229D3EC}" destId="{B93CA8B7-F54F-44CB-B8A5-7BB034E6E4A2}" srcOrd="7" destOrd="0" presId="urn:microsoft.com/office/officeart/2005/8/layout/vList2"/>
+    <dgm:cxn modelId="{669EC925-3ED2-478C-939F-830DF8B21D6C}" type="presParOf" srcId="{20EC5F39-22DE-4F11-9BD1-442D4229D3EC}" destId="{4D72C598-7E64-4926-A186-B983CD64A481}" srcOrd="8" destOrd="0" presId="urn:microsoft.com/office/officeart/2005/8/layout/vList2"/>
+  </dgm:cxnLst>
+  <dgm:bg/>
+  <dgm:whole/>
+  <dgm:extLst>
+    <a:ext uri="http://schemas.microsoft.com/office/drawing/2008/diagram">
+      <dsp:dataModelExt xmlns:dsp="http://schemas.microsoft.com/office/drawing/2008/diagram" relId="rId11" minVer="http://schemas.openxmlformats.org/drawingml/2006/diagram"/>
+    </a:ext>
+  </dgm:extLst>
+</dgm:dataModel>
+</file>
+
+<file path=ppt/diagrams/data3.xml><?xml version="1.0" encoding="utf-8"?>
+<dgm:dataModel xmlns:dgm="http://schemas.openxmlformats.org/drawingml/2006/diagram" xmlns:a="http://schemas.openxmlformats.org/drawingml/2006/main">
+  <dgm:ptLst>
+    <dgm:pt modelId="{DF6CAFED-50FF-48BF-8736-75E9C7971987}" type="doc">
+      <dgm:prSet loTypeId="urn:microsoft.com/office/officeart/2005/8/layout/vList2" loCatId="list" qsTypeId="urn:microsoft.com/office/officeart/2005/8/quickstyle/simple1" qsCatId="simple" csTypeId="urn:microsoft.com/office/officeart/2005/8/colors/colorful2" csCatId="colorful" phldr="1"/>
+      <dgm:spPr/>
+      <dgm:t>
+        <a:bodyPr/>
+        <a:lstStyle/>
+        <a:p>
+          <a:endParaRPr lang="en-US"/>
+        </a:p>
+      </dgm:t>
+    </dgm:pt>
+    <dgm:pt modelId="{F4D30EF4-0400-43C0-8CAA-B6A1AF11FB88}">
+      <dgm:prSet/>
+      <dgm:spPr/>
+      <dgm:t>
+        <a:bodyPr/>
+        <a:lstStyle/>
+        <a:p>
+          <a:r>
+            <a:rPr lang="hr-HR"/>
+            <a:t>Članovi tima</a:t>
+          </a:r>
+          <a:endParaRPr lang="en-US"/>
+        </a:p>
+      </dgm:t>
+    </dgm:pt>
+    <dgm:pt modelId="{6BCC0C0D-5DEF-4A93-A293-2EADD82D0B0E}" type="parTrans" cxnId="{41678EA4-FC42-43C9-BEC7-67DB5E76680C}">
+      <dgm:prSet/>
+      <dgm:spPr/>
+      <dgm:t>
+        <a:bodyPr/>
+        <a:lstStyle/>
+        <a:p>
+          <a:endParaRPr lang="en-US"/>
+        </a:p>
+      </dgm:t>
+    </dgm:pt>
+    <dgm:pt modelId="{DE0C2115-E365-4431-BBD6-99949F2D4CBC}" type="sibTrans" cxnId="{41678EA4-FC42-43C9-BEC7-67DB5E76680C}">
+      <dgm:prSet/>
+      <dgm:spPr/>
+      <dgm:t>
+        <a:bodyPr/>
+        <a:lstStyle/>
+        <a:p>
+          <a:endParaRPr lang="en-US"/>
+        </a:p>
+      </dgm:t>
+    </dgm:pt>
+    <dgm:pt modelId="{CD769061-11BD-4EEE-A694-21A03DDA74F3}">
+      <dgm:prSet/>
+      <dgm:spPr/>
+      <dgm:t>
+        <a:bodyPr/>
+        <a:lstStyle/>
+        <a:p>
+          <a:r>
+            <a:rPr lang="hr-HR" dirty="0"/>
+            <a:t>Cilj projekta</a:t>
+          </a:r>
+          <a:endParaRPr lang="en-US" dirty="0"/>
+        </a:p>
+      </dgm:t>
+    </dgm:pt>
+    <dgm:pt modelId="{DD5C46B7-7914-40D6-AE48-42282323EBDF}" type="parTrans" cxnId="{CA2633A4-AE37-40D1-BC91-F5647A512A35}">
+      <dgm:prSet/>
+      <dgm:spPr/>
+      <dgm:t>
+        <a:bodyPr/>
+        <a:lstStyle/>
+        <a:p>
+          <a:endParaRPr lang="en-US"/>
+        </a:p>
+      </dgm:t>
+    </dgm:pt>
+    <dgm:pt modelId="{C52CF0C7-792B-474D-A5A6-9192E560CB92}" type="sibTrans" cxnId="{CA2633A4-AE37-40D1-BC91-F5647A512A35}">
+      <dgm:prSet/>
+      <dgm:spPr/>
+      <dgm:t>
+        <a:bodyPr/>
+        <a:lstStyle/>
+        <a:p>
+          <a:endParaRPr lang="en-US"/>
+        </a:p>
+      </dgm:t>
+    </dgm:pt>
+    <dgm:pt modelId="{693D50E4-7FE9-4FF3-8BA3-9FFA0E77CD66}">
+      <dgm:prSet/>
+      <dgm:spPr/>
+      <dgm:t>
+        <a:bodyPr/>
+        <a:lstStyle/>
+        <a:p>
+          <a:r>
+            <a:rPr lang="hr-HR" dirty="0"/>
+            <a:t>Analiza i oblikovanje sustava	</a:t>
+          </a:r>
+          <a:endParaRPr lang="en-US" dirty="0"/>
+        </a:p>
+      </dgm:t>
+    </dgm:pt>
+    <dgm:pt modelId="{BF1E42E2-5EC6-4F58-9F01-F38849048302}" type="parTrans" cxnId="{60E5B48E-FE4A-4397-8E17-9D7D7DAB9351}">
+      <dgm:prSet/>
+      <dgm:spPr/>
+      <dgm:t>
+        <a:bodyPr/>
+        <a:lstStyle/>
+        <a:p>
+          <a:endParaRPr lang="en-US"/>
+        </a:p>
+      </dgm:t>
+    </dgm:pt>
+    <dgm:pt modelId="{ABBA505F-DCAF-45C0-A05B-817D83972E54}" type="sibTrans" cxnId="{60E5B48E-FE4A-4397-8E17-9D7D7DAB9351}">
+      <dgm:prSet/>
+      <dgm:spPr/>
+      <dgm:t>
+        <a:bodyPr/>
+        <a:lstStyle/>
+        <a:p>
+          <a:endParaRPr lang="en-US"/>
+        </a:p>
+      </dgm:t>
+    </dgm:pt>
+    <dgm:pt modelId="{E7A9C912-AEFA-466C-97EA-BE41E2F6FC1E}">
+      <dgm:prSet/>
+      <dgm:spPr/>
+      <dgm:t>
+        <a:bodyPr/>
+        <a:lstStyle/>
+        <a:p>
+          <a:endParaRPr lang="en-US" dirty="0"/>
+        </a:p>
+      </dgm:t>
+    </dgm:pt>
+    <dgm:pt modelId="{8CC1E1D9-8FF8-4708-ADEC-9FDB6B2A9623}" type="parTrans" cxnId="{2B783346-C35B-4430-BDE6-3B4F9E393E4F}">
+      <dgm:prSet/>
+      <dgm:spPr/>
+      <dgm:t>
+        <a:bodyPr/>
+        <a:lstStyle/>
+        <a:p>
+          <a:endParaRPr lang="en-US"/>
+        </a:p>
+      </dgm:t>
+    </dgm:pt>
+    <dgm:pt modelId="{81879EDF-72A4-4AA9-A59D-15A09FAF7264}" type="sibTrans" cxnId="{2B783346-C35B-4430-BDE6-3B4F9E393E4F}">
       <dgm:prSet/>
       <dgm:spPr/>
       <dgm:t>
@@ -3941,7 +6057,7 @@
       <dgm:spPr/>
     </dgm:pt>
     <dgm:pt modelId="{095D16C5-2405-484D-A358-F5293A86E281}" type="pres">
-      <dgm:prSet presAssocID="{9D3A8B9A-C703-449C-9D56-7220356A635C}" presName="parentText" presStyleLbl="node1" presStyleIdx="3" presStyleCnt="5">
+      <dgm:prSet presAssocID="{9D3A8B9A-C703-449C-9D56-7220356A635C}" presName="parentText" presStyleLbl="node1" presStyleIdx="3" presStyleCnt="5" custLinFactY="-48499" custLinFactNeighborY="-100000">
         <dgm:presLayoutVars>
           <dgm:chMax val="0"/>
           <dgm:bulletEnabled val="1"/>
@@ -3954,7 +6070,7 @@
       <dgm:spPr/>
     </dgm:pt>
     <dgm:pt modelId="{4D72C598-7E64-4926-A186-B983CD64A481}" type="pres">
-      <dgm:prSet presAssocID="{32EE6F5E-4320-4BA2-B986-BB7CF0D372CE}" presName="parentText" presStyleLbl="node1" presStyleIdx="4" presStyleCnt="5">
+      <dgm:prSet presAssocID="{32EE6F5E-4320-4BA2-B986-BB7CF0D372CE}" presName="parentText" presStyleLbl="node1" presStyleIdx="4" presStyleCnt="5" custLinFactY="-47044" custLinFactNeighborX="2" custLinFactNeighborY="-100000">
         <dgm:presLayoutVars>
           <dgm:chMax val="0"/>
           <dgm:bulletEnabled val="1"/>
@@ -3966,7 +6082,6 @@
   <dgm:cxnLst>
     <dgm:cxn modelId="{7044670E-0614-4414-8147-FEB334B95282}" type="presOf" srcId="{693D50E4-7FE9-4FF3-8BA3-9FFA0E77CD66}" destId="{7EC53AB6-5A81-4724-AB2A-72A336609137}" srcOrd="0" destOrd="0" presId="urn:microsoft.com/office/officeart/2005/8/layout/vList2"/>
     <dgm:cxn modelId="{26684014-D175-4E86-BC3F-1EDC880DA564}" type="presOf" srcId="{DF6CAFED-50FF-48BF-8736-75E9C7971987}" destId="{20EC5F39-22DE-4F11-9BD1-442D4229D3EC}" srcOrd="0" destOrd="0" presId="urn:microsoft.com/office/officeart/2005/8/layout/vList2"/>
-    <dgm:cxn modelId="{8B315A26-5E9A-4E1F-8DE9-027E252236F8}" srcId="{693D50E4-7FE9-4FF3-8BA3-9FFA0E77CD66}" destId="{EF94CB73-8720-45C2-BBAE-107B71061718}" srcOrd="1" destOrd="0" parTransId="{E09AB9EF-63DA-472E-A322-1F52EBA2C63E}" sibTransId="{F73B74AA-A296-4346-B62D-14414B368977}"/>
     <dgm:cxn modelId="{E13A7B2F-510A-43DD-B694-3B9CA628EC27}" srcId="{DF6CAFED-50FF-48BF-8736-75E9C7971987}" destId="{32EE6F5E-4320-4BA2-B986-BB7CF0D372CE}" srcOrd="4" destOrd="0" parTransId="{680FCF3E-854D-4ED1-8926-657E83EC9931}" sibTransId="{E75E3B27-D5D6-4C9D-B5FD-F676F4D91E91}"/>
     <dgm:cxn modelId="{2B783346-C35B-4430-BDE6-3B4F9E393E4F}" srcId="{693D50E4-7FE9-4FF3-8BA3-9FFA0E77CD66}" destId="{E7A9C912-AEFA-466C-97EA-BE41E2F6FC1E}" srcOrd="0" destOrd="0" parTransId="{8CC1E1D9-8FF8-4708-ADEC-9FDB6B2A9623}" sibTransId="{81879EDF-72A4-4AA9-A59D-15A09FAF7264}"/>
     <dgm:cxn modelId="{FBDD1356-0131-48B1-A5F2-9BB3373A7872}" type="presOf" srcId="{F4D30EF4-0400-43C0-8CAA-B6A1AF11FB88}" destId="{E08AB127-2486-4D1E-BC32-60C3EEECC47F}" srcOrd="0" destOrd="0" presId="urn:microsoft.com/office/officeart/2005/8/layout/vList2"/>
@@ -3977,7 +6092,6 @@
     <dgm:cxn modelId="{8C1CF4AB-6E15-4BA1-9163-885EE994AC0D}" type="presOf" srcId="{E7A9C912-AEFA-466C-97EA-BE41E2F6FC1E}" destId="{6964960E-A997-40B1-8ED9-E0370BDFD157}" srcOrd="0" destOrd="0" presId="urn:microsoft.com/office/officeart/2005/8/layout/vList2"/>
     <dgm:cxn modelId="{A147CFDA-D144-4975-8653-0B03CAC573A4}" type="presOf" srcId="{CD769061-11BD-4EEE-A694-21A03DDA74F3}" destId="{0D061BCB-C9CD-45C8-AC00-8292B61A45BE}" srcOrd="0" destOrd="0" presId="urn:microsoft.com/office/officeart/2005/8/layout/vList2"/>
     <dgm:cxn modelId="{B76F2BDE-BCD2-4016-AC2A-A3963D581D78}" type="presOf" srcId="{9D3A8B9A-C703-449C-9D56-7220356A635C}" destId="{095D16C5-2405-484D-A358-F5293A86E281}" srcOrd="0" destOrd="0" presId="urn:microsoft.com/office/officeart/2005/8/layout/vList2"/>
-    <dgm:cxn modelId="{35F975E0-5149-4D53-B149-BD13C83074C0}" type="presOf" srcId="{EF94CB73-8720-45C2-BBAE-107B71061718}" destId="{6964960E-A997-40B1-8ED9-E0370BDFD157}" srcOrd="0" destOrd="1" presId="urn:microsoft.com/office/officeart/2005/8/layout/vList2"/>
     <dgm:cxn modelId="{075E59EE-7049-4769-AEF2-CEAAA181F8C5}" srcId="{DF6CAFED-50FF-48BF-8736-75E9C7971987}" destId="{9D3A8B9A-C703-449C-9D56-7220356A635C}" srcOrd="3" destOrd="0" parTransId="{25C90F4B-6BFE-4F53-B185-985F92F81169}" sibTransId="{6163AF6F-922E-44CB-BA8A-FD320F14FBCE}"/>
     <dgm:cxn modelId="{88AD3CE4-CD9D-4343-9B03-D7ADB589D537}" type="presParOf" srcId="{20EC5F39-22DE-4F11-9BD1-442D4229D3EC}" destId="{E08AB127-2486-4D1E-BC32-60C3EEECC47F}" srcOrd="0" destOrd="0" presId="urn:microsoft.com/office/officeart/2005/8/layout/vList2"/>
     <dgm:cxn modelId="{F7727D54-7A70-40C4-9AD9-EA7723C7BFE3}" type="presParOf" srcId="{20EC5F39-22DE-4F11-9BD1-442D4229D3EC}" destId="{3C4A11DA-D6CB-42E2-93C1-BC3A567E05C1}" srcOrd="1" destOrd="0" presId="urn:microsoft.com/office/officeart/2005/8/layout/vList2"/>
@@ -3999,7 +6113,7 @@
 </dgm:dataModel>
 </file>
 
-<file path=ppt/diagrams/data3.xml><?xml version="1.0" encoding="utf-8"?>
+<file path=ppt/diagrams/data4.xml><?xml version="1.0" encoding="utf-8"?>
 <dgm:dataModel xmlns:dgm="http://schemas.openxmlformats.org/drawingml/2006/diagram" xmlns:a="http://schemas.openxmlformats.org/drawingml/2006/main">
   <dgm:ptLst>
     <dgm:pt modelId="{5AECBC8E-A895-42F1-8EFF-59DA5CD9308A}" type="doc">
@@ -4490,7 +6604,7 @@
 </dgm:dataModel>
 </file>
 
-<file path=ppt/diagrams/data4.xml><?xml version="1.0" encoding="utf-8"?>
+<file path=ppt/diagrams/data5.xml><?xml version="1.0" encoding="utf-8"?>
 <dgm:dataModel xmlns:dgm="http://schemas.openxmlformats.org/drawingml/2006/diagram" xmlns:a="http://schemas.openxmlformats.org/drawingml/2006/main">
   <dgm:ptLst>
     <dgm:pt modelId="{E79D59BE-24B4-4B13-8569-A1D3A7E58B0E}" type="doc">
@@ -4958,6 +7072,510 @@
 </dgm:dataModel>
 </file>
 
+<file path=ppt/diagrams/data6.xml><?xml version="1.0" encoding="utf-8"?>
+<dgm:dataModel xmlns:dgm="http://schemas.openxmlformats.org/drawingml/2006/diagram" xmlns:a="http://schemas.openxmlformats.org/drawingml/2006/main">
+  <dgm:ptLst>
+    <dgm:pt modelId="{DE76AC36-778B-4EF3-B91B-AABC6D66259E}" type="doc">
+      <dgm:prSet loTypeId="urn:microsoft.com/office/officeart/2005/8/layout/list1" loCatId="list" qsTypeId="urn:microsoft.com/office/officeart/2005/8/quickstyle/simple1" qsCatId="simple" csTypeId="urn:microsoft.com/office/officeart/2005/8/colors/colorful2" csCatId="colorful"/>
+      <dgm:spPr/>
+      <dgm:t>
+        <a:bodyPr/>
+        <a:lstStyle/>
+        <a:p>
+          <a:endParaRPr lang="en-US"/>
+        </a:p>
+      </dgm:t>
+    </dgm:pt>
+    <dgm:pt modelId="{F11650FA-AE57-4E0D-88A5-7D880F499F97}">
+      <dgm:prSet/>
+      <dgm:spPr/>
+      <dgm:t>
+        <a:bodyPr/>
+        <a:lstStyle/>
+        <a:p>
+          <a:r>
+            <a:rPr lang="hr-HR"/>
+            <a:t>Neprogramski (organizacijski) zadaci</a:t>
+          </a:r>
+          <a:endParaRPr lang="en-US"/>
+        </a:p>
+      </dgm:t>
+    </dgm:pt>
+    <dgm:pt modelId="{6E346719-095E-4191-B442-5FFC2E347F80}" type="parTrans" cxnId="{2DA25483-96F9-4BA0-87C1-E5D12B7E19FC}">
+      <dgm:prSet/>
+      <dgm:spPr/>
+      <dgm:t>
+        <a:bodyPr/>
+        <a:lstStyle/>
+        <a:p>
+          <a:endParaRPr lang="en-US"/>
+        </a:p>
+      </dgm:t>
+    </dgm:pt>
+    <dgm:pt modelId="{0C829FD2-B21A-4E14-94C6-A99B4AC911BF}" type="sibTrans" cxnId="{2DA25483-96F9-4BA0-87C1-E5D12B7E19FC}">
+      <dgm:prSet/>
+      <dgm:spPr/>
+      <dgm:t>
+        <a:bodyPr/>
+        <a:lstStyle/>
+        <a:p>
+          <a:endParaRPr lang="en-US"/>
+        </a:p>
+      </dgm:t>
+    </dgm:pt>
+    <dgm:pt modelId="{9534B2A3-1EBB-441D-ADD7-4A602134017F}">
+      <dgm:prSet/>
+      <dgm:spPr/>
+      <dgm:t>
+        <a:bodyPr/>
+        <a:lstStyle/>
+        <a:p>
+          <a:r>
+            <a:rPr lang="hr-HR"/>
+            <a:t>Organizacija komunikacije – gitHub, Discord </a:t>
+          </a:r>
+          <a:endParaRPr lang="en-US"/>
+        </a:p>
+      </dgm:t>
+    </dgm:pt>
+    <dgm:pt modelId="{E1E91C73-4184-4046-8F76-07FD1B9A827C}" type="parTrans" cxnId="{5081788F-8F7A-4FC1-99C7-44FD839B8FCE}">
+      <dgm:prSet/>
+      <dgm:spPr/>
+      <dgm:t>
+        <a:bodyPr/>
+        <a:lstStyle/>
+        <a:p>
+          <a:endParaRPr lang="en-US"/>
+        </a:p>
+      </dgm:t>
+    </dgm:pt>
+    <dgm:pt modelId="{B83873E7-7B52-412D-A73E-7F71DE518C7D}" type="sibTrans" cxnId="{5081788F-8F7A-4FC1-99C7-44FD839B8FCE}">
+      <dgm:prSet/>
+      <dgm:spPr/>
+      <dgm:t>
+        <a:bodyPr/>
+        <a:lstStyle/>
+        <a:p>
+          <a:endParaRPr lang="en-US"/>
+        </a:p>
+      </dgm:t>
+    </dgm:pt>
+    <dgm:pt modelId="{94DE3B68-3F53-42DC-9A4F-3E10EB5E77AB}">
+      <dgm:prSet/>
+      <dgm:spPr/>
+      <dgm:t>
+        <a:bodyPr/>
+        <a:lstStyle/>
+        <a:p>
+          <a:r>
+            <a:rPr lang="hr-HR"/>
+            <a:t>GitHub iskustvo – odlično osim kada je merge error</a:t>
+          </a:r>
+          <a:endParaRPr lang="en-US"/>
+        </a:p>
+      </dgm:t>
+    </dgm:pt>
+    <dgm:pt modelId="{463350D0-129C-43F1-9516-98B74B95FEE5}" type="parTrans" cxnId="{860C8860-FC25-4795-AB5D-1072B384E79C}">
+      <dgm:prSet/>
+      <dgm:spPr/>
+      <dgm:t>
+        <a:bodyPr/>
+        <a:lstStyle/>
+        <a:p>
+          <a:endParaRPr lang="en-US"/>
+        </a:p>
+      </dgm:t>
+    </dgm:pt>
+    <dgm:pt modelId="{C525EBCE-9EBF-475A-BFB1-E5A5CE4EAFD3}" type="sibTrans" cxnId="{860C8860-FC25-4795-AB5D-1072B384E79C}">
+      <dgm:prSet/>
+      <dgm:spPr/>
+      <dgm:t>
+        <a:bodyPr/>
+        <a:lstStyle/>
+        <a:p>
+          <a:endParaRPr lang="en-US"/>
+        </a:p>
+      </dgm:t>
+    </dgm:pt>
+    <dgm:pt modelId="{CC0DFC09-1C85-4340-95F4-0CAB1E0E4E77}">
+      <dgm:prSet/>
+      <dgm:spPr/>
+      <dgm:t>
+        <a:bodyPr/>
+        <a:lstStyle/>
+        <a:p>
+          <a:r>
+            <a:rPr lang="hr-HR"/>
+            <a:t>Primijenjeni model životnog ciklusa</a:t>
+          </a:r>
+          <a:endParaRPr lang="en-US"/>
+        </a:p>
+      </dgm:t>
+    </dgm:pt>
+    <dgm:pt modelId="{73478346-5A51-49D3-8738-7C82F2E260ED}" type="parTrans" cxnId="{929F4555-3DDC-4443-861D-2946BC6D2637}">
+      <dgm:prSet/>
+      <dgm:spPr/>
+      <dgm:t>
+        <a:bodyPr/>
+        <a:lstStyle/>
+        <a:p>
+          <a:endParaRPr lang="en-US"/>
+        </a:p>
+      </dgm:t>
+    </dgm:pt>
+    <dgm:pt modelId="{F2EFF6A2-4CBD-4D44-9A37-7E72570244F6}" type="sibTrans" cxnId="{929F4555-3DDC-4443-861D-2946BC6D2637}">
+      <dgm:prSet/>
+      <dgm:spPr/>
+      <dgm:t>
+        <a:bodyPr/>
+        <a:lstStyle/>
+        <a:p>
+          <a:endParaRPr lang="en-US"/>
+        </a:p>
+      </dgm:t>
+    </dgm:pt>
+    <dgm:pt modelId="{688D142F-4578-45F7-A867-0929D2718E27}">
+      <dgm:prSet/>
+      <dgm:spPr/>
+      <dgm:t>
+        <a:bodyPr/>
+        <a:lstStyle/>
+        <a:p>
+          <a:r>
+            <a:rPr lang="hr-HR"/>
+            <a:t>ad-hoc, vodopadni,….</a:t>
+          </a:r>
+          <a:endParaRPr lang="en-US"/>
+        </a:p>
+      </dgm:t>
+    </dgm:pt>
+    <dgm:pt modelId="{EC9D18E5-296D-4527-B44E-3F09F00E84CD}" type="parTrans" cxnId="{AC0E5205-2C12-4109-AF4A-79C6BB235E00}">
+      <dgm:prSet/>
+      <dgm:spPr/>
+      <dgm:t>
+        <a:bodyPr/>
+        <a:lstStyle/>
+        <a:p>
+          <a:endParaRPr lang="en-US"/>
+        </a:p>
+      </dgm:t>
+    </dgm:pt>
+    <dgm:pt modelId="{773D9931-0846-4648-80DC-0F13D411EDFC}" type="sibTrans" cxnId="{AC0E5205-2C12-4109-AF4A-79C6BB235E00}">
+      <dgm:prSet/>
+      <dgm:spPr/>
+      <dgm:t>
+        <a:bodyPr/>
+        <a:lstStyle/>
+        <a:p>
+          <a:endParaRPr lang="en-US"/>
+        </a:p>
+      </dgm:t>
+    </dgm:pt>
+    <dgm:pt modelId="{EB6E0A96-F1DE-4929-9F67-F3E702D7CD91}">
+      <dgm:prSet/>
+      <dgm:spPr/>
+      <dgm:t>
+        <a:bodyPr/>
+        <a:lstStyle/>
+        <a:p>
+          <a:r>
+            <a:rPr lang="hr-HR"/>
+            <a:t>Tablica raščlambe zadataka članova s procijenjenim naporom u satima (jedan slajd)</a:t>
+          </a:r>
+          <a:endParaRPr lang="en-US"/>
+        </a:p>
+      </dgm:t>
+    </dgm:pt>
+    <dgm:pt modelId="{E376E203-AD07-406C-BCB0-E97164E46408}" type="parTrans" cxnId="{5E6083FD-69B8-4E13-8F3B-56A611C7C806}">
+      <dgm:prSet/>
+      <dgm:spPr/>
+      <dgm:t>
+        <a:bodyPr/>
+        <a:lstStyle/>
+        <a:p>
+          <a:endParaRPr lang="en-US"/>
+        </a:p>
+      </dgm:t>
+    </dgm:pt>
+    <dgm:pt modelId="{C708B20E-1D9E-4D52-BE7D-68EEAC5AD9B5}" type="sibTrans" cxnId="{5E6083FD-69B8-4E13-8F3B-56A611C7C806}">
+      <dgm:prSet/>
+      <dgm:spPr/>
+      <dgm:t>
+        <a:bodyPr/>
+        <a:lstStyle/>
+        <a:p>
+          <a:endParaRPr lang="en-US"/>
+        </a:p>
+      </dgm:t>
+    </dgm:pt>
+    <dgm:pt modelId="{37156F1C-CC60-4E67-A6A9-EA925FC99477}">
+      <dgm:prSet/>
+      <dgm:spPr/>
+      <dgm:t>
+        <a:bodyPr/>
+        <a:lstStyle/>
+        <a:p>
+          <a:r>
+            <a:rPr lang="hr-HR" i="1"/>
+            <a:t>U usmenom izlaganju samo diskutirajte o glavnim problemima rasporeda i svom iskustvu za njihovo rješavanje (npr. preuzimanje zadataka drugih članova ...)</a:t>
+          </a:r>
+          <a:endParaRPr lang="en-US"/>
+        </a:p>
+      </dgm:t>
+    </dgm:pt>
+    <dgm:pt modelId="{C2DCA573-8AC1-4D48-A766-FD3811AF9231}" type="parTrans" cxnId="{87AA5BA6-0783-4AAB-A2E1-579A0E8310AC}">
+      <dgm:prSet/>
+      <dgm:spPr/>
+      <dgm:t>
+        <a:bodyPr/>
+        <a:lstStyle/>
+        <a:p>
+          <a:endParaRPr lang="en-US"/>
+        </a:p>
+      </dgm:t>
+    </dgm:pt>
+    <dgm:pt modelId="{FA29CAE2-CEA3-4D42-8F28-2BB09C210441}" type="sibTrans" cxnId="{87AA5BA6-0783-4AAB-A2E1-579A0E8310AC}">
+      <dgm:prSet/>
+      <dgm:spPr/>
+      <dgm:t>
+        <a:bodyPr/>
+        <a:lstStyle/>
+        <a:p>
+          <a:endParaRPr lang="en-US"/>
+        </a:p>
+      </dgm:t>
+    </dgm:pt>
+    <dgm:pt modelId="{D9D1DD76-D590-4C28-A8DB-9454C7574621}">
+      <dgm:prSet/>
+      <dgm:spPr/>
+      <dgm:t>
+        <a:bodyPr/>
+        <a:lstStyle/>
+        <a:p>
+          <a:r>
+            <a:rPr lang="hr-HR"/>
+            <a:t>Vremenski okvir razvoja (specifikacija, implementacija, testiranje, dokumentacija)</a:t>
+          </a:r>
+          <a:endParaRPr lang="en-US"/>
+        </a:p>
+      </dgm:t>
+    </dgm:pt>
+    <dgm:pt modelId="{D8CE2716-0D6C-4112-B86C-119B4092A603}" type="parTrans" cxnId="{FD418B7A-DB96-4451-A44F-C5311FE3DB96}">
+      <dgm:prSet/>
+      <dgm:spPr/>
+      <dgm:t>
+        <a:bodyPr/>
+        <a:lstStyle/>
+        <a:p>
+          <a:endParaRPr lang="en-US"/>
+        </a:p>
+      </dgm:t>
+    </dgm:pt>
+    <dgm:pt modelId="{4D6CDDF9-9939-4D4E-B518-484DACCC0B1A}" type="sibTrans" cxnId="{FD418B7A-DB96-4451-A44F-C5311FE3DB96}">
+      <dgm:prSet/>
+      <dgm:spPr/>
+      <dgm:t>
+        <a:bodyPr/>
+        <a:lstStyle/>
+        <a:p>
+          <a:endParaRPr lang="en-US"/>
+        </a:p>
+      </dgm:t>
+    </dgm:pt>
+    <dgm:pt modelId="{661BCDE2-8094-4703-AC13-B15721D487A8}">
+      <dgm:prSet/>
+      <dgm:spPr/>
+      <dgm:t>
+        <a:bodyPr/>
+        <a:lstStyle/>
+        <a:p>
+          <a:r>
+            <a:rPr lang="hr-HR"/>
+            <a:t>Poželjan grafički prikaz</a:t>
+          </a:r>
+          <a:endParaRPr lang="en-US"/>
+        </a:p>
+      </dgm:t>
+    </dgm:pt>
+    <dgm:pt modelId="{A0BF663C-479D-4BFC-B0D6-82CBF8619D0B}" type="parTrans" cxnId="{1F56AE37-9FCD-4CA6-AEE8-0F212DDD0EBA}">
+      <dgm:prSet/>
+      <dgm:spPr/>
+      <dgm:t>
+        <a:bodyPr/>
+        <a:lstStyle/>
+        <a:p>
+          <a:endParaRPr lang="en-US"/>
+        </a:p>
+      </dgm:t>
+    </dgm:pt>
+    <dgm:pt modelId="{B6D50293-06D8-4D00-96DE-58287CFBDD9B}" type="sibTrans" cxnId="{1F56AE37-9FCD-4CA6-AEE8-0F212DDD0EBA}">
+      <dgm:prSet/>
+      <dgm:spPr/>
+      <dgm:t>
+        <a:bodyPr/>
+        <a:lstStyle/>
+        <a:p>
+          <a:endParaRPr lang="en-US"/>
+        </a:p>
+      </dgm:t>
+    </dgm:pt>
+    <dgm:pt modelId="{5A31890A-E592-4969-891C-013EF9597591}" type="pres">
+      <dgm:prSet presAssocID="{DE76AC36-778B-4EF3-B91B-AABC6D66259E}" presName="linear" presStyleCnt="0">
+        <dgm:presLayoutVars>
+          <dgm:dir/>
+          <dgm:animLvl val="lvl"/>
+          <dgm:resizeHandles val="exact"/>
+        </dgm:presLayoutVars>
+      </dgm:prSet>
+      <dgm:spPr/>
+    </dgm:pt>
+    <dgm:pt modelId="{B23C1E77-20CE-42CA-8B21-0DCFF4BD59C2}" type="pres">
+      <dgm:prSet presAssocID="{F11650FA-AE57-4E0D-88A5-7D880F499F97}" presName="parentLin" presStyleCnt="0"/>
+      <dgm:spPr/>
+    </dgm:pt>
+    <dgm:pt modelId="{B4A379C8-8948-4337-A977-9FFAA8FDE73D}" type="pres">
+      <dgm:prSet presAssocID="{F11650FA-AE57-4E0D-88A5-7D880F499F97}" presName="parentLeftMargin" presStyleLbl="node1" presStyleIdx="0" presStyleCnt="3"/>
+      <dgm:spPr/>
+    </dgm:pt>
+    <dgm:pt modelId="{0BBF0016-2C9C-4071-BF77-D4E13A576DDF}" type="pres">
+      <dgm:prSet presAssocID="{F11650FA-AE57-4E0D-88A5-7D880F499F97}" presName="parentText" presStyleLbl="node1" presStyleIdx="0" presStyleCnt="3">
+        <dgm:presLayoutVars>
+          <dgm:chMax val="0"/>
+          <dgm:bulletEnabled val="1"/>
+        </dgm:presLayoutVars>
+      </dgm:prSet>
+      <dgm:spPr/>
+    </dgm:pt>
+    <dgm:pt modelId="{EE135B00-593C-45D4-A42F-D7A6EAA9E243}" type="pres">
+      <dgm:prSet presAssocID="{F11650FA-AE57-4E0D-88A5-7D880F499F97}" presName="negativeSpace" presStyleCnt="0"/>
+      <dgm:spPr/>
+    </dgm:pt>
+    <dgm:pt modelId="{33E67D10-402F-470C-BFAD-3203F38DAD9A}" type="pres">
+      <dgm:prSet presAssocID="{F11650FA-AE57-4E0D-88A5-7D880F499F97}" presName="childText" presStyleLbl="conFgAcc1" presStyleIdx="0" presStyleCnt="3">
+        <dgm:presLayoutVars>
+          <dgm:bulletEnabled val="1"/>
+        </dgm:presLayoutVars>
+      </dgm:prSet>
+      <dgm:spPr/>
+    </dgm:pt>
+    <dgm:pt modelId="{0B3ADB20-4EDC-4397-9045-4AD72B70394B}" type="pres">
+      <dgm:prSet presAssocID="{0C829FD2-B21A-4E14-94C6-A99B4AC911BF}" presName="spaceBetweenRectangles" presStyleCnt="0"/>
+      <dgm:spPr/>
+    </dgm:pt>
+    <dgm:pt modelId="{D976D2E3-4BD9-4E9A-A045-DC81370E560F}" type="pres">
+      <dgm:prSet presAssocID="{EB6E0A96-F1DE-4929-9F67-F3E702D7CD91}" presName="parentLin" presStyleCnt="0"/>
+      <dgm:spPr/>
+    </dgm:pt>
+    <dgm:pt modelId="{34345E29-F5BF-4255-8537-B9005B0775E2}" type="pres">
+      <dgm:prSet presAssocID="{EB6E0A96-F1DE-4929-9F67-F3E702D7CD91}" presName="parentLeftMargin" presStyleLbl="node1" presStyleIdx="0" presStyleCnt="3"/>
+      <dgm:spPr/>
+    </dgm:pt>
+    <dgm:pt modelId="{4E5A3AB7-D203-419B-A1C0-F260DCFA9807}" type="pres">
+      <dgm:prSet presAssocID="{EB6E0A96-F1DE-4929-9F67-F3E702D7CD91}" presName="parentText" presStyleLbl="node1" presStyleIdx="1" presStyleCnt="3">
+        <dgm:presLayoutVars>
+          <dgm:chMax val="0"/>
+          <dgm:bulletEnabled val="1"/>
+        </dgm:presLayoutVars>
+      </dgm:prSet>
+      <dgm:spPr/>
+    </dgm:pt>
+    <dgm:pt modelId="{155BEE20-6D46-4EE2-9BD1-A803D493606A}" type="pres">
+      <dgm:prSet presAssocID="{EB6E0A96-F1DE-4929-9F67-F3E702D7CD91}" presName="negativeSpace" presStyleCnt="0"/>
+      <dgm:spPr/>
+    </dgm:pt>
+    <dgm:pt modelId="{F32FFACC-7874-4F4C-A733-23313FBBF611}" type="pres">
+      <dgm:prSet presAssocID="{EB6E0A96-F1DE-4929-9F67-F3E702D7CD91}" presName="childText" presStyleLbl="conFgAcc1" presStyleIdx="1" presStyleCnt="3">
+        <dgm:presLayoutVars>
+          <dgm:bulletEnabled val="1"/>
+        </dgm:presLayoutVars>
+      </dgm:prSet>
+      <dgm:spPr/>
+    </dgm:pt>
+    <dgm:pt modelId="{6022B1F2-555F-472C-8A00-829225148CA0}" type="pres">
+      <dgm:prSet presAssocID="{C708B20E-1D9E-4D52-BE7D-68EEAC5AD9B5}" presName="spaceBetweenRectangles" presStyleCnt="0"/>
+      <dgm:spPr/>
+    </dgm:pt>
+    <dgm:pt modelId="{1C3D3000-9B2C-469E-867A-9103954242CF}" type="pres">
+      <dgm:prSet presAssocID="{D9D1DD76-D590-4C28-A8DB-9454C7574621}" presName="parentLin" presStyleCnt="0"/>
+      <dgm:spPr/>
+    </dgm:pt>
+    <dgm:pt modelId="{DD106F3C-3B23-4D16-B5A1-A8AB40F9FCA8}" type="pres">
+      <dgm:prSet presAssocID="{D9D1DD76-D590-4C28-A8DB-9454C7574621}" presName="parentLeftMargin" presStyleLbl="node1" presStyleIdx="1" presStyleCnt="3"/>
+      <dgm:spPr/>
+    </dgm:pt>
+    <dgm:pt modelId="{1B36D094-D63C-4034-8231-BD42F51C8F85}" type="pres">
+      <dgm:prSet presAssocID="{D9D1DD76-D590-4C28-A8DB-9454C7574621}" presName="parentText" presStyleLbl="node1" presStyleIdx="2" presStyleCnt="3">
+        <dgm:presLayoutVars>
+          <dgm:chMax val="0"/>
+          <dgm:bulletEnabled val="1"/>
+        </dgm:presLayoutVars>
+      </dgm:prSet>
+      <dgm:spPr/>
+    </dgm:pt>
+    <dgm:pt modelId="{95DBA2E5-1C7F-4B98-89E4-118E79658205}" type="pres">
+      <dgm:prSet presAssocID="{D9D1DD76-D590-4C28-A8DB-9454C7574621}" presName="negativeSpace" presStyleCnt="0"/>
+      <dgm:spPr/>
+    </dgm:pt>
+    <dgm:pt modelId="{24830103-C2EF-4230-95FF-172CDB7A8A53}" type="pres">
+      <dgm:prSet presAssocID="{D9D1DD76-D590-4C28-A8DB-9454C7574621}" presName="childText" presStyleLbl="conFgAcc1" presStyleIdx="2" presStyleCnt="3">
+        <dgm:presLayoutVars>
+          <dgm:bulletEnabled val="1"/>
+        </dgm:presLayoutVars>
+      </dgm:prSet>
+      <dgm:spPr/>
+    </dgm:pt>
+  </dgm:ptLst>
+  <dgm:cxnLst>
+    <dgm:cxn modelId="{AC0E5205-2C12-4109-AF4A-79C6BB235E00}" srcId="{F11650FA-AE57-4E0D-88A5-7D880F499F97}" destId="{688D142F-4578-45F7-A867-0929D2718E27}" srcOrd="3" destOrd="0" parTransId="{EC9D18E5-296D-4527-B44E-3F09F00E84CD}" sibTransId="{773D9931-0846-4648-80DC-0F13D411EDFC}"/>
+    <dgm:cxn modelId="{C6C1C924-C0F0-40FB-8BE1-89B30882B722}" type="presOf" srcId="{D9D1DD76-D590-4C28-A8DB-9454C7574621}" destId="{DD106F3C-3B23-4D16-B5A1-A8AB40F9FCA8}" srcOrd="0" destOrd="0" presId="urn:microsoft.com/office/officeart/2005/8/layout/list1"/>
+    <dgm:cxn modelId="{071B5A28-F4BA-4C65-A625-769884B43668}" type="presOf" srcId="{F11650FA-AE57-4E0D-88A5-7D880F499F97}" destId="{0BBF0016-2C9C-4071-BF77-D4E13A576DDF}" srcOrd="1" destOrd="0" presId="urn:microsoft.com/office/officeart/2005/8/layout/list1"/>
+    <dgm:cxn modelId="{1F56AE37-9FCD-4CA6-AEE8-0F212DDD0EBA}" srcId="{D9D1DD76-D590-4C28-A8DB-9454C7574621}" destId="{661BCDE2-8094-4703-AC13-B15721D487A8}" srcOrd="0" destOrd="0" parTransId="{A0BF663C-479D-4BFC-B0D6-82CBF8619D0B}" sibTransId="{B6D50293-06D8-4D00-96DE-58287CFBDD9B}"/>
+    <dgm:cxn modelId="{9A1F3D60-38A2-4F3D-A280-B31C8932E2F7}" type="presOf" srcId="{661BCDE2-8094-4703-AC13-B15721D487A8}" destId="{24830103-C2EF-4230-95FF-172CDB7A8A53}" srcOrd="0" destOrd="0" presId="urn:microsoft.com/office/officeart/2005/8/layout/list1"/>
+    <dgm:cxn modelId="{860C8860-FC25-4795-AB5D-1072B384E79C}" srcId="{F11650FA-AE57-4E0D-88A5-7D880F499F97}" destId="{94DE3B68-3F53-42DC-9A4F-3E10EB5E77AB}" srcOrd="1" destOrd="0" parTransId="{463350D0-129C-43F1-9516-98B74B95FEE5}" sibTransId="{C525EBCE-9EBF-475A-BFB1-E5A5CE4EAFD3}"/>
+    <dgm:cxn modelId="{03158345-08B5-4C0B-813E-4326A69C854B}" type="presOf" srcId="{94DE3B68-3F53-42DC-9A4F-3E10EB5E77AB}" destId="{33E67D10-402F-470C-BFAD-3203F38DAD9A}" srcOrd="0" destOrd="1" presId="urn:microsoft.com/office/officeart/2005/8/layout/list1"/>
+    <dgm:cxn modelId="{52E2A467-75C8-4F6B-AE5D-608053B701BF}" type="presOf" srcId="{DE76AC36-778B-4EF3-B91B-AABC6D66259E}" destId="{5A31890A-E592-4969-891C-013EF9597591}" srcOrd="0" destOrd="0" presId="urn:microsoft.com/office/officeart/2005/8/layout/list1"/>
+    <dgm:cxn modelId="{A2DDCC69-9D3E-4C9C-AC7B-F77CC8D6A47B}" type="presOf" srcId="{EB6E0A96-F1DE-4929-9F67-F3E702D7CD91}" destId="{34345E29-F5BF-4255-8537-B9005B0775E2}" srcOrd="0" destOrd="0" presId="urn:microsoft.com/office/officeart/2005/8/layout/list1"/>
+    <dgm:cxn modelId="{929F4555-3DDC-4443-861D-2946BC6D2637}" srcId="{F11650FA-AE57-4E0D-88A5-7D880F499F97}" destId="{CC0DFC09-1C85-4340-95F4-0CAB1E0E4E77}" srcOrd="2" destOrd="0" parTransId="{73478346-5A51-49D3-8738-7C82F2E260ED}" sibTransId="{F2EFF6A2-4CBD-4D44-9A37-7E72570244F6}"/>
+    <dgm:cxn modelId="{FD418B7A-DB96-4451-A44F-C5311FE3DB96}" srcId="{DE76AC36-778B-4EF3-B91B-AABC6D66259E}" destId="{D9D1DD76-D590-4C28-A8DB-9454C7574621}" srcOrd="2" destOrd="0" parTransId="{D8CE2716-0D6C-4112-B86C-119B4092A603}" sibTransId="{4D6CDDF9-9939-4D4E-B518-484DACCC0B1A}"/>
+    <dgm:cxn modelId="{2DA25483-96F9-4BA0-87C1-E5D12B7E19FC}" srcId="{DE76AC36-778B-4EF3-B91B-AABC6D66259E}" destId="{F11650FA-AE57-4E0D-88A5-7D880F499F97}" srcOrd="0" destOrd="0" parTransId="{6E346719-095E-4191-B442-5FFC2E347F80}" sibTransId="{0C829FD2-B21A-4E14-94C6-A99B4AC911BF}"/>
+    <dgm:cxn modelId="{5081788F-8F7A-4FC1-99C7-44FD839B8FCE}" srcId="{F11650FA-AE57-4E0D-88A5-7D880F499F97}" destId="{9534B2A3-1EBB-441D-ADD7-4A602134017F}" srcOrd="0" destOrd="0" parTransId="{E1E91C73-4184-4046-8F76-07FD1B9A827C}" sibTransId="{B83873E7-7B52-412D-A73E-7F71DE518C7D}"/>
+    <dgm:cxn modelId="{87AA5BA6-0783-4AAB-A2E1-579A0E8310AC}" srcId="{EB6E0A96-F1DE-4929-9F67-F3E702D7CD91}" destId="{37156F1C-CC60-4E67-A6A9-EA925FC99477}" srcOrd="0" destOrd="0" parTransId="{C2DCA573-8AC1-4D48-A766-FD3811AF9231}" sibTransId="{FA29CAE2-CEA3-4D42-8F28-2BB09C210441}"/>
+    <dgm:cxn modelId="{B46A80AF-511C-4BC9-B8A0-DD15391FD0C8}" type="presOf" srcId="{37156F1C-CC60-4E67-A6A9-EA925FC99477}" destId="{F32FFACC-7874-4F4C-A733-23313FBBF611}" srcOrd="0" destOrd="0" presId="urn:microsoft.com/office/officeart/2005/8/layout/list1"/>
+    <dgm:cxn modelId="{733389B1-191E-4AD7-A892-4153102F9DF7}" type="presOf" srcId="{D9D1DD76-D590-4C28-A8DB-9454C7574621}" destId="{1B36D094-D63C-4034-8231-BD42F51C8F85}" srcOrd="1" destOrd="0" presId="urn:microsoft.com/office/officeart/2005/8/layout/list1"/>
+    <dgm:cxn modelId="{447436B4-1F25-4EB9-9C5E-1C4177A85AF3}" type="presOf" srcId="{688D142F-4578-45F7-A867-0929D2718E27}" destId="{33E67D10-402F-470C-BFAD-3203F38DAD9A}" srcOrd="0" destOrd="3" presId="urn:microsoft.com/office/officeart/2005/8/layout/list1"/>
+    <dgm:cxn modelId="{1A7CB6D0-0AF2-4C80-A64F-BFE9924F4E59}" type="presOf" srcId="{CC0DFC09-1C85-4340-95F4-0CAB1E0E4E77}" destId="{33E67D10-402F-470C-BFAD-3203F38DAD9A}" srcOrd="0" destOrd="2" presId="urn:microsoft.com/office/officeart/2005/8/layout/list1"/>
+    <dgm:cxn modelId="{34C959D5-D2E6-4C08-8F2E-D8E4F6C0CB31}" type="presOf" srcId="{F11650FA-AE57-4E0D-88A5-7D880F499F97}" destId="{B4A379C8-8948-4337-A977-9FFAA8FDE73D}" srcOrd="0" destOrd="0" presId="urn:microsoft.com/office/officeart/2005/8/layout/list1"/>
+    <dgm:cxn modelId="{E12845ED-BDCD-486E-97DA-D4504B3A6992}" type="presOf" srcId="{9534B2A3-1EBB-441D-ADD7-4A602134017F}" destId="{33E67D10-402F-470C-BFAD-3203F38DAD9A}" srcOrd="0" destOrd="0" presId="urn:microsoft.com/office/officeart/2005/8/layout/list1"/>
+    <dgm:cxn modelId="{CA6225F7-D451-42E7-BFA7-994E68AFA32E}" type="presOf" srcId="{EB6E0A96-F1DE-4929-9F67-F3E702D7CD91}" destId="{4E5A3AB7-D203-419B-A1C0-F260DCFA9807}" srcOrd="1" destOrd="0" presId="urn:microsoft.com/office/officeart/2005/8/layout/list1"/>
+    <dgm:cxn modelId="{5E6083FD-69B8-4E13-8F3B-56A611C7C806}" srcId="{DE76AC36-778B-4EF3-B91B-AABC6D66259E}" destId="{EB6E0A96-F1DE-4929-9F67-F3E702D7CD91}" srcOrd="1" destOrd="0" parTransId="{E376E203-AD07-406C-BCB0-E97164E46408}" sibTransId="{C708B20E-1D9E-4D52-BE7D-68EEAC5AD9B5}"/>
+    <dgm:cxn modelId="{319D199C-6531-4A0C-ADDA-CF5D44046260}" type="presParOf" srcId="{5A31890A-E592-4969-891C-013EF9597591}" destId="{B23C1E77-20CE-42CA-8B21-0DCFF4BD59C2}" srcOrd="0" destOrd="0" presId="urn:microsoft.com/office/officeart/2005/8/layout/list1"/>
+    <dgm:cxn modelId="{FC058603-0BC4-4FF9-B3AC-A5EC0773BD51}" type="presParOf" srcId="{B23C1E77-20CE-42CA-8B21-0DCFF4BD59C2}" destId="{B4A379C8-8948-4337-A977-9FFAA8FDE73D}" srcOrd="0" destOrd="0" presId="urn:microsoft.com/office/officeart/2005/8/layout/list1"/>
+    <dgm:cxn modelId="{F35A0DA0-6370-412A-827E-90CEF0435F14}" type="presParOf" srcId="{B23C1E77-20CE-42CA-8B21-0DCFF4BD59C2}" destId="{0BBF0016-2C9C-4071-BF77-D4E13A576DDF}" srcOrd="1" destOrd="0" presId="urn:microsoft.com/office/officeart/2005/8/layout/list1"/>
+    <dgm:cxn modelId="{A09EF917-4946-47E4-B5F8-8F9806C93EC9}" type="presParOf" srcId="{5A31890A-E592-4969-891C-013EF9597591}" destId="{EE135B00-593C-45D4-A42F-D7A6EAA9E243}" srcOrd="1" destOrd="0" presId="urn:microsoft.com/office/officeart/2005/8/layout/list1"/>
+    <dgm:cxn modelId="{A27B182F-A840-4607-AF40-71053D96C95F}" type="presParOf" srcId="{5A31890A-E592-4969-891C-013EF9597591}" destId="{33E67D10-402F-470C-BFAD-3203F38DAD9A}" srcOrd="2" destOrd="0" presId="urn:microsoft.com/office/officeart/2005/8/layout/list1"/>
+    <dgm:cxn modelId="{33FDB0E6-E165-4161-9D3B-CB70A2107B19}" type="presParOf" srcId="{5A31890A-E592-4969-891C-013EF9597591}" destId="{0B3ADB20-4EDC-4397-9045-4AD72B70394B}" srcOrd="3" destOrd="0" presId="urn:microsoft.com/office/officeart/2005/8/layout/list1"/>
+    <dgm:cxn modelId="{DF3AA7C3-7A31-458C-903E-FB103B67D751}" type="presParOf" srcId="{5A31890A-E592-4969-891C-013EF9597591}" destId="{D976D2E3-4BD9-4E9A-A045-DC81370E560F}" srcOrd="4" destOrd="0" presId="urn:microsoft.com/office/officeart/2005/8/layout/list1"/>
+    <dgm:cxn modelId="{A0C8C685-4F92-4A42-A9BB-71174F5BC477}" type="presParOf" srcId="{D976D2E3-4BD9-4E9A-A045-DC81370E560F}" destId="{34345E29-F5BF-4255-8537-B9005B0775E2}" srcOrd="0" destOrd="0" presId="urn:microsoft.com/office/officeart/2005/8/layout/list1"/>
+    <dgm:cxn modelId="{43D0ED88-108D-42D6-B331-7742E4397D78}" type="presParOf" srcId="{D976D2E3-4BD9-4E9A-A045-DC81370E560F}" destId="{4E5A3AB7-D203-419B-A1C0-F260DCFA9807}" srcOrd="1" destOrd="0" presId="urn:microsoft.com/office/officeart/2005/8/layout/list1"/>
+    <dgm:cxn modelId="{8F156A86-8813-47F4-B3BF-62D58351D4B1}" type="presParOf" srcId="{5A31890A-E592-4969-891C-013EF9597591}" destId="{155BEE20-6D46-4EE2-9BD1-A803D493606A}" srcOrd="5" destOrd="0" presId="urn:microsoft.com/office/officeart/2005/8/layout/list1"/>
+    <dgm:cxn modelId="{478C96B3-B8C8-433D-A5DD-719F6A9CD2C9}" type="presParOf" srcId="{5A31890A-E592-4969-891C-013EF9597591}" destId="{F32FFACC-7874-4F4C-A733-23313FBBF611}" srcOrd="6" destOrd="0" presId="urn:microsoft.com/office/officeart/2005/8/layout/list1"/>
+    <dgm:cxn modelId="{FF4B3D23-1DB0-437A-8199-13FEA6D379C5}" type="presParOf" srcId="{5A31890A-E592-4969-891C-013EF9597591}" destId="{6022B1F2-555F-472C-8A00-829225148CA0}" srcOrd="7" destOrd="0" presId="urn:microsoft.com/office/officeart/2005/8/layout/list1"/>
+    <dgm:cxn modelId="{45AF7821-1C4B-4097-B5C2-02FDF34483E5}" type="presParOf" srcId="{5A31890A-E592-4969-891C-013EF9597591}" destId="{1C3D3000-9B2C-469E-867A-9103954242CF}" srcOrd="8" destOrd="0" presId="urn:microsoft.com/office/officeart/2005/8/layout/list1"/>
+    <dgm:cxn modelId="{39E0387E-E8CB-47EF-A002-FDA6F53B5584}" type="presParOf" srcId="{1C3D3000-9B2C-469E-867A-9103954242CF}" destId="{DD106F3C-3B23-4D16-B5A1-A8AB40F9FCA8}" srcOrd="0" destOrd="0" presId="urn:microsoft.com/office/officeart/2005/8/layout/list1"/>
+    <dgm:cxn modelId="{BAB90AAB-EEA9-4729-8DF5-6B5AC507CBF5}" type="presParOf" srcId="{1C3D3000-9B2C-469E-867A-9103954242CF}" destId="{1B36D094-D63C-4034-8231-BD42F51C8F85}" srcOrd="1" destOrd="0" presId="urn:microsoft.com/office/officeart/2005/8/layout/list1"/>
+    <dgm:cxn modelId="{B7132382-8F57-4F1F-8523-C7B3F03978E7}" type="presParOf" srcId="{5A31890A-E592-4969-891C-013EF9597591}" destId="{95DBA2E5-1C7F-4B98-89E4-118E79658205}" srcOrd="9" destOrd="0" presId="urn:microsoft.com/office/officeart/2005/8/layout/list1"/>
+    <dgm:cxn modelId="{AA47BCA2-9D3D-4179-8DF2-C8613BC340DD}" type="presParOf" srcId="{5A31890A-E592-4969-891C-013EF9597591}" destId="{24830103-C2EF-4230-95FF-172CDB7A8A53}" srcOrd="10" destOrd="0" presId="urn:microsoft.com/office/officeart/2005/8/layout/list1"/>
+  </dgm:cxnLst>
+  <dgm:bg/>
+  <dgm:whole/>
+  <dgm:extLst>
+    <a:ext uri="http://schemas.microsoft.com/office/drawing/2008/diagram">
+      <dsp:dataModelExt xmlns:dsp="http://schemas.microsoft.com/office/drawing/2008/diagram" relId="rId6" minVer="http://schemas.openxmlformats.org/drawingml/2006/diagram"/>
+    </a:ext>
+  </dgm:extLst>
+</dgm:dataModel>
+</file>
+
 <file path=ppt/diagrams/drawing1.xml><?xml version="1.0" encoding="utf-8"?>
 <dsp:drawing xmlns:dgm="http://schemas.openxmlformats.org/drawingml/2006/diagram" xmlns:dsp="http://schemas.microsoft.com/office/drawing/2008/diagram" xmlns:a="http://schemas.openxmlformats.org/drawingml/2006/main">
   <dsp:spTree>
@@ -4973,8 +7591,8 @@
       </dsp:nvSpPr>
       <dsp:spPr>
         <a:xfrm>
-          <a:off x="0" y="16015"/>
-          <a:ext cx="8272463" cy="570375"/>
+          <a:off x="0" y="54824"/>
+          <a:ext cx="8272463" cy="342225"/>
         </a:xfrm>
         <a:prstGeom prst="roundRect">
           <a:avLst/>
@@ -5015,12 +7633,12 @@
         </a:fontRef>
       </dsp:style>
       <dsp:txBody>
-        <a:bodyPr spcFirstLastPara="0" vert="horz" wrap="square" lIns="95250" tIns="95250" rIns="95250" bIns="95250" numCol="1" spcCol="1270" anchor="ctr" anchorCtr="0">
+        <a:bodyPr spcFirstLastPara="0" vert="horz" wrap="square" lIns="57150" tIns="57150" rIns="57150" bIns="57150" numCol="1" spcCol="1270" anchor="ctr" anchorCtr="0">
           <a:noAutofit/>
         </a:bodyPr>
         <a:lstStyle/>
         <a:p>
-          <a:pPr marL="0" lvl="0" indent="0" algn="l" defTabSz="1111250">
+          <a:pPr marL="0" lvl="0" indent="0" algn="l" defTabSz="666750">
             <a:lnSpc>
               <a:spcPct val="90000"/>
             </a:lnSpc>
@@ -5033,15 +7651,15 @@
             <a:buNone/>
           </a:pPr>
           <a:r>
-            <a:rPr lang="hr-HR" sz="2500" kern="1200"/>
+            <a:rPr lang="hr-HR" sz="1500" kern="1200"/>
             <a:t>Opis zadatka</a:t>
           </a:r>
-          <a:endParaRPr lang="en-US" sz="2500" kern="1200"/>
+          <a:endParaRPr lang="en-US" sz="1500" kern="1200"/>
         </a:p>
       </dsp:txBody>
       <dsp:txXfrm>
-        <a:off x="27843" y="43858"/>
-        <a:ext cx="8216777" cy="514689"/>
+        <a:off x="16706" y="71530"/>
+        <a:ext cx="8239051" cy="308813"/>
       </dsp:txXfrm>
     </dsp:sp>
     <dsp:sp modelId="{B271DF94-6A65-4F05-B5CE-A2F6A4F8025F}">
@@ -5051,8 +7669,86 @@
       </dsp:nvSpPr>
       <dsp:spPr>
         <a:xfrm>
-          <a:off x="0" y="658390"/>
-          <a:ext cx="8272463" cy="570375"/>
+          <a:off x="0" y="440249"/>
+          <a:ext cx="8272463" cy="342225"/>
+        </a:xfrm>
+        <a:prstGeom prst="roundRect">
+          <a:avLst/>
+        </a:prstGeom>
+        <a:solidFill>
+          <a:schemeClr val="accent2">
+            <a:hueOff val="-132337"/>
+            <a:satOff val="149"/>
+            <a:lumOff val="353"/>
+            <a:alphaOff val="0"/>
+          </a:schemeClr>
+        </a:solidFill>
+        <a:ln w="22225" cap="rnd" cmpd="sng" algn="ctr">
+          <a:solidFill>
+            <a:schemeClr val="lt1">
+              <a:hueOff val="0"/>
+              <a:satOff val="0"/>
+              <a:lumOff val="0"/>
+              <a:alphaOff val="0"/>
+            </a:schemeClr>
+          </a:solidFill>
+          <a:prstDash val="solid"/>
+        </a:ln>
+        <a:effectLst/>
+      </dsp:spPr>
+      <dsp:style>
+        <a:lnRef idx="2">
+          <a:scrgbClr r="0" g="0" b="0"/>
+        </a:lnRef>
+        <a:fillRef idx="1">
+          <a:scrgbClr r="0" g="0" b="0"/>
+        </a:fillRef>
+        <a:effectRef idx="0">
+          <a:scrgbClr r="0" g="0" b="0"/>
+        </a:effectRef>
+        <a:fontRef idx="minor">
+          <a:schemeClr val="lt1"/>
+        </a:fontRef>
+      </dsp:style>
+      <dsp:txBody>
+        <a:bodyPr spcFirstLastPara="0" vert="horz" wrap="square" lIns="57150" tIns="57150" rIns="57150" bIns="57150" numCol="1" spcCol="1270" anchor="ctr" anchorCtr="0">
+          <a:noAutofit/>
+        </a:bodyPr>
+        <a:lstStyle/>
+        <a:p>
+          <a:pPr marL="0" lvl="0" indent="0" algn="l" defTabSz="666750">
+            <a:lnSpc>
+              <a:spcPct val="90000"/>
+            </a:lnSpc>
+            <a:spcBef>
+              <a:spcPct val="0"/>
+            </a:spcBef>
+            <a:spcAft>
+              <a:spcPct val="35000"/>
+            </a:spcAft>
+            <a:buNone/>
+          </a:pPr>
+          <a:r>
+            <a:rPr lang="hr-HR" sz="1500" kern="1200"/>
+            <a:t>Pregled zahtjeva</a:t>
+          </a:r>
+          <a:endParaRPr lang="en-US" sz="1500" kern="1200"/>
+        </a:p>
+      </dsp:txBody>
+      <dsp:txXfrm>
+        <a:off x="16706" y="456955"/>
+        <a:ext cx="8239051" cy="308813"/>
+      </dsp:txXfrm>
+    </dsp:sp>
+    <dsp:sp modelId="{4AB35E06-38DA-485A-8735-75D744F065E7}">
+      <dsp:nvSpPr>
+        <dsp:cNvPr id="0" name=""/>
+        <dsp:cNvSpPr/>
+      </dsp:nvSpPr>
+      <dsp:spPr>
+        <a:xfrm>
+          <a:off x="0" y="825674"/>
+          <a:ext cx="8272463" cy="342225"/>
         </a:xfrm>
         <a:prstGeom prst="roundRect">
           <a:avLst/>
@@ -5093,12 +7789,12 @@
         </a:fontRef>
       </dsp:style>
       <dsp:txBody>
-        <a:bodyPr spcFirstLastPara="0" vert="horz" wrap="square" lIns="95250" tIns="95250" rIns="95250" bIns="95250" numCol="1" spcCol="1270" anchor="ctr" anchorCtr="0">
+        <a:bodyPr spcFirstLastPara="0" vert="horz" wrap="square" lIns="57150" tIns="57150" rIns="57150" bIns="57150" numCol="1" spcCol="1270" anchor="ctr" anchorCtr="0">
           <a:noAutofit/>
         </a:bodyPr>
         <a:lstStyle/>
         <a:p>
-          <a:pPr marL="0" lvl="0" indent="0" algn="l" defTabSz="1111250">
+          <a:pPr marL="0" lvl="0" indent="0" algn="l" defTabSz="666750">
             <a:lnSpc>
               <a:spcPct val="90000"/>
             </a:lnSpc>
@@ -5111,26 +7807,104 @@
             <a:buNone/>
           </a:pPr>
           <a:r>
-            <a:rPr lang="hr-HR" sz="2500" kern="1200"/>
-            <a:t>Pregled zahtjeva</a:t>
+            <a:rPr lang="hr-HR" sz="1500" kern="1200"/>
+            <a:t>Korišteni alati i tehnologije</a:t>
           </a:r>
-          <a:endParaRPr lang="en-US" sz="2500" kern="1200"/>
+          <a:endParaRPr lang="en-US" sz="1500" kern="1200"/>
         </a:p>
       </dsp:txBody>
       <dsp:txXfrm>
-        <a:off x="27843" y="686233"/>
-        <a:ext cx="8216777" cy="514689"/>
+        <a:off x="16706" y="842380"/>
+        <a:ext cx="8239051" cy="308813"/>
       </dsp:txXfrm>
     </dsp:sp>
-    <dsp:sp modelId="{4AB35E06-38DA-485A-8735-75D744F065E7}">
+    <dsp:sp modelId="{F6FB814C-F83D-484D-8AF5-994364F99DE0}">
       <dsp:nvSpPr>
         <dsp:cNvPr id="0" name=""/>
         <dsp:cNvSpPr/>
       </dsp:nvSpPr>
       <dsp:spPr>
         <a:xfrm>
-          <a:off x="0" y="1300765"/>
-          <a:ext cx="8272463" cy="570375"/>
+          <a:off x="0" y="1211099"/>
+          <a:ext cx="8272463" cy="342225"/>
+        </a:xfrm>
+        <a:prstGeom prst="roundRect">
+          <a:avLst/>
+        </a:prstGeom>
+        <a:solidFill>
+          <a:schemeClr val="accent2">
+            <a:hueOff val="-397012"/>
+            <a:satOff val="448"/>
+            <a:lumOff val="1059"/>
+            <a:alphaOff val="0"/>
+          </a:schemeClr>
+        </a:solidFill>
+        <a:ln w="22225" cap="rnd" cmpd="sng" algn="ctr">
+          <a:solidFill>
+            <a:schemeClr val="lt1">
+              <a:hueOff val="0"/>
+              <a:satOff val="0"/>
+              <a:lumOff val="0"/>
+              <a:alphaOff val="0"/>
+            </a:schemeClr>
+          </a:solidFill>
+          <a:prstDash val="solid"/>
+        </a:ln>
+        <a:effectLst/>
+      </dsp:spPr>
+      <dsp:style>
+        <a:lnRef idx="2">
+          <a:scrgbClr r="0" g="0" b="0"/>
+        </a:lnRef>
+        <a:fillRef idx="1">
+          <a:scrgbClr r="0" g="0" b="0"/>
+        </a:fillRef>
+        <a:effectRef idx="0">
+          <a:scrgbClr r="0" g="0" b="0"/>
+        </a:effectRef>
+        <a:fontRef idx="minor">
+          <a:schemeClr val="lt1"/>
+        </a:fontRef>
+      </dsp:style>
+      <dsp:txBody>
+        <a:bodyPr spcFirstLastPara="0" vert="horz" wrap="square" lIns="57150" tIns="57150" rIns="57150" bIns="57150" numCol="1" spcCol="1270" anchor="ctr" anchorCtr="0">
+          <a:noAutofit/>
+        </a:bodyPr>
+        <a:lstStyle/>
+        <a:p>
+          <a:pPr marL="0" lvl="0" indent="0" algn="l" defTabSz="666750">
+            <a:lnSpc>
+              <a:spcPct val="90000"/>
+            </a:lnSpc>
+            <a:spcBef>
+              <a:spcPct val="0"/>
+            </a:spcBef>
+            <a:spcAft>
+              <a:spcPct val="35000"/>
+            </a:spcAft>
+            <a:buNone/>
+          </a:pPr>
+          <a:r>
+            <a:rPr lang="hr-HR" sz="1500" kern="1200"/>
+            <a:t>Arhitektura</a:t>
+          </a:r>
+          <a:endParaRPr lang="en-US" sz="1500" kern="1200"/>
+        </a:p>
+      </dsp:txBody>
+      <dsp:txXfrm>
+        <a:off x="16706" y="1227805"/>
+        <a:ext cx="8239051" cy="308813"/>
+      </dsp:txXfrm>
+    </dsp:sp>
+    <dsp:sp modelId="{AA328B94-C2E7-4B09-BD59-8A24145C662C}">
+      <dsp:nvSpPr>
+        <dsp:cNvPr id="0" name=""/>
+        <dsp:cNvSpPr/>
+      </dsp:nvSpPr>
+      <dsp:spPr>
+        <a:xfrm>
+          <a:off x="0" y="1596524"/>
+          <a:ext cx="8272463" cy="342225"/>
         </a:xfrm>
         <a:prstGeom prst="roundRect">
           <a:avLst/>
@@ -5171,12 +7945,12 @@
         </a:fontRef>
       </dsp:style>
       <dsp:txBody>
-        <a:bodyPr spcFirstLastPara="0" vert="horz" wrap="square" lIns="95250" tIns="95250" rIns="95250" bIns="95250" numCol="1" spcCol="1270" anchor="ctr" anchorCtr="0">
+        <a:bodyPr spcFirstLastPara="0" vert="horz" wrap="square" lIns="57150" tIns="57150" rIns="57150" bIns="57150" numCol="1" spcCol="1270" anchor="ctr" anchorCtr="0">
           <a:noAutofit/>
         </a:bodyPr>
         <a:lstStyle/>
         <a:p>
-          <a:pPr marL="0" lvl="0" indent="0" algn="l" defTabSz="1111250">
+          <a:pPr marL="0" lvl="0" indent="0" algn="l" defTabSz="666750">
             <a:lnSpc>
               <a:spcPct val="90000"/>
             </a:lnSpc>
@@ -5189,26 +7963,104 @@
             <a:buNone/>
           </a:pPr>
           <a:r>
-            <a:rPr lang="hr-HR" sz="2500" kern="1200"/>
-            <a:t>Korišteni alati i tehnologije</a:t>
+            <a:rPr lang="hr-HR" sz="1500" kern="1200"/>
+            <a:t>Organizacija rada </a:t>
           </a:r>
-          <a:endParaRPr lang="en-US" sz="2500" kern="1200"/>
+          <a:endParaRPr lang="en-US" sz="1500" kern="1200"/>
         </a:p>
       </dsp:txBody>
       <dsp:txXfrm>
-        <a:off x="27843" y="1328608"/>
-        <a:ext cx="8216777" cy="514689"/>
+        <a:off x="16706" y="1613230"/>
+        <a:ext cx="8239051" cy="308813"/>
       </dsp:txXfrm>
     </dsp:sp>
-    <dsp:sp modelId="{F6FB814C-F83D-484D-8AF5-994364F99DE0}">
+    <dsp:sp modelId="{86BAB254-6B4B-4851-8321-2C85BA1A11EB}">
       <dsp:nvSpPr>
         <dsp:cNvPr id="0" name=""/>
         <dsp:cNvSpPr/>
       </dsp:nvSpPr>
       <dsp:spPr>
         <a:xfrm>
-          <a:off x="0" y="1943140"/>
-          <a:ext cx="8272463" cy="570375"/>
+          <a:off x="0" y="1981949"/>
+          <a:ext cx="8272463" cy="342225"/>
+        </a:xfrm>
+        <a:prstGeom prst="roundRect">
+          <a:avLst/>
+        </a:prstGeom>
+        <a:solidFill>
+          <a:schemeClr val="accent2">
+            <a:hueOff val="-661686"/>
+            <a:satOff val="746"/>
+            <a:lumOff val="1765"/>
+            <a:alphaOff val="0"/>
+          </a:schemeClr>
+        </a:solidFill>
+        <a:ln w="22225" cap="rnd" cmpd="sng" algn="ctr">
+          <a:solidFill>
+            <a:schemeClr val="lt1">
+              <a:hueOff val="0"/>
+              <a:satOff val="0"/>
+              <a:lumOff val="0"/>
+              <a:alphaOff val="0"/>
+            </a:schemeClr>
+          </a:solidFill>
+          <a:prstDash val="solid"/>
+        </a:ln>
+        <a:effectLst/>
+      </dsp:spPr>
+      <dsp:style>
+        <a:lnRef idx="2">
+          <a:scrgbClr r="0" g="0" b="0"/>
+        </a:lnRef>
+        <a:fillRef idx="1">
+          <a:scrgbClr r="0" g="0" b="0"/>
+        </a:fillRef>
+        <a:effectRef idx="0">
+          <a:scrgbClr r="0" g="0" b="0"/>
+        </a:effectRef>
+        <a:fontRef idx="minor">
+          <a:schemeClr val="lt1"/>
+        </a:fontRef>
+      </dsp:style>
+      <dsp:txBody>
+        <a:bodyPr spcFirstLastPara="0" vert="horz" wrap="square" lIns="57150" tIns="57150" rIns="57150" bIns="57150" numCol="1" spcCol="1270" anchor="ctr" anchorCtr="0">
+          <a:noAutofit/>
+        </a:bodyPr>
+        <a:lstStyle/>
+        <a:p>
+          <a:pPr marL="0" lvl="0" indent="0" algn="l" defTabSz="666750">
+            <a:lnSpc>
+              <a:spcPct val="90000"/>
+            </a:lnSpc>
+            <a:spcBef>
+              <a:spcPct val="0"/>
+            </a:spcBef>
+            <a:spcAft>
+              <a:spcPct val="35000"/>
+            </a:spcAft>
+            <a:buNone/>
+          </a:pPr>
+          <a:r>
+            <a:rPr lang="hr-HR" sz="1500" kern="1200" dirty="0"/>
+            <a:t>Iskustva</a:t>
+          </a:r>
+          <a:endParaRPr lang="en-US" sz="1500" kern="1200" dirty="0"/>
+        </a:p>
+      </dsp:txBody>
+      <dsp:txXfrm>
+        <a:off x="16706" y="1998655"/>
+        <a:ext cx="8239051" cy="308813"/>
+      </dsp:txXfrm>
+    </dsp:sp>
+    <dsp:sp modelId="{E9865F06-256D-42CE-B0D4-418A3216E2CC}">
+      <dsp:nvSpPr>
+        <dsp:cNvPr id="0" name=""/>
+        <dsp:cNvSpPr/>
+      </dsp:nvSpPr>
+      <dsp:spPr>
+        <a:xfrm>
+          <a:off x="0" y="2367374"/>
+          <a:ext cx="8272463" cy="342225"/>
         </a:xfrm>
         <a:prstGeom prst="roundRect">
           <a:avLst/>
@@ -5249,12 +8101,12 @@
         </a:fontRef>
       </dsp:style>
       <dsp:txBody>
-        <a:bodyPr spcFirstLastPara="0" vert="horz" wrap="square" lIns="95250" tIns="95250" rIns="95250" bIns="95250" numCol="1" spcCol="1270" anchor="ctr" anchorCtr="0">
+        <a:bodyPr spcFirstLastPara="0" vert="horz" wrap="square" lIns="57150" tIns="57150" rIns="57150" bIns="57150" numCol="1" spcCol="1270" anchor="ctr" anchorCtr="0">
           <a:noAutofit/>
         </a:bodyPr>
         <a:lstStyle/>
         <a:p>
-          <a:pPr marL="0" lvl="0" indent="0" algn="l" defTabSz="1111250">
+          <a:pPr marL="0" lvl="0" indent="0" algn="l" defTabSz="666750">
             <a:lnSpc>
               <a:spcPct val="90000"/>
             </a:lnSpc>
@@ -5267,26 +8119,99 @@
             <a:buNone/>
           </a:pPr>
           <a:r>
-            <a:rPr lang="hr-HR" sz="2500" kern="1200"/>
-            <a:t>Arhitektura</a:t>
+            <a:rPr lang="hr-HR" sz="1500" kern="1200" dirty="0"/>
+            <a:t>a</a:t>
           </a:r>
-          <a:endParaRPr lang="en-US" sz="2500" kern="1200"/>
         </a:p>
       </dsp:txBody>
       <dsp:txXfrm>
-        <a:off x="27843" y="1970983"/>
-        <a:ext cx="8216777" cy="514689"/>
+        <a:off x="16706" y="2384080"/>
+        <a:ext cx="8239051" cy="308813"/>
       </dsp:txXfrm>
     </dsp:sp>
-    <dsp:sp modelId="{AA328B94-C2E7-4B09-BD59-8A24145C662C}">
+    <dsp:sp modelId="{DE306D46-B45A-4901-AA07-273F1CB89355}">
       <dsp:nvSpPr>
         <dsp:cNvPr id="0" name=""/>
         <dsp:cNvSpPr/>
       </dsp:nvSpPr>
       <dsp:spPr>
         <a:xfrm>
-          <a:off x="0" y="2585515"/>
-          <a:ext cx="8272463" cy="570375"/>
+          <a:off x="0" y="2752799"/>
+          <a:ext cx="8272463" cy="342225"/>
+        </a:xfrm>
+        <a:prstGeom prst="roundRect">
+          <a:avLst/>
+        </a:prstGeom>
+        <a:solidFill>
+          <a:schemeClr val="accent2">
+            <a:hueOff val="-926361"/>
+            <a:satOff val="1044"/>
+            <a:lumOff val="2471"/>
+            <a:alphaOff val="0"/>
+          </a:schemeClr>
+        </a:solidFill>
+        <a:ln w="22225" cap="rnd" cmpd="sng" algn="ctr">
+          <a:solidFill>
+            <a:schemeClr val="lt1">
+              <a:hueOff val="0"/>
+              <a:satOff val="0"/>
+              <a:lumOff val="0"/>
+              <a:alphaOff val="0"/>
+            </a:schemeClr>
+          </a:solidFill>
+          <a:prstDash val="solid"/>
+        </a:ln>
+        <a:effectLst/>
+      </dsp:spPr>
+      <dsp:style>
+        <a:lnRef idx="2">
+          <a:scrgbClr r="0" g="0" b="0"/>
+        </a:lnRef>
+        <a:fillRef idx="1">
+          <a:scrgbClr r="0" g="0" b="0"/>
+        </a:fillRef>
+        <a:effectRef idx="0">
+          <a:scrgbClr r="0" g="0" b="0"/>
+        </a:effectRef>
+        <a:fontRef idx="minor">
+          <a:schemeClr val="lt1"/>
+        </a:fontRef>
+      </dsp:style>
+      <dsp:txBody>
+        <a:bodyPr spcFirstLastPara="0" vert="horz" wrap="square" lIns="57150" tIns="57150" rIns="57150" bIns="57150" numCol="1" spcCol="1270" anchor="ctr" anchorCtr="0">
+          <a:noAutofit/>
+        </a:bodyPr>
+        <a:lstStyle/>
+        <a:p>
+          <a:pPr marL="0" lvl="0" indent="0" algn="l" defTabSz="666750">
+            <a:lnSpc>
+              <a:spcPct val="90000"/>
+            </a:lnSpc>
+            <a:spcBef>
+              <a:spcPct val="0"/>
+            </a:spcBef>
+            <a:spcAft>
+              <a:spcPct val="35000"/>
+            </a:spcAft>
+            <a:buNone/>
+          </a:pPr>
+          <a:endParaRPr lang="hr-HR" sz="1500" kern="1200"/>
+        </a:p>
+      </dsp:txBody>
+      <dsp:txXfrm>
+        <a:off x="16706" y="2769505"/>
+        <a:ext cx="8239051" cy="308813"/>
+      </dsp:txXfrm>
+    </dsp:sp>
+    <dsp:sp modelId="{41158F1B-371A-4992-B2EC-7A5F269DF30C}">
+      <dsp:nvSpPr>
+        <dsp:cNvPr id="0" name=""/>
+        <dsp:cNvSpPr/>
+      </dsp:nvSpPr>
+      <dsp:spPr>
+        <a:xfrm>
+          <a:off x="0" y="3138224"/>
+          <a:ext cx="8272463" cy="342225"/>
         </a:xfrm>
         <a:prstGeom prst="roundRect">
           <a:avLst/>
@@ -5327,12 +8252,12 @@
         </a:fontRef>
       </dsp:style>
       <dsp:txBody>
-        <a:bodyPr spcFirstLastPara="0" vert="horz" wrap="square" lIns="95250" tIns="95250" rIns="95250" bIns="95250" numCol="1" spcCol="1270" anchor="ctr" anchorCtr="0">
+        <a:bodyPr spcFirstLastPara="0" vert="horz" wrap="square" lIns="57150" tIns="57150" rIns="57150" bIns="57150" numCol="1" spcCol="1270" anchor="ctr" anchorCtr="0">
           <a:noAutofit/>
         </a:bodyPr>
         <a:lstStyle/>
         <a:p>
-          <a:pPr marL="0" lvl="0" indent="0" algn="l" defTabSz="1111250">
+          <a:pPr marL="0" lvl="0" indent="0" algn="l" defTabSz="666750">
             <a:lnSpc>
               <a:spcPct val="90000"/>
             </a:lnSpc>
@@ -5344,27 +8269,97 @@
             </a:spcAft>
             <a:buNone/>
           </a:pPr>
-          <a:r>
-            <a:rPr lang="hr-HR" sz="2500" kern="1200"/>
-            <a:t>Organizacija rada </a:t>
-          </a:r>
-          <a:endParaRPr lang="en-US" sz="2500" kern="1200"/>
+          <a:endParaRPr lang="hr-HR" sz="1500" kern="1200"/>
         </a:p>
       </dsp:txBody>
       <dsp:txXfrm>
-        <a:off x="27843" y="2613358"/>
-        <a:ext cx="8216777" cy="514689"/>
+        <a:off x="16706" y="3154930"/>
+        <a:ext cx="8239051" cy="308813"/>
       </dsp:txXfrm>
     </dsp:sp>
-    <dsp:sp modelId="{86BAB254-6B4B-4851-8321-2C85BA1A11EB}">
+    <dsp:sp modelId="{2356CAD4-6C86-4656-8424-35019E915118}">
       <dsp:nvSpPr>
         <dsp:cNvPr id="0" name=""/>
         <dsp:cNvSpPr/>
       </dsp:nvSpPr>
       <dsp:spPr>
         <a:xfrm>
-          <a:off x="0" y="3227890"/>
-          <a:ext cx="8272463" cy="570375"/>
+          <a:off x="0" y="3523650"/>
+          <a:ext cx="8272463" cy="342225"/>
+        </a:xfrm>
+        <a:prstGeom prst="roundRect">
+          <a:avLst/>
+        </a:prstGeom>
+        <a:solidFill>
+          <a:schemeClr val="accent2">
+            <a:hueOff val="-1191035"/>
+            <a:satOff val="1343"/>
+            <a:lumOff val="3177"/>
+            <a:alphaOff val="0"/>
+          </a:schemeClr>
+        </a:solidFill>
+        <a:ln w="22225" cap="rnd" cmpd="sng" algn="ctr">
+          <a:solidFill>
+            <a:schemeClr val="lt1">
+              <a:hueOff val="0"/>
+              <a:satOff val="0"/>
+              <a:lumOff val="0"/>
+              <a:alphaOff val="0"/>
+            </a:schemeClr>
+          </a:solidFill>
+          <a:prstDash val="solid"/>
+        </a:ln>
+        <a:effectLst/>
+      </dsp:spPr>
+      <dsp:style>
+        <a:lnRef idx="2">
+          <a:scrgbClr r="0" g="0" b="0"/>
+        </a:lnRef>
+        <a:fillRef idx="1">
+          <a:scrgbClr r="0" g="0" b="0"/>
+        </a:fillRef>
+        <a:effectRef idx="0">
+          <a:scrgbClr r="0" g="0" b="0"/>
+        </a:effectRef>
+        <a:fontRef idx="minor">
+          <a:schemeClr val="lt1"/>
+        </a:fontRef>
+      </dsp:style>
+      <dsp:txBody>
+        <a:bodyPr spcFirstLastPara="0" vert="horz" wrap="square" lIns="57150" tIns="57150" rIns="57150" bIns="57150" numCol="1" spcCol="1270" anchor="ctr" anchorCtr="0">
+          <a:noAutofit/>
+        </a:bodyPr>
+        <a:lstStyle/>
+        <a:p>
+          <a:pPr marL="0" lvl="0" indent="0" algn="l" defTabSz="666750">
+            <a:lnSpc>
+              <a:spcPct val="90000"/>
+            </a:lnSpc>
+            <a:spcBef>
+              <a:spcPct val="0"/>
+            </a:spcBef>
+            <a:spcAft>
+              <a:spcPct val="35000"/>
+            </a:spcAft>
+            <a:buNone/>
+          </a:pPr>
+          <a:endParaRPr lang="hr-HR" sz="1500" kern="1200"/>
+        </a:p>
+      </dsp:txBody>
+      <dsp:txXfrm>
+        <a:off x="16706" y="3540356"/>
+        <a:ext cx="8239051" cy="308813"/>
+      </dsp:txXfrm>
+    </dsp:sp>
+    <dsp:sp modelId="{3598683F-A3B1-4733-B3A8-15B9AC793CB5}">
+      <dsp:nvSpPr>
+        <dsp:cNvPr id="0" name=""/>
+        <dsp:cNvSpPr/>
+      </dsp:nvSpPr>
+      <dsp:spPr>
+        <a:xfrm>
+          <a:off x="0" y="3909075"/>
+          <a:ext cx="8272463" cy="342225"/>
         </a:xfrm>
         <a:prstGeom prst="roundRect">
           <a:avLst/>
@@ -5405,12 +8400,12 @@
         </a:fontRef>
       </dsp:style>
       <dsp:txBody>
-        <a:bodyPr spcFirstLastPara="0" vert="horz" wrap="square" lIns="95250" tIns="95250" rIns="95250" bIns="95250" numCol="1" spcCol="1270" anchor="ctr" anchorCtr="0">
+        <a:bodyPr spcFirstLastPara="0" vert="horz" wrap="square" lIns="57150" tIns="57150" rIns="57150" bIns="57150" numCol="1" spcCol="1270" anchor="ctr" anchorCtr="0">
           <a:noAutofit/>
         </a:bodyPr>
         <a:lstStyle/>
         <a:p>
-          <a:pPr marL="0" lvl="0" indent="0" algn="l" defTabSz="1111250">
+          <a:pPr marL="0" lvl="0" indent="0" algn="l" defTabSz="666750">
             <a:lnSpc>
               <a:spcPct val="90000"/>
             </a:lnSpc>
@@ -5422,16 +8417,12 @@
             </a:spcAft>
             <a:buNone/>
           </a:pPr>
-          <a:r>
-            <a:rPr lang="hr-HR" sz="2500" kern="1200"/>
-            <a:t>Iskustva</a:t>
-          </a:r>
-          <a:endParaRPr lang="en-US" sz="2500" kern="1200"/>
+          <a:endParaRPr lang="hr-HR" sz="1500" kern="1200"/>
         </a:p>
       </dsp:txBody>
       <dsp:txXfrm>
-        <a:off x="27843" y="3255733"/>
-        <a:ext cx="8216777" cy="514689"/>
+        <a:off x="16706" y="3925781"/>
+        <a:ext cx="8239051" cy="308813"/>
       </dsp:txXfrm>
     </dsp:sp>
   </dsp:spTree>
@@ -5453,8 +8444,8 @@
       </dsp:nvSpPr>
       <dsp:spPr>
         <a:xfrm>
-          <a:off x="0" y="49765"/>
-          <a:ext cx="8272463" cy="570375"/>
+          <a:off x="0" y="0"/>
+          <a:ext cx="8272463" cy="616004"/>
         </a:xfrm>
         <a:prstGeom prst="roundRect">
           <a:avLst/>
@@ -5495,12 +8486,12 @@
         </a:fontRef>
       </dsp:style>
       <dsp:txBody>
-        <a:bodyPr spcFirstLastPara="0" vert="horz" wrap="square" lIns="95250" tIns="95250" rIns="95250" bIns="95250" numCol="1" spcCol="1270" anchor="ctr" anchorCtr="0">
+        <a:bodyPr spcFirstLastPara="0" vert="horz" wrap="square" lIns="102870" tIns="102870" rIns="102870" bIns="102870" numCol="1" spcCol="1270" anchor="ctr" anchorCtr="0">
           <a:noAutofit/>
         </a:bodyPr>
         <a:lstStyle/>
         <a:p>
-          <a:pPr marL="0" lvl="0" indent="0" algn="l" defTabSz="1111250">
+          <a:pPr marL="0" lvl="0" indent="0" algn="l" defTabSz="1200150">
             <a:lnSpc>
               <a:spcPct val="90000"/>
             </a:lnSpc>
@@ -5513,15 +8504,15 @@
             <a:buNone/>
           </a:pPr>
           <a:r>
-            <a:rPr lang="hr-HR" sz="2500" kern="1200"/>
+            <a:rPr lang="hr-HR" sz="2700" kern="1200"/>
             <a:t>Članovi tima</a:t>
           </a:r>
-          <a:endParaRPr lang="en-US" sz="2500" kern="1200"/>
+          <a:endParaRPr lang="en-US" sz="2700" kern="1200"/>
         </a:p>
       </dsp:txBody>
       <dsp:txXfrm>
-        <a:off x="27843" y="77608"/>
-        <a:ext cx="8216777" cy="514689"/>
+        <a:off x="30071" y="30071"/>
+        <a:ext cx="8212321" cy="555862"/>
       </dsp:txXfrm>
     </dsp:sp>
     <dsp:sp modelId="{0D061BCB-C9CD-45C8-AC00-8292B61A45BE}">
@@ -5531,8 +8522,8 @@
       </dsp:nvSpPr>
       <dsp:spPr>
         <a:xfrm>
-          <a:off x="0" y="692140"/>
-          <a:ext cx="8272463" cy="570375"/>
+          <a:off x="0" y="720693"/>
+          <a:ext cx="8272463" cy="616004"/>
         </a:xfrm>
         <a:prstGeom prst="roundRect">
           <a:avLst/>
@@ -5573,12 +8564,12 @@
         </a:fontRef>
       </dsp:style>
       <dsp:txBody>
-        <a:bodyPr spcFirstLastPara="0" vert="horz" wrap="square" lIns="95250" tIns="95250" rIns="95250" bIns="95250" numCol="1" spcCol="1270" anchor="ctr" anchorCtr="0">
+        <a:bodyPr spcFirstLastPara="0" vert="horz" wrap="square" lIns="102870" tIns="102870" rIns="102870" bIns="102870" numCol="1" spcCol="1270" anchor="ctr" anchorCtr="0">
           <a:noAutofit/>
         </a:bodyPr>
         <a:lstStyle/>
         <a:p>
-          <a:pPr marL="0" lvl="0" indent="0" algn="l" defTabSz="1111250">
+          <a:pPr marL="0" lvl="0" indent="0" algn="l" defTabSz="1200150">
             <a:lnSpc>
               <a:spcPct val="90000"/>
             </a:lnSpc>
@@ -5591,15 +8582,15 @@
             <a:buNone/>
           </a:pPr>
           <a:r>
-            <a:rPr lang="hr-HR" sz="2500" kern="1200"/>
+            <a:rPr lang="hr-HR" sz="2700" kern="1200"/>
             <a:t>Cilj projekta</a:t>
           </a:r>
-          <a:endParaRPr lang="en-US" sz="2500" kern="1200"/>
+          <a:endParaRPr lang="en-US" sz="2700" kern="1200" dirty="0"/>
         </a:p>
       </dsp:txBody>
       <dsp:txXfrm>
-        <a:off x="27843" y="719983"/>
-        <a:ext cx="8216777" cy="514689"/>
+        <a:off x="30071" y="750764"/>
+        <a:ext cx="8212321" cy="555862"/>
       </dsp:txXfrm>
     </dsp:sp>
     <dsp:sp modelId="{7EC53AB6-5A81-4724-AB2A-72A336609137}">
@@ -5609,8 +8600,8 @@
       </dsp:nvSpPr>
       <dsp:spPr>
         <a:xfrm>
-          <a:off x="0" y="1334515"/>
-          <a:ext cx="8272463" cy="570375"/>
+          <a:off x="0" y="1414458"/>
+          <a:ext cx="8272463" cy="616004"/>
         </a:xfrm>
         <a:prstGeom prst="roundRect">
           <a:avLst/>
@@ -5651,12 +8642,12 @@
         </a:fontRef>
       </dsp:style>
       <dsp:txBody>
-        <a:bodyPr spcFirstLastPara="0" vert="horz" wrap="square" lIns="95250" tIns="95250" rIns="95250" bIns="95250" numCol="1" spcCol="1270" anchor="ctr" anchorCtr="0">
+        <a:bodyPr spcFirstLastPara="0" vert="horz" wrap="square" lIns="102870" tIns="102870" rIns="102870" bIns="102870" numCol="1" spcCol="1270" anchor="ctr" anchorCtr="0">
           <a:noAutofit/>
         </a:bodyPr>
         <a:lstStyle/>
         <a:p>
-          <a:pPr marL="0" lvl="0" indent="0" algn="l" defTabSz="1111250">
+          <a:pPr marL="0" lvl="0" indent="0" algn="l" defTabSz="1200150">
             <a:lnSpc>
               <a:spcPct val="90000"/>
             </a:lnSpc>
@@ -5669,15 +8660,15 @@
             <a:buNone/>
           </a:pPr>
           <a:r>
-            <a:rPr lang="hr-HR" sz="2500" kern="1200"/>
+            <a:rPr lang="hr-HR" sz="2700" kern="1200" dirty="0"/>
             <a:t>Analiza i oblikovanje sustava	</a:t>
           </a:r>
-          <a:endParaRPr lang="en-US" sz="2500" kern="1200"/>
+          <a:endParaRPr lang="en-US" sz="2700" kern="1200" dirty="0"/>
         </a:p>
       </dsp:txBody>
       <dsp:txXfrm>
-        <a:off x="27843" y="1362358"/>
-        <a:ext cx="8216777" cy="514689"/>
+        <a:off x="30071" y="1444529"/>
+        <a:ext cx="8212321" cy="555862"/>
       </dsp:txXfrm>
     </dsp:sp>
     <dsp:sp modelId="{6964960E-A997-40B1-8ED9-E0370BDFD157}">
@@ -5687,8 +8678,8 @@
       </dsp:nvSpPr>
       <dsp:spPr>
         <a:xfrm>
-          <a:off x="0" y="1904890"/>
-          <a:ext cx="8272463" cy="646875"/>
+          <a:off x="0" y="2030463"/>
+          <a:ext cx="8272463" cy="447120"/>
         </a:xfrm>
         <a:prstGeom prst="rect">
           <a:avLst/>
@@ -5712,12 +8703,12 @@
         <a:fontRef idx="minor"/>
       </dsp:style>
       <dsp:txBody>
-        <a:bodyPr spcFirstLastPara="0" vert="horz" wrap="square" lIns="262651" tIns="31750" rIns="177800" bIns="31750" numCol="1" spcCol="1270" anchor="t" anchorCtr="0">
+        <a:bodyPr spcFirstLastPara="0" vert="horz" wrap="square" lIns="262651" tIns="34290" rIns="192024" bIns="34290" numCol="1" spcCol="1270" anchor="t" anchorCtr="0">
           <a:noAutofit/>
         </a:bodyPr>
         <a:lstStyle/>
         <a:p>
-          <a:pPr marL="228600" lvl="1" indent="-228600" algn="l" defTabSz="889000">
+          <a:pPr marL="228600" lvl="1" indent="-228600" algn="l" defTabSz="933450">
             <a:lnSpc>
               <a:spcPct val="90000"/>
             </a:lnSpc>
@@ -5729,35 +8720,12 @@
             </a:spcAft>
             <a:buChar char="•"/>
           </a:pPr>
-          <a:r>
-            <a:rPr lang="hr-HR" sz="2000" kern="1200"/>
-            <a:t>Zahtjevi</a:t>
-          </a:r>
-          <a:endParaRPr lang="en-US" sz="2000" kern="1200"/>
-        </a:p>
-        <a:p>
-          <a:pPr marL="228600" lvl="1" indent="-228600" algn="l" defTabSz="889000">
-            <a:lnSpc>
-              <a:spcPct val="90000"/>
-            </a:lnSpc>
-            <a:spcBef>
-              <a:spcPct val="0"/>
-            </a:spcBef>
-            <a:spcAft>
-              <a:spcPct val="20000"/>
-            </a:spcAft>
-            <a:buChar char="•"/>
-          </a:pPr>
-          <a:r>
-            <a:rPr lang="hr-HR" sz="2000" kern="1200"/>
-            <a:t>Arhitektura</a:t>
-          </a:r>
-          <a:endParaRPr lang="en-US" sz="2000" kern="1200"/>
+          <a:endParaRPr lang="en-US" sz="2100" kern="1200" dirty="0"/>
         </a:p>
       </dsp:txBody>
       <dsp:txXfrm>
-        <a:off x="0" y="1904890"/>
-        <a:ext cx="8272463" cy="646875"/>
+        <a:off x="0" y="2030463"/>
+        <a:ext cx="8272463" cy="447120"/>
       </dsp:txXfrm>
     </dsp:sp>
     <dsp:sp modelId="{095D16C5-2405-484D-A358-F5293A86E281}">
@@ -5767,8 +8735,8 @@
       </dsp:nvSpPr>
       <dsp:spPr>
         <a:xfrm>
-          <a:off x="0" y="2551765"/>
-          <a:ext cx="8272463" cy="570375"/>
+          <a:off x="0" y="2101066"/>
+          <a:ext cx="8272463" cy="616004"/>
         </a:xfrm>
         <a:prstGeom prst="roundRect">
           <a:avLst/>
@@ -5809,12 +8777,12 @@
         </a:fontRef>
       </dsp:style>
       <dsp:txBody>
-        <a:bodyPr spcFirstLastPara="0" vert="horz" wrap="square" lIns="95250" tIns="95250" rIns="95250" bIns="95250" numCol="1" spcCol="1270" anchor="ctr" anchorCtr="0">
+        <a:bodyPr spcFirstLastPara="0" vert="horz" wrap="square" lIns="102870" tIns="102870" rIns="102870" bIns="102870" numCol="1" spcCol="1270" anchor="ctr" anchorCtr="0">
           <a:noAutofit/>
         </a:bodyPr>
         <a:lstStyle/>
         <a:p>
-          <a:pPr marL="0" lvl="0" indent="0" algn="l" defTabSz="1111250">
+          <a:pPr marL="0" lvl="0" indent="0" algn="l" defTabSz="1200150">
             <a:lnSpc>
               <a:spcPct val="90000"/>
             </a:lnSpc>
@@ -5827,15 +8795,15 @@
             <a:buNone/>
           </a:pPr>
           <a:r>
-            <a:rPr lang="hr-HR" sz="2500" kern="1200"/>
+            <a:rPr lang="hr-HR" sz="2700" kern="1200"/>
             <a:t>Organizacija rada </a:t>
           </a:r>
-          <a:endParaRPr lang="en-US" sz="2500" kern="1200"/>
+          <a:endParaRPr lang="en-US" sz="2700" kern="1200"/>
         </a:p>
       </dsp:txBody>
       <dsp:txXfrm>
-        <a:off x="27843" y="2579608"/>
-        <a:ext cx="8216777" cy="514689"/>
+        <a:off x="30071" y="2131137"/>
+        <a:ext cx="8212321" cy="555862"/>
       </dsp:txXfrm>
     </dsp:sp>
     <dsp:sp modelId="{4D72C598-7E64-4926-A186-B983CD64A481}">
@@ -5845,8 +8813,8 @@
       </dsp:nvSpPr>
       <dsp:spPr>
         <a:xfrm>
-          <a:off x="0" y="3194140"/>
-          <a:ext cx="8272463" cy="570375"/>
+          <a:off x="0" y="2803794"/>
+          <a:ext cx="8272463" cy="616004"/>
         </a:xfrm>
         <a:prstGeom prst="roundRect">
           <a:avLst/>
@@ -5887,12 +8855,12 @@
         </a:fontRef>
       </dsp:style>
       <dsp:txBody>
-        <a:bodyPr spcFirstLastPara="0" vert="horz" wrap="square" lIns="95250" tIns="95250" rIns="95250" bIns="95250" numCol="1" spcCol="1270" anchor="ctr" anchorCtr="0">
+        <a:bodyPr spcFirstLastPara="0" vert="horz" wrap="square" lIns="102870" tIns="102870" rIns="102870" bIns="102870" numCol="1" spcCol="1270" anchor="ctr" anchorCtr="0">
           <a:noAutofit/>
         </a:bodyPr>
         <a:lstStyle/>
         <a:p>
-          <a:pPr marL="0" lvl="0" indent="0" algn="l" defTabSz="1111250">
+          <a:pPr marL="0" lvl="0" indent="0" algn="l" defTabSz="1200150">
             <a:lnSpc>
               <a:spcPct val="90000"/>
             </a:lnSpc>
@@ -5905,15 +8873,15 @@
             <a:buNone/>
           </a:pPr>
           <a:r>
-            <a:rPr lang="hr-HR" sz="2500" kern="1200"/>
+            <a:rPr lang="hr-HR" sz="2700" kern="1200"/>
             <a:t>Iskustva</a:t>
           </a:r>
-          <a:endParaRPr lang="en-US" sz="2500" kern="1200"/>
+          <a:endParaRPr lang="en-US" sz="2700" kern="1200"/>
         </a:p>
       </dsp:txBody>
       <dsp:txXfrm>
-        <a:off x="27843" y="3221983"/>
-        <a:ext cx="8216777" cy="514689"/>
+        <a:off x="30071" y="2833865"/>
+        <a:ext cx="8212321" cy="555862"/>
       </dsp:txXfrm>
     </dsp:sp>
   </dsp:spTree>
@@ -5921,6 +8889,465 @@
 </file>
 
 <file path=ppt/diagrams/drawing3.xml><?xml version="1.0" encoding="utf-8"?>
+<dsp:drawing xmlns:dgm="http://schemas.openxmlformats.org/drawingml/2006/diagram" xmlns:dsp="http://schemas.microsoft.com/office/drawing/2008/diagram" xmlns:a="http://schemas.openxmlformats.org/drawingml/2006/main">
+  <dsp:spTree>
+    <dsp:nvGrpSpPr>
+      <dsp:cNvPr id="0" name=""/>
+      <dsp:cNvGrpSpPr/>
+    </dsp:nvGrpSpPr>
+    <dsp:grpSpPr/>
+    <dsp:sp modelId="{E08AB127-2486-4D1E-BC32-60C3EEECC47F}">
+      <dsp:nvSpPr>
+        <dsp:cNvPr id="0" name=""/>
+        <dsp:cNvSpPr/>
+      </dsp:nvSpPr>
+      <dsp:spPr>
+        <a:xfrm>
+          <a:off x="0" y="26928"/>
+          <a:ext cx="8272463" cy="616004"/>
+        </a:xfrm>
+        <a:prstGeom prst="roundRect">
+          <a:avLst/>
+        </a:prstGeom>
+        <a:solidFill>
+          <a:schemeClr val="accent2">
+            <a:hueOff val="0"/>
+            <a:satOff val="0"/>
+            <a:lumOff val="0"/>
+            <a:alphaOff val="0"/>
+          </a:schemeClr>
+        </a:solidFill>
+        <a:ln w="22225" cap="rnd" cmpd="sng" algn="ctr">
+          <a:solidFill>
+            <a:schemeClr val="lt1">
+              <a:hueOff val="0"/>
+              <a:satOff val="0"/>
+              <a:lumOff val="0"/>
+              <a:alphaOff val="0"/>
+            </a:schemeClr>
+          </a:solidFill>
+          <a:prstDash val="solid"/>
+        </a:ln>
+        <a:effectLst/>
+      </dsp:spPr>
+      <dsp:style>
+        <a:lnRef idx="2">
+          <a:scrgbClr r="0" g="0" b="0"/>
+        </a:lnRef>
+        <a:fillRef idx="1">
+          <a:scrgbClr r="0" g="0" b="0"/>
+        </a:fillRef>
+        <a:effectRef idx="0">
+          <a:scrgbClr r="0" g="0" b="0"/>
+        </a:effectRef>
+        <a:fontRef idx="minor">
+          <a:schemeClr val="lt1"/>
+        </a:fontRef>
+      </dsp:style>
+      <dsp:txBody>
+        <a:bodyPr spcFirstLastPara="0" vert="horz" wrap="square" lIns="102870" tIns="102870" rIns="102870" bIns="102870" numCol="1" spcCol="1270" anchor="ctr" anchorCtr="0">
+          <a:noAutofit/>
+        </a:bodyPr>
+        <a:lstStyle/>
+        <a:p>
+          <a:pPr marL="0" lvl="0" indent="0" algn="l" defTabSz="1200150">
+            <a:lnSpc>
+              <a:spcPct val="90000"/>
+            </a:lnSpc>
+            <a:spcBef>
+              <a:spcPct val="0"/>
+            </a:spcBef>
+            <a:spcAft>
+              <a:spcPct val="35000"/>
+            </a:spcAft>
+            <a:buNone/>
+          </a:pPr>
+          <a:r>
+            <a:rPr lang="hr-HR" sz="2700" kern="1200"/>
+            <a:t>Članovi tima</a:t>
+          </a:r>
+          <a:endParaRPr lang="en-US" sz="2700" kern="1200"/>
+        </a:p>
+      </dsp:txBody>
+      <dsp:txXfrm>
+        <a:off x="30071" y="56999"/>
+        <a:ext cx="8212321" cy="555862"/>
+      </dsp:txXfrm>
+    </dsp:sp>
+    <dsp:sp modelId="{0D061BCB-C9CD-45C8-AC00-8292B61A45BE}">
+      <dsp:nvSpPr>
+        <dsp:cNvPr id="0" name=""/>
+        <dsp:cNvSpPr/>
+      </dsp:nvSpPr>
+      <dsp:spPr>
+        <a:xfrm>
+          <a:off x="0" y="720693"/>
+          <a:ext cx="8272463" cy="616004"/>
+        </a:xfrm>
+        <a:prstGeom prst="roundRect">
+          <a:avLst/>
+        </a:prstGeom>
+        <a:solidFill>
+          <a:schemeClr val="accent2">
+            <a:hueOff val="-330843"/>
+            <a:satOff val="373"/>
+            <a:lumOff val="882"/>
+            <a:alphaOff val="0"/>
+          </a:schemeClr>
+        </a:solidFill>
+        <a:ln w="22225" cap="rnd" cmpd="sng" algn="ctr">
+          <a:solidFill>
+            <a:schemeClr val="lt1">
+              <a:hueOff val="0"/>
+              <a:satOff val="0"/>
+              <a:lumOff val="0"/>
+              <a:alphaOff val="0"/>
+            </a:schemeClr>
+          </a:solidFill>
+          <a:prstDash val="solid"/>
+        </a:ln>
+        <a:effectLst/>
+      </dsp:spPr>
+      <dsp:style>
+        <a:lnRef idx="2">
+          <a:scrgbClr r="0" g="0" b="0"/>
+        </a:lnRef>
+        <a:fillRef idx="1">
+          <a:scrgbClr r="0" g="0" b="0"/>
+        </a:fillRef>
+        <a:effectRef idx="0">
+          <a:scrgbClr r="0" g="0" b="0"/>
+        </a:effectRef>
+        <a:fontRef idx="minor">
+          <a:schemeClr val="lt1"/>
+        </a:fontRef>
+      </dsp:style>
+      <dsp:txBody>
+        <a:bodyPr spcFirstLastPara="0" vert="horz" wrap="square" lIns="102870" tIns="102870" rIns="102870" bIns="102870" numCol="1" spcCol="1270" anchor="ctr" anchorCtr="0">
+          <a:noAutofit/>
+        </a:bodyPr>
+        <a:lstStyle/>
+        <a:p>
+          <a:pPr marL="0" lvl="0" indent="0" algn="l" defTabSz="1200150">
+            <a:lnSpc>
+              <a:spcPct val="90000"/>
+            </a:lnSpc>
+            <a:spcBef>
+              <a:spcPct val="0"/>
+            </a:spcBef>
+            <a:spcAft>
+              <a:spcPct val="35000"/>
+            </a:spcAft>
+            <a:buNone/>
+          </a:pPr>
+          <a:r>
+            <a:rPr lang="hr-HR" sz="2700" kern="1200" dirty="0"/>
+            <a:t>Cilj projekta</a:t>
+          </a:r>
+          <a:endParaRPr lang="en-US" sz="2700" kern="1200" dirty="0"/>
+        </a:p>
+      </dsp:txBody>
+      <dsp:txXfrm>
+        <a:off x="30071" y="750764"/>
+        <a:ext cx="8212321" cy="555862"/>
+      </dsp:txXfrm>
+    </dsp:sp>
+    <dsp:sp modelId="{7EC53AB6-5A81-4724-AB2A-72A336609137}">
+      <dsp:nvSpPr>
+        <dsp:cNvPr id="0" name=""/>
+        <dsp:cNvSpPr/>
+      </dsp:nvSpPr>
+      <dsp:spPr>
+        <a:xfrm>
+          <a:off x="0" y="1414458"/>
+          <a:ext cx="8272463" cy="616004"/>
+        </a:xfrm>
+        <a:prstGeom prst="roundRect">
+          <a:avLst/>
+        </a:prstGeom>
+        <a:solidFill>
+          <a:schemeClr val="accent2">
+            <a:hueOff val="-661686"/>
+            <a:satOff val="746"/>
+            <a:lumOff val="1765"/>
+            <a:alphaOff val="0"/>
+          </a:schemeClr>
+        </a:solidFill>
+        <a:ln w="22225" cap="rnd" cmpd="sng" algn="ctr">
+          <a:solidFill>
+            <a:schemeClr val="lt1">
+              <a:hueOff val="0"/>
+              <a:satOff val="0"/>
+              <a:lumOff val="0"/>
+              <a:alphaOff val="0"/>
+            </a:schemeClr>
+          </a:solidFill>
+          <a:prstDash val="solid"/>
+        </a:ln>
+        <a:effectLst/>
+      </dsp:spPr>
+      <dsp:style>
+        <a:lnRef idx="2">
+          <a:scrgbClr r="0" g="0" b="0"/>
+        </a:lnRef>
+        <a:fillRef idx="1">
+          <a:scrgbClr r="0" g="0" b="0"/>
+        </a:fillRef>
+        <a:effectRef idx="0">
+          <a:scrgbClr r="0" g="0" b="0"/>
+        </a:effectRef>
+        <a:fontRef idx="minor">
+          <a:schemeClr val="lt1"/>
+        </a:fontRef>
+      </dsp:style>
+      <dsp:txBody>
+        <a:bodyPr spcFirstLastPara="0" vert="horz" wrap="square" lIns="102870" tIns="102870" rIns="102870" bIns="102870" numCol="1" spcCol="1270" anchor="ctr" anchorCtr="0">
+          <a:noAutofit/>
+        </a:bodyPr>
+        <a:lstStyle/>
+        <a:p>
+          <a:pPr marL="0" lvl="0" indent="0" algn="l" defTabSz="1200150">
+            <a:lnSpc>
+              <a:spcPct val="90000"/>
+            </a:lnSpc>
+            <a:spcBef>
+              <a:spcPct val="0"/>
+            </a:spcBef>
+            <a:spcAft>
+              <a:spcPct val="35000"/>
+            </a:spcAft>
+            <a:buNone/>
+          </a:pPr>
+          <a:r>
+            <a:rPr lang="hr-HR" sz="2700" kern="1200" dirty="0"/>
+            <a:t>Analiza i oblikovanje sustava	</a:t>
+          </a:r>
+          <a:endParaRPr lang="en-US" sz="2700" kern="1200" dirty="0"/>
+        </a:p>
+      </dsp:txBody>
+      <dsp:txXfrm>
+        <a:off x="30071" y="1444529"/>
+        <a:ext cx="8212321" cy="555862"/>
+      </dsp:txXfrm>
+    </dsp:sp>
+    <dsp:sp modelId="{6964960E-A997-40B1-8ED9-E0370BDFD157}">
+      <dsp:nvSpPr>
+        <dsp:cNvPr id="0" name=""/>
+        <dsp:cNvSpPr/>
+      </dsp:nvSpPr>
+      <dsp:spPr>
+        <a:xfrm>
+          <a:off x="0" y="2030463"/>
+          <a:ext cx="8272463" cy="447120"/>
+        </a:xfrm>
+        <a:prstGeom prst="rect">
+          <a:avLst/>
+        </a:prstGeom>
+        <a:noFill/>
+        <a:ln>
+          <a:noFill/>
+        </a:ln>
+        <a:effectLst/>
+      </dsp:spPr>
+      <dsp:style>
+        <a:lnRef idx="0">
+          <a:scrgbClr r="0" g="0" b="0"/>
+        </a:lnRef>
+        <a:fillRef idx="0">
+          <a:scrgbClr r="0" g="0" b="0"/>
+        </a:fillRef>
+        <a:effectRef idx="0">
+          <a:scrgbClr r="0" g="0" b="0"/>
+        </a:effectRef>
+        <a:fontRef idx="minor"/>
+      </dsp:style>
+      <dsp:txBody>
+        <a:bodyPr spcFirstLastPara="0" vert="horz" wrap="square" lIns="262651" tIns="34290" rIns="192024" bIns="34290" numCol="1" spcCol="1270" anchor="t" anchorCtr="0">
+          <a:noAutofit/>
+        </a:bodyPr>
+        <a:lstStyle/>
+        <a:p>
+          <a:pPr marL="228600" lvl="1" indent="-228600" algn="l" defTabSz="933450">
+            <a:lnSpc>
+              <a:spcPct val="90000"/>
+            </a:lnSpc>
+            <a:spcBef>
+              <a:spcPct val="0"/>
+            </a:spcBef>
+            <a:spcAft>
+              <a:spcPct val="20000"/>
+            </a:spcAft>
+            <a:buChar char="•"/>
+          </a:pPr>
+          <a:endParaRPr lang="en-US" sz="2100" kern="1200" dirty="0"/>
+        </a:p>
+      </dsp:txBody>
+      <dsp:txXfrm>
+        <a:off x="0" y="2030463"/>
+        <a:ext cx="8272463" cy="447120"/>
+      </dsp:txXfrm>
+    </dsp:sp>
+    <dsp:sp modelId="{095D16C5-2405-484D-A358-F5293A86E281}">
+      <dsp:nvSpPr>
+        <dsp:cNvPr id="0" name=""/>
+        <dsp:cNvSpPr/>
+      </dsp:nvSpPr>
+      <dsp:spPr>
+        <a:xfrm>
+          <a:off x="0" y="2101066"/>
+          <a:ext cx="8272463" cy="616004"/>
+        </a:xfrm>
+        <a:prstGeom prst="roundRect">
+          <a:avLst/>
+        </a:prstGeom>
+        <a:solidFill>
+          <a:schemeClr val="accent2">
+            <a:hueOff val="-992530"/>
+            <a:satOff val="1119"/>
+            <a:lumOff val="2647"/>
+            <a:alphaOff val="0"/>
+          </a:schemeClr>
+        </a:solidFill>
+        <a:ln w="22225" cap="rnd" cmpd="sng" algn="ctr">
+          <a:solidFill>
+            <a:schemeClr val="lt1">
+              <a:hueOff val="0"/>
+              <a:satOff val="0"/>
+              <a:lumOff val="0"/>
+              <a:alphaOff val="0"/>
+            </a:schemeClr>
+          </a:solidFill>
+          <a:prstDash val="solid"/>
+        </a:ln>
+        <a:effectLst/>
+      </dsp:spPr>
+      <dsp:style>
+        <a:lnRef idx="2">
+          <a:scrgbClr r="0" g="0" b="0"/>
+        </a:lnRef>
+        <a:fillRef idx="1">
+          <a:scrgbClr r="0" g="0" b="0"/>
+        </a:fillRef>
+        <a:effectRef idx="0">
+          <a:scrgbClr r="0" g="0" b="0"/>
+        </a:effectRef>
+        <a:fontRef idx="minor">
+          <a:schemeClr val="lt1"/>
+        </a:fontRef>
+      </dsp:style>
+      <dsp:txBody>
+        <a:bodyPr spcFirstLastPara="0" vert="horz" wrap="square" lIns="102870" tIns="102870" rIns="102870" bIns="102870" numCol="1" spcCol="1270" anchor="ctr" anchorCtr="0">
+          <a:noAutofit/>
+        </a:bodyPr>
+        <a:lstStyle/>
+        <a:p>
+          <a:pPr marL="0" lvl="0" indent="0" algn="l" defTabSz="1200150">
+            <a:lnSpc>
+              <a:spcPct val="90000"/>
+            </a:lnSpc>
+            <a:spcBef>
+              <a:spcPct val="0"/>
+            </a:spcBef>
+            <a:spcAft>
+              <a:spcPct val="35000"/>
+            </a:spcAft>
+            <a:buNone/>
+          </a:pPr>
+          <a:r>
+            <a:rPr lang="hr-HR" sz="2700" kern="1200"/>
+            <a:t>Organizacija rada </a:t>
+          </a:r>
+          <a:endParaRPr lang="en-US" sz="2700" kern="1200"/>
+        </a:p>
+      </dsp:txBody>
+      <dsp:txXfrm>
+        <a:off x="30071" y="2131137"/>
+        <a:ext cx="8212321" cy="555862"/>
+      </dsp:txXfrm>
+    </dsp:sp>
+    <dsp:sp modelId="{4D72C598-7E64-4926-A186-B983CD64A481}">
+      <dsp:nvSpPr>
+        <dsp:cNvPr id="0" name=""/>
+        <dsp:cNvSpPr/>
+      </dsp:nvSpPr>
+      <dsp:spPr>
+        <a:xfrm>
+          <a:off x="0" y="2803794"/>
+          <a:ext cx="8272463" cy="616004"/>
+        </a:xfrm>
+        <a:prstGeom prst="roundRect">
+          <a:avLst/>
+        </a:prstGeom>
+        <a:solidFill>
+          <a:schemeClr val="accent2">
+            <a:hueOff val="-1323373"/>
+            <a:satOff val="1492"/>
+            <a:lumOff val="3530"/>
+            <a:alphaOff val="0"/>
+          </a:schemeClr>
+        </a:solidFill>
+        <a:ln w="22225" cap="rnd" cmpd="sng" algn="ctr">
+          <a:solidFill>
+            <a:schemeClr val="lt1">
+              <a:hueOff val="0"/>
+              <a:satOff val="0"/>
+              <a:lumOff val="0"/>
+              <a:alphaOff val="0"/>
+            </a:schemeClr>
+          </a:solidFill>
+          <a:prstDash val="solid"/>
+        </a:ln>
+        <a:effectLst/>
+      </dsp:spPr>
+      <dsp:style>
+        <a:lnRef idx="2">
+          <a:scrgbClr r="0" g="0" b="0"/>
+        </a:lnRef>
+        <a:fillRef idx="1">
+          <a:scrgbClr r="0" g="0" b="0"/>
+        </a:fillRef>
+        <a:effectRef idx="0">
+          <a:scrgbClr r="0" g="0" b="0"/>
+        </a:effectRef>
+        <a:fontRef idx="minor">
+          <a:schemeClr val="lt1"/>
+        </a:fontRef>
+      </dsp:style>
+      <dsp:txBody>
+        <a:bodyPr spcFirstLastPara="0" vert="horz" wrap="square" lIns="102870" tIns="102870" rIns="102870" bIns="102870" numCol="1" spcCol="1270" anchor="ctr" anchorCtr="0">
+          <a:noAutofit/>
+        </a:bodyPr>
+        <a:lstStyle/>
+        <a:p>
+          <a:pPr marL="0" lvl="0" indent="0" algn="l" defTabSz="1200150">
+            <a:lnSpc>
+              <a:spcPct val="90000"/>
+            </a:lnSpc>
+            <a:spcBef>
+              <a:spcPct val="0"/>
+            </a:spcBef>
+            <a:spcAft>
+              <a:spcPct val="35000"/>
+            </a:spcAft>
+            <a:buNone/>
+          </a:pPr>
+          <a:r>
+            <a:rPr lang="hr-HR" sz="2700" kern="1200"/>
+            <a:t>Iskustva</a:t>
+          </a:r>
+          <a:endParaRPr lang="en-US" sz="2700" kern="1200"/>
+        </a:p>
+      </dsp:txBody>
+      <dsp:txXfrm>
+        <a:off x="30071" y="2833865"/>
+        <a:ext cx="8212321" cy="555862"/>
+      </dsp:txXfrm>
+    </dsp:sp>
+  </dsp:spTree>
+</dsp:drawing>
+</file>
+
+<file path=ppt/diagrams/drawing4.xml><?xml version="1.0" encoding="utf-8"?>
 <dsp:drawing xmlns:dgm="http://schemas.openxmlformats.org/drawingml/2006/diagram" xmlns:dsp="http://schemas.microsoft.com/office/drawing/2008/diagram" xmlns:a="http://schemas.openxmlformats.org/drawingml/2006/main">
   <dsp:spTree>
     <dsp:nvGrpSpPr>
@@ -6566,7 +9993,7 @@
 </dsp:drawing>
 </file>
 
-<file path=ppt/diagrams/drawing4.xml><?xml version="1.0" encoding="utf-8"?>
+<file path=ppt/diagrams/drawing5.xml><?xml version="1.0" encoding="utf-8"?>
 <dsp:drawing xmlns:dgm="http://schemas.openxmlformats.org/drawingml/2006/diagram" xmlns:dsp="http://schemas.microsoft.com/office/drawing/2008/diagram" xmlns:a="http://schemas.openxmlformats.org/drawingml/2006/main">
   <dsp:spTree>
     <dsp:nvGrpSpPr>
@@ -6987,6 +10414,540 @@
 </dsp:drawing>
 </file>
 
+<file path=ppt/diagrams/drawing6.xml><?xml version="1.0" encoding="utf-8"?>
+<dsp:drawing xmlns:dgm="http://schemas.openxmlformats.org/drawingml/2006/diagram" xmlns:dsp="http://schemas.microsoft.com/office/drawing/2008/diagram" xmlns:a="http://schemas.openxmlformats.org/drawingml/2006/main">
+  <dsp:spTree>
+    <dsp:nvGrpSpPr>
+      <dsp:cNvPr id="0" name=""/>
+      <dsp:cNvGrpSpPr/>
+    </dsp:nvGrpSpPr>
+    <dsp:grpSpPr/>
+    <dsp:sp modelId="{33E67D10-402F-470C-BFAD-3203F38DAD9A}">
+      <dsp:nvSpPr>
+        <dsp:cNvPr id="0" name=""/>
+        <dsp:cNvSpPr/>
+      </dsp:nvSpPr>
+      <dsp:spPr>
+        <a:xfrm>
+          <a:off x="0" y="345190"/>
+          <a:ext cx="8272463" cy="1299375"/>
+        </a:xfrm>
+        <a:prstGeom prst="rect">
+          <a:avLst/>
+        </a:prstGeom>
+        <a:solidFill>
+          <a:schemeClr val="lt1">
+            <a:alpha val="90000"/>
+            <a:hueOff val="0"/>
+            <a:satOff val="0"/>
+            <a:lumOff val="0"/>
+            <a:alphaOff val="0"/>
+          </a:schemeClr>
+        </a:solidFill>
+        <a:ln w="22225" cap="rnd" cmpd="sng" algn="ctr">
+          <a:solidFill>
+            <a:schemeClr val="accent2">
+              <a:hueOff val="0"/>
+              <a:satOff val="0"/>
+              <a:lumOff val="0"/>
+              <a:alphaOff val="0"/>
+            </a:schemeClr>
+          </a:solidFill>
+          <a:prstDash val="solid"/>
+        </a:ln>
+        <a:effectLst/>
+      </dsp:spPr>
+      <dsp:style>
+        <a:lnRef idx="2">
+          <a:scrgbClr r="0" g="0" b="0"/>
+        </a:lnRef>
+        <a:fillRef idx="1">
+          <a:scrgbClr r="0" g="0" b="0"/>
+        </a:fillRef>
+        <a:effectRef idx="0">
+          <a:scrgbClr r="0" g="0" b="0"/>
+        </a:effectRef>
+        <a:fontRef idx="minor"/>
+      </dsp:style>
+      <dsp:txBody>
+        <a:bodyPr spcFirstLastPara="0" vert="horz" wrap="square" lIns="642035" tIns="312420" rIns="642035" bIns="106680" numCol="1" spcCol="1270" anchor="t" anchorCtr="0">
+          <a:noAutofit/>
+        </a:bodyPr>
+        <a:lstStyle/>
+        <a:p>
+          <a:pPr marL="114300" lvl="1" indent="-114300" algn="l" defTabSz="666750">
+            <a:lnSpc>
+              <a:spcPct val="90000"/>
+            </a:lnSpc>
+            <a:spcBef>
+              <a:spcPct val="0"/>
+            </a:spcBef>
+            <a:spcAft>
+              <a:spcPct val="15000"/>
+            </a:spcAft>
+            <a:buChar char="•"/>
+          </a:pPr>
+          <a:r>
+            <a:rPr lang="hr-HR" sz="1500" kern="1200"/>
+            <a:t>Organizacija komunikacije – gitHub, Discord </a:t>
+          </a:r>
+          <a:endParaRPr lang="en-US" sz="1500" kern="1200"/>
+        </a:p>
+        <a:p>
+          <a:pPr marL="114300" lvl="1" indent="-114300" algn="l" defTabSz="666750">
+            <a:lnSpc>
+              <a:spcPct val="90000"/>
+            </a:lnSpc>
+            <a:spcBef>
+              <a:spcPct val="0"/>
+            </a:spcBef>
+            <a:spcAft>
+              <a:spcPct val="15000"/>
+            </a:spcAft>
+            <a:buChar char="•"/>
+          </a:pPr>
+          <a:r>
+            <a:rPr lang="hr-HR" sz="1500" kern="1200"/>
+            <a:t>GitHub iskustvo – odlično osim kada je merge error</a:t>
+          </a:r>
+          <a:endParaRPr lang="en-US" sz="1500" kern="1200"/>
+        </a:p>
+        <a:p>
+          <a:pPr marL="114300" lvl="1" indent="-114300" algn="l" defTabSz="666750">
+            <a:lnSpc>
+              <a:spcPct val="90000"/>
+            </a:lnSpc>
+            <a:spcBef>
+              <a:spcPct val="0"/>
+            </a:spcBef>
+            <a:spcAft>
+              <a:spcPct val="15000"/>
+            </a:spcAft>
+            <a:buChar char="•"/>
+          </a:pPr>
+          <a:r>
+            <a:rPr lang="hr-HR" sz="1500" kern="1200"/>
+            <a:t>Primijenjeni model životnog ciklusa</a:t>
+          </a:r>
+          <a:endParaRPr lang="en-US" sz="1500" kern="1200"/>
+        </a:p>
+        <a:p>
+          <a:pPr marL="114300" lvl="1" indent="-114300" algn="l" defTabSz="666750">
+            <a:lnSpc>
+              <a:spcPct val="90000"/>
+            </a:lnSpc>
+            <a:spcBef>
+              <a:spcPct val="0"/>
+            </a:spcBef>
+            <a:spcAft>
+              <a:spcPct val="15000"/>
+            </a:spcAft>
+            <a:buChar char="•"/>
+          </a:pPr>
+          <a:r>
+            <a:rPr lang="hr-HR" sz="1500" kern="1200"/>
+            <a:t>ad-hoc, vodopadni,….</a:t>
+          </a:r>
+          <a:endParaRPr lang="en-US" sz="1500" kern="1200"/>
+        </a:p>
+      </dsp:txBody>
+      <dsp:txXfrm>
+        <a:off x="0" y="345190"/>
+        <a:ext cx="8272463" cy="1299375"/>
+      </dsp:txXfrm>
+    </dsp:sp>
+    <dsp:sp modelId="{0BBF0016-2C9C-4071-BF77-D4E13A576DDF}">
+      <dsp:nvSpPr>
+        <dsp:cNvPr id="0" name=""/>
+        <dsp:cNvSpPr/>
+      </dsp:nvSpPr>
+      <dsp:spPr>
+        <a:xfrm>
+          <a:off x="413623" y="123790"/>
+          <a:ext cx="5790724" cy="442800"/>
+        </a:xfrm>
+        <a:prstGeom prst="roundRect">
+          <a:avLst/>
+        </a:prstGeom>
+        <a:solidFill>
+          <a:schemeClr val="accent2">
+            <a:hueOff val="0"/>
+            <a:satOff val="0"/>
+            <a:lumOff val="0"/>
+            <a:alphaOff val="0"/>
+          </a:schemeClr>
+        </a:solidFill>
+        <a:ln w="22225" cap="rnd" cmpd="sng" algn="ctr">
+          <a:solidFill>
+            <a:schemeClr val="lt1">
+              <a:hueOff val="0"/>
+              <a:satOff val="0"/>
+              <a:lumOff val="0"/>
+              <a:alphaOff val="0"/>
+            </a:schemeClr>
+          </a:solidFill>
+          <a:prstDash val="solid"/>
+        </a:ln>
+        <a:effectLst/>
+      </dsp:spPr>
+      <dsp:style>
+        <a:lnRef idx="2">
+          <a:scrgbClr r="0" g="0" b="0"/>
+        </a:lnRef>
+        <a:fillRef idx="1">
+          <a:scrgbClr r="0" g="0" b="0"/>
+        </a:fillRef>
+        <a:effectRef idx="0">
+          <a:scrgbClr r="0" g="0" b="0"/>
+        </a:effectRef>
+        <a:fontRef idx="minor">
+          <a:schemeClr val="lt1"/>
+        </a:fontRef>
+      </dsp:style>
+      <dsp:txBody>
+        <a:bodyPr spcFirstLastPara="0" vert="horz" wrap="square" lIns="218876" tIns="0" rIns="218876" bIns="0" numCol="1" spcCol="1270" anchor="ctr" anchorCtr="0">
+          <a:noAutofit/>
+        </a:bodyPr>
+        <a:lstStyle/>
+        <a:p>
+          <a:pPr marL="0" lvl="0" indent="0" algn="l" defTabSz="666750">
+            <a:lnSpc>
+              <a:spcPct val="90000"/>
+            </a:lnSpc>
+            <a:spcBef>
+              <a:spcPct val="0"/>
+            </a:spcBef>
+            <a:spcAft>
+              <a:spcPct val="35000"/>
+            </a:spcAft>
+            <a:buNone/>
+          </a:pPr>
+          <a:r>
+            <a:rPr lang="hr-HR" sz="1500" kern="1200"/>
+            <a:t>Neprogramski (organizacijski) zadaci</a:t>
+          </a:r>
+          <a:endParaRPr lang="en-US" sz="1500" kern="1200"/>
+        </a:p>
+      </dsp:txBody>
+      <dsp:txXfrm>
+        <a:off x="435239" y="145406"/>
+        <a:ext cx="5747492" cy="399568"/>
+      </dsp:txXfrm>
+    </dsp:sp>
+    <dsp:sp modelId="{F32FFACC-7874-4F4C-A733-23313FBBF611}">
+      <dsp:nvSpPr>
+        <dsp:cNvPr id="0" name=""/>
+        <dsp:cNvSpPr/>
+      </dsp:nvSpPr>
+      <dsp:spPr>
+        <a:xfrm>
+          <a:off x="0" y="1946965"/>
+          <a:ext cx="8272463" cy="826875"/>
+        </a:xfrm>
+        <a:prstGeom prst="rect">
+          <a:avLst/>
+        </a:prstGeom>
+        <a:solidFill>
+          <a:schemeClr val="lt1">
+            <a:alpha val="90000"/>
+            <a:hueOff val="0"/>
+            <a:satOff val="0"/>
+            <a:lumOff val="0"/>
+            <a:alphaOff val="0"/>
+          </a:schemeClr>
+        </a:solidFill>
+        <a:ln w="22225" cap="rnd" cmpd="sng" algn="ctr">
+          <a:solidFill>
+            <a:schemeClr val="accent2">
+              <a:hueOff val="-661686"/>
+              <a:satOff val="746"/>
+              <a:lumOff val="1765"/>
+              <a:alphaOff val="0"/>
+            </a:schemeClr>
+          </a:solidFill>
+          <a:prstDash val="solid"/>
+        </a:ln>
+        <a:effectLst/>
+      </dsp:spPr>
+      <dsp:style>
+        <a:lnRef idx="2">
+          <a:scrgbClr r="0" g="0" b="0"/>
+        </a:lnRef>
+        <a:fillRef idx="1">
+          <a:scrgbClr r="0" g="0" b="0"/>
+        </a:fillRef>
+        <a:effectRef idx="0">
+          <a:scrgbClr r="0" g="0" b="0"/>
+        </a:effectRef>
+        <a:fontRef idx="minor"/>
+      </dsp:style>
+      <dsp:txBody>
+        <a:bodyPr spcFirstLastPara="0" vert="horz" wrap="square" lIns="642035" tIns="312420" rIns="642035" bIns="106680" numCol="1" spcCol="1270" anchor="t" anchorCtr="0">
+          <a:noAutofit/>
+        </a:bodyPr>
+        <a:lstStyle/>
+        <a:p>
+          <a:pPr marL="114300" lvl="1" indent="-114300" algn="l" defTabSz="666750">
+            <a:lnSpc>
+              <a:spcPct val="90000"/>
+            </a:lnSpc>
+            <a:spcBef>
+              <a:spcPct val="0"/>
+            </a:spcBef>
+            <a:spcAft>
+              <a:spcPct val="15000"/>
+            </a:spcAft>
+            <a:buChar char="•"/>
+          </a:pPr>
+          <a:r>
+            <a:rPr lang="hr-HR" sz="1500" i="1" kern="1200"/>
+            <a:t>U usmenom izlaganju samo diskutirajte o glavnim problemima rasporeda i svom iskustvu za njihovo rješavanje (npr. preuzimanje zadataka drugih članova ...)</a:t>
+          </a:r>
+          <a:endParaRPr lang="en-US" sz="1500" kern="1200"/>
+        </a:p>
+      </dsp:txBody>
+      <dsp:txXfrm>
+        <a:off x="0" y="1946965"/>
+        <a:ext cx="8272463" cy="826875"/>
+      </dsp:txXfrm>
+    </dsp:sp>
+    <dsp:sp modelId="{4E5A3AB7-D203-419B-A1C0-F260DCFA9807}">
+      <dsp:nvSpPr>
+        <dsp:cNvPr id="0" name=""/>
+        <dsp:cNvSpPr/>
+      </dsp:nvSpPr>
+      <dsp:spPr>
+        <a:xfrm>
+          <a:off x="413623" y="1725565"/>
+          <a:ext cx="5790724" cy="442800"/>
+        </a:xfrm>
+        <a:prstGeom prst="roundRect">
+          <a:avLst/>
+        </a:prstGeom>
+        <a:solidFill>
+          <a:schemeClr val="accent2">
+            <a:hueOff val="-661686"/>
+            <a:satOff val="746"/>
+            <a:lumOff val="1765"/>
+            <a:alphaOff val="0"/>
+          </a:schemeClr>
+        </a:solidFill>
+        <a:ln w="22225" cap="rnd" cmpd="sng" algn="ctr">
+          <a:solidFill>
+            <a:schemeClr val="lt1">
+              <a:hueOff val="0"/>
+              <a:satOff val="0"/>
+              <a:lumOff val="0"/>
+              <a:alphaOff val="0"/>
+            </a:schemeClr>
+          </a:solidFill>
+          <a:prstDash val="solid"/>
+        </a:ln>
+        <a:effectLst/>
+      </dsp:spPr>
+      <dsp:style>
+        <a:lnRef idx="2">
+          <a:scrgbClr r="0" g="0" b="0"/>
+        </a:lnRef>
+        <a:fillRef idx="1">
+          <a:scrgbClr r="0" g="0" b="0"/>
+        </a:fillRef>
+        <a:effectRef idx="0">
+          <a:scrgbClr r="0" g="0" b="0"/>
+        </a:effectRef>
+        <a:fontRef idx="minor">
+          <a:schemeClr val="lt1"/>
+        </a:fontRef>
+      </dsp:style>
+      <dsp:txBody>
+        <a:bodyPr spcFirstLastPara="0" vert="horz" wrap="square" lIns="218876" tIns="0" rIns="218876" bIns="0" numCol="1" spcCol="1270" anchor="ctr" anchorCtr="0">
+          <a:noAutofit/>
+        </a:bodyPr>
+        <a:lstStyle/>
+        <a:p>
+          <a:pPr marL="0" lvl="0" indent="0" algn="l" defTabSz="666750">
+            <a:lnSpc>
+              <a:spcPct val="90000"/>
+            </a:lnSpc>
+            <a:spcBef>
+              <a:spcPct val="0"/>
+            </a:spcBef>
+            <a:spcAft>
+              <a:spcPct val="35000"/>
+            </a:spcAft>
+            <a:buNone/>
+          </a:pPr>
+          <a:r>
+            <a:rPr lang="hr-HR" sz="1500" kern="1200"/>
+            <a:t>Tablica raščlambe zadataka članova s procijenjenim naporom u satima (jedan slajd)</a:t>
+          </a:r>
+          <a:endParaRPr lang="en-US" sz="1500" kern="1200"/>
+        </a:p>
+      </dsp:txBody>
+      <dsp:txXfrm>
+        <a:off x="435239" y="1747181"/>
+        <a:ext cx="5747492" cy="399568"/>
+      </dsp:txXfrm>
+    </dsp:sp>
+    <dsp:sp modelId="{24830103-C2EF-4230-95FF-172CDB7A8A53}">
+      <dsp:nvSpPr>
+        <dsp:cNvPr id="0" name=""/>
+        <dsp:cNvSpPr/>
+      </dsp:nvSpPr>
+      <dsp:spPr>
+        <a:xfrm>
+          <a:off x="0" y="3076240"/>
+          <a:ext cx="8272463" cy="614250"/>
+        </a:xfrm>
+        <a:prstGeom prst="rect">
+          <a:avLst/>
+        </a:prstGeom>
+        <a:solidFill>
+          <a:schemeClr val="lt1">
+            <a:alpha val="90000"/>
+            <a:hueOff val="0"/>
+            <a:satOff val="0"/>
+            <a:lumOff val="0"/>
+            <a:alphaOff val="0"/>
+          </a:schemeClr>
+        </a:solidFill>
+        <a:ln w="22225" cap="rnd" cmpd="sng" algn="ctr">
+          <a:solidFill>
+            <a:schemeClr val="accent2">
+              <a:hueOff val="-1323373"/>
+              <a:satOff val="1492"/>
+              <a:lumOff val="3530"/>
+              <a:alphaOff val="0"/>
+            </a:schemeClr>
+          </a:solidFill>
+          <a:prstDash val="solid"/>
+        </a:ln>
+        <a:effectLst/>
+      </dsp:spPr>
+      <dsp:style>
+        <a:lnRef idx="2">
+          <a:scrgbClr r="0" g="0" b="0"/>
+        </a:lnRef>
+        <a:fillRef idx="1">
+          <a:scrgbClr r="0" g="0" b="0"/>
+        </a:fillRef>
+        <a:effectRef idx="0">
+          <a:scrgbClr r="0" g="0" b="0"/>
+        </a:effectRef>
+        <a:fontRef idx="minor"/>
+      </dsp:style>
+      <dsp:txBody>
+        <a:bodyPr spcFirstLastPara="0" vert="horz" wrap="square" lIns="642035" tIns="312420" rIns="642035" bIns="106680" numCol="1" spcCol="1270" anchor="t" anchorCtr="0">
+          <a:noAutofit/>
+        </a:bodyPr>
+        <a:lstStyle/>
+        <a:p>
+          <a:pPr marL="114300" lvl="1" indent="-114300" algn="l" defTabSz="666750">
+            <a:lnSpc>
+              <a:spcPct val="90000"/>
+            </a:lnSpc>
+            <a:spcBef>
+              <a:spcPct val="0"/>
+            </a:spcBef>
+            <a:spcAft>
+              <a:spcPct val="15000"/>
+            </a:spcAft>
+            <a:buChar char="•"/>
+          </a:pPr>
+          <a:r>
+            <a:rPr lang="hr-HR" sz="1500" kern="1200"/>
+            <a:t>Poželjan grafički prikaz</a:t>
+          </a:r>
+          <a:endParaRPr lang="en-US" sz="1500" kern="1200"/>
+        </a:p>
+      </dsp:txBody>
+      <dsp:txXfrm>
+        <a:off x="0" y="3076240"/>
+        <a:ext cx="8272463" cy="614250"/>
+      </dsp:txXfrm>
+    </dsp:sp>
+    <dsp:sp modelId="{1B36D094-D63C-4034-8231-BD42F51C8F85}">
+      <dsp:nvSpPr>
+        <dsp:cNvPr id="0" name=""/>
+        <dsp:cNvSpPr/>
+      </dsp:nvSpPr>
+      <dsp:spPr>
+        <a:xfrm>
+          <a:off x="413623" y="2854840"/>
+          <a:ext cx="5790724" cy="442800"/>
+        </a:xfrm>
+        <a:prstGeom prst="roundRect">
+          <a:avLst/>
+        </a:prstGeom>
+        <a:solidFill>
+          <a:schemeClr val="accent2">
+            <a:hueOff val="-1323373"/>
+            <a:satOff val="1492"/>
+            <a:lumOff val="3530"/>
+            <a:alphaOff val="0"/>
+          </a:schemeClr>
+        </a:solidFill>
+        <a:ln w="22225" cap="rnd" cmpd="sng" algn="ctr">
+          <a:solidFill>
+            <a:schemeClr val="lt1">
+              <a:hueOff val="0"/>
+              <a:satOff val="0"/>
+              <a:lumOff val="0"/>
+              <a:alphaOff val="0"/>
+            </a:schemeClr>
+          </a:solidFill>
+          <a:prstDash val="solid"/>
+        </a:ln>
+        <a:effectLst/>
+      </dsp:spPr>
+      <dsp:style>
+        <a:lnRef idx="2">
+          <a:scrgbClr r="0" g="0" b="0"/>
+        </a:lnRef>
+        <a:fillRef idx="1">
+          <a:scrgbClr r="0" g="0" b="0"/>
+        </a:fillRef>
+        <a:effectRef idx="0">
+          <a:scrgbClr r="0" g="0" b="0"/>
+        </a:effectRef>
+        <a:fontRef idx="minor">
+          <a:schemeClr val="lt1"/>
+        </a:fontRef>
+      </dsp:style>
+      <dsp:txBody>
+        <a:bodyPr spcFirstLastPara="0" vert="horz" wrap="square" lIns="218876" tIns="0" rIns="218876" bIns="0" numCol="1" spcCol="1270" anchor="ctr" anchorCtr="0">
+          <a:noAutofit/>
+        </a:bodyPr>
+        <a:lstStyle/>
+        <a:p>
+          <a:pPr marL="0" lvl="0" indent="0" algn="l" defTabSz="666750">
+            <a:lnSpc>
+              <a:spcPct val="90000"/>
+            </a:lnSpc>
+            <a:spcBef>
+              <a:spcPct val="0"/>
+            </a:spcBef>
+            <a:spcAft>
+              <a:spcPct val="35000"/>
+            </a:spcAft>
+            <a:buNone/>
+          </a:pPr>
+          <a:r>
+            <a:rPr lang="hr-HR" sz="1500" kern="1200"/>
+            <a:t>Vremenski okvir razvoja (specifikacija, implementacija, testiranje, dokumentacija)</a:t>
+          </a:r>
+          <a:endParaRPr lang="en-US" sz="1500" kern="1200"/>
+        </a:p>
+      </dsp:txBody>
+      <dsp:txXfrm>
+        <a:off x="435239" y="2876456"/>
+        <a:ext cx="5747492" cy="399568"/>
+      </dsp:txXfrm>
+    </dsp:sp>
+  </dsp:spTree>
+</dsp:drawing>
+</file>
+
 <file path=ppt/diagrams/layout1.xml><?xml version="1.0" encoding="utf-8"?>
 <dgm:layoutDef xmlns:dgm="http://schemas.openxmlformats.org/drawingml/2006/diagram" xmlns:a="http://schemas.openxmlformats.org/drawingml/2006/main" uniqueId="urn:microsoft.com/office/officeart/2005/8/layout/vList2">
   <dgm:title val=""/>
@@ -7322,6 +11283,173 @@
 </file>
 
 <file path=ppt/diagrams/layout3.xml><?xml version="1.0" encoding="utf-8"?>
+<dgm:layoutDef xmlns:dgm="http://schemas.openxmlformats.org/drawingml/2006/diagram" xmlns:a="http://schemas.openxmlformats.org/drawingml/2006/main" uniqueId="urn:microsoft.com/office/officeart/2005/8/layout/vList2">
+  <dgm:title val=""/>
+  <dgm:desc val=""/>
+  <dgm:catLst>
+    <dgm:cat type="list" pri="3000"/>
+    <dgm:cat type="convert" pri="1000"/>
+  </dgm:catLst>
+  <dgm:sampData>
+    <dgm:dataModel>
+      <dgm:ptLst>
+        <dgm:pt modelId="0" type="doc"/>
+        <dgm:pt modelId="1">
+          <dgm:prSet phldr="1"/>
+        </dgm:pt>
+        <dgm:pt modelId="11">
+          <dgm:prSet phldr="1"/>
+        </dgm:pt>
+        <dgm:pt modelId="2">
+          <dgm:prSet phldr="1"/>
+        </dgm:pt>
+        <dgm:pt modelId="21">
+          <dgm:prSet phldr="1"/>
+        </dgm:pt>
+      </dgm:ptLst>
+      <dgm:cxnLst>
+        <dgm:cxn modelId="4" srcId="0" destId="1" srcOrd="0" destOrd="0"/>
+        <dgm:cxn modelId="5" srcId="0" destId="2" srcOrd="1" destOrd="0"/>
+        <dgm:cxn modelId="12" srcId="1" destId="11" srcOrd="0" destOrd="0"/>
+        <dgm:cxn modelId="23" srcId="2" destId="21" srcOrd="0" destOrd="0"/>
+      </dgm:cxnLst>
+      <dgm:bg/>
+      <dgm:whole/>
+    </dgm:dataModel>
+  </dgm:sampData>
+  <dgm:styleData>
+    <dgm:dataModel>
+      <dgm:ptLst>
+        <dgm:pt modelId="0" type="doc"/>
+        <dgm:pt modelId="1"/>
+        <dgm:pt modelId="2"/>
+      </dgm:ptLst>
+      <dgm:cxnLst>
+        <dgm:cxn modelId="3" srcId="0" destId="1" srcOrd="0" destOrd="0"/>
+        <dgm:cxn modelId="4" srcId="0" destId="2" srcOrd="1" destOrd="0"/>
+      </dgm:cxnLst>
+      <dgm:bg/>
+      <dgm:whole/>
+    </dgm:dataModel>
+  </dgm:styleData>
+  <dgm:clrData>
+    <dgm:dataModel>
+      <dgm:ptLst>
+        <dgm:pt modelId="0" type="doc"/>
+        <dgm:pt modelId="1"/>
+        <dgm:pt modelId="2"/>
+        <dgm:pt modelId="3"/>
+        <dgm:pt modelId="4"/>
+      </dgm:ptLst>
+      <dgm:cxnLst>
+        <dgm:cxn modelId="5" srcId="0" destId="1" srcOrd="0" destOrd="0"/>
+        <dgm:cxn modelId="6" srcId="0" destId="2" srcOrd="1" destOrd="0"/>
+        <dgm:cxn modelId="7" srcId="0" destId="3" srcOrd="2" destOrd="0"/>
+        <dgm:cxn modelId="8" srcId="0" destId="4" srcOrd="3" destOrd="0"/>
+      </dgm:cxnLst>
+      <dgm:bg/>
+      <dgm:whole/>
+    </dgm:dataModel>
+  </dgm:clrData>
+  <dgm:layoutNode name="linear">
+    <dgm:varLst>
+      <dgm:animLvl val="lvl"/>
+      <dgm:resizeHandles val="exact"/>
+    </dgm:varLst>
+    <dgm:alg type="lin">
+      <dgm:param type="linDir" val="fromT"/>
+      <dgm:param type="vertAlign" val="mid"/>
+    </dgm:alg>
+    <dgm:shape xmlns:r="http://schemas.openxmlformats.org/officeDocument/2006/relationships" r:blip="">
+      <dgm:adjLst/>
+    </dgm:shape>
+    <dgm:presOf/>
+    <dgm:constrLst>
+      <dgm:constr type="w" for="ch" forName="parentText" refType="w"/>
+      <dgm:constr type="h" for="ch" forName="parentText" refType="primFontSz" refFor="ch" refForName="parentText" fact="0.52"/>
+      <dgm:constr type="w" for="ch" forName="childText" refType="w"/>
+      <dgm:constr type="h" for="ch" forName="childText" refType="primFontSz" refFor="ch" refForName="parentText" fact="0.46"/>
+      <dgm:constr type="h" for="ch" forName="parentText" op="equ"/>
+      <dgm:constr type="primFontSz" for="ch" forName="parentText" op="equ" val="65"/>
+      <dgm:constr type="primFontSz" for="ch" forName="childText" refType="primFontSz" refFor="ch" refForName="parentText" op="equ"/>
+      <dgm:constr type="h" for="ch" forName="spacer" refType="primFontSz" refFor="ch" refForName="parentText" fact="0.08"/>
+    </dgm:constrLst>
+    <dgm:ruleLst>
+      <dgm:rule type="primFontSz" for="ch" forName="parentText" val="5" fact="NaN" max="NaN"/>
+    </dgm:ruleLst>
+    <dgm:forEach name="Name0" axis="ch" ptType="node">
+      <dgm:layoutNode name="parentText" styleLbl="node1">
+        <dgm:varLst>
+          <dgm:chMax val="0"/>
+          <dgm:bulletEnabled val="1"/>
+        </dgm:varLst>
+        <dgm:alg type="tx">
+          <dgm:param type="parTxLTRAlign" val="l"/>
+          <dgm:param type="parTxRTLAlign" val="r"/>
+        </dgm:alg>
+        <dgm:shape xmlns:r="http://schemas.openxmlformats.org/officeDocument/2006/relationships" type="roundRect" r:blip="">
+          <dgm:adjLst/>
+        </dgm:shape>
+        <dgm:presOf axis="self"/>
+        <dgm:constrLst>
+          <dgm:constr type="tMarg" refType="primFontSz" fact="0.3"/>
+          <dgm:constr type="bMarg" refType="primFontSz" fact="0.3"/>
+          <dgm:constr type="lMarg" refType="primFontSz" fact="0.3"/>
+          <dgm:constr type="rMarg" refType="primFontSz" fact="0.3"/>
+        </dgm:constrLst>
+        <dgm:ruleLst>
+          <dgm:rule type="h" val="INF" fact="NaN" max="NaN"/>
+        </dgm:ruleLst>
+      </dgm:layoutNode>
+      <dgm:choose name="Name1">
+        <dgm:if name="Name2" axis="ch" ptType="node" func="cnt" op="gte" val="1">
+          <dgm:layoutNode name="childText" styleLbl="revTx">
+            <dgm:varLst>
+              <dgm:bulletEnabled val="1"/>
+            </dgm:varLst>
+            <dgm:alg type="tx">
+              <dgm:param type="stBulletLvl" val="1"/>
+              <dgm:param type="lnSpAfChP" val="20"/>
+            </dgm:alg>
+            <dgm:shape xmlns:r="http://schemas.openxmlformats.org/officeDocument/2006/relationships" type="rect" r:blip="">
+              <dgm:adjLst/>
+            </dgm:shape>
+            <dgm:presOf axis="des" ptType="node"/>
+            <dgm:constrLst>
+              <dgm:constr type="tMarg" refType="primFontSz" fact="0.1"/>
+              <dgm:constr type="bMarg" refType="primFontSz" fact="0.1"/>
+              <dgm:constr type="lMarg" refType="w" fact="0.09"/>
+            </dgm:constrLst>
+            <dgm:ruleLst>
+              <dgm:rule type="h" val="INF" fact="NaN" max="NaN"/>
+            </dgm:ruleLst>
+          </dgm:layoutNode>
+        </dgm:if>
+        <dgm:else name="Name3">
+          <dgm:choose name="Name4">
+            <dgm:if name="Name5" axis="par ch" ptType="doc node" func="cnt" op="gte" val="2">
+              <dgm:forEach name="Name6" axis="followSib" ptType="sibTrans" cnt="1">
+                <dgm:layoutNode name="spacer">
+                  <dgm:alg type="sp"/>
+                  <dgm:shape xmlns:r="http://schemas.openxmlformats.org/officeDocument/2006/relationships" r:blip="">
+                    <dgm:adjLst/>
+                  </dgm:shape>
+                  <dgm:presOf/>
+                  <dgm:constrLst/>
+                  <dgm:ruleLst/>
+                </dgm:layoutNode>
+              </dgm:forEach>
+            </dgm:if>
+            <dgm:else name="Name7"/>
+          </dgm:choose>
+        </dgm:else>
+      </dgm:choose>
+    </dgm:forEach>
+  </dgm:layoutNode>
+</dgm:layoutDef>
+</file>
+
+<file path=ppt/diagrams/layout4.xml><?xml version="1.0" encoding="utf-8"?>
 <dgm:layoutDef xmlns:dgm="http://schemas.openxmlformats.org/drawingml/2006/diagram" xmlns:a="http://schemas.openxmlformats.org/drawingml/2006/main" uniqueId="urn:microsoft.com/office/officeart/2005/8/layout/default">
   <dgm:title val=""/>
   <dgm:desc val=""/>
@@ -7468,7 +11596,232 @@
 </dgm:layoutDef>
 </file>
 
-<file path=ppt/diagrams/layout4.xml><?xml version="1.0" encoding="utf-8"?>
+<file path=ppt/diagrams/layout5.xml><?xml version="1.0" encoding="utf-8"?>
+<dgm:layoutDef xmlns:dgm="http://schemas.openxmlformats.org/drawingml/2006/diagram" xmlns:a="http://schemas.openxmlformats.org/drawingml/2006/main" uniqueId="urn:microsoft.com/office/officeart/2005/8/layout/list1">
+  <dgm:title val=""/>
+  <dgm:desc val=""/>
+  <dgm:catLst>
+    <dgm:cat type="list" pri="4000"/>
+  </dgm:catLst>
+  <dgm:sampData>
+    <dgm:dataModel>
+      <dgm:ptLst>
+        <dgm:pt modelId="0" type="doc"/>
+        <dgm:pt modelId="1">
+          <dgm:prSet phldr="1"/>
+        </dgm:pt>
+        <dgm:pt modelId="2">
+          <dgm:prSet phldr="1"/>
+        </dgm:pt>
+        <dgm:pt modelId="3">
+          <dgm:prSet phldr="1"/>
+        </dgm:pt>
+      </dgm:ptLst>
+      <dgm:cxnLst>
+        <dgm:cxn modelId="4" srcId="0" destId="1" srcOrd="0" destOrd="0"/>
+        <dgm:cxn modelId="5" srcId="0" destId="2" srcOrd="1" destOrd="0"/>
+        <dgm:cxn modelId="6" srcId="0" destId="3" srcOrd="2" destOrd="0"/>
+      </dgm:cxnLst>
+      <dgm:bg/>
+      <dgm:whole/>
+    </dgm:dataModel>
+  </dgm:sampData>
+  <dgm:styleData>
+    <dgm:dataModel>
+      <dgm:ptLst>
+        <dgm:pt modelId="0" type="doc"/>
+        <dgm:pt modelId="1"/>
+        <dgm:pt modelId="2"/>
+      </dgm:ptLst>
+      <dgm:cxnLst>
+        <dgm:cxn modelId="4" srcId="0" destId="1" srcOrd="0" destOrd="0"/>
+        <dgm:cxn modelId="5" srcId="0" destId="2" srcOrd="1" destOrd="0"/>
+      </dgm:cxnLst>
+      <dgm:bg/>
+      <dgm:whole/>
+    </dgm:dataModel>
+  </dgm:styleData>
+  <dgm:clrData>
+    <dgm:dataModel>
+      <dgm:ptLst>
+        <dgm:pt modelId="0" type="doc"/>
+        <dgm:pt modelId="1"/>
+        <dgm:pt modelId="2"/>
+        <dgm:pt modelId="3"/>
+        <dgm:pt modelId="4"/>
+      </dgm:ptLst>
+      <dgm:cxnLst>
+        <dgm:cxn modelId="5" srcId="0" destId="1" srcOrd="0" destOrd="0"/>
+        <dgm:cxn modelId="6" srcId="0" destId="2" srcOrd="1" destOrd="0"/>
+        <dgm:cxn modelId="7" srcId="0" destId="3" srcOrd="2" destOrd="0"/>
+        <dgm:cxn modelId="8" srcId="0" destId="4" srcOrd="3" destOrd="0"/>
+      </dgm:cxnLst>
+      <dgm:bg/>
+      <dgm:whole/>
+    </dgm:dataModel>
+  </dgm:clrData>
+  <dgm:layoutNode name="linear">
+    <dgm:varLst>
+      <dgm:dir/>
+      <dgm:animLvl val="lvl"/>
+      <dgm:resizeHandles val="exact"/>
+    </dgm:varLst>
+    <dgm:choose name="Name0">
+      <dgm:if name="Name1" func="var" arg="dir" op="equ" val="norm">
+        <dgm:alg type="lin">
+          <dgm:param type="linDir" val="fromT"/>
+          <dgm:param type="vertAlign" val="mid"/>
+          <dgm:param type="horzAlign" val="l"/>
+          <dgm:param type="nodeHorzAlign" val="l"/>
+        </dgm:alg>
+      </dgm:if>
+      <dgm:else name="Name2">
+        <dgm:alg type="lin">
+          <dgm:param type="linDir" val="fromT"/>
+          <dgm:param type="vertAlign" val="mid"/>
+          <dgm:param type="horzAlign" val="r"/>
+          <dgm:param type="nodeHorzAlign" val="r"/>
+        </dgm:alg>
+      </dgm:else>
+    </dgm:choose>
+    <dgm:shape xmlns:r="http://schemas.openxmlformats.org/officeDocument/2006/relationships" r:blip="">
+      <dgm:adjLst/>
+    </dgm:shape>
+    <dgm:presOf/>
+    <dgm:constrLst>
+      <dgm:constr type="w" for="ch" forName="parentLin" refType="w"/>
+      <dgm:constr type="h" for="ch" forName="parentLin" val="INF"/>
+      <dgm:constr type="w" for="des" forName="parentLeftMargin" refType="w" fact="0.05"/>
+      <dgm:constr type="w" for="des" forName="parentText" refType="w" fact="0.7"/>
+      <dgm:constr type="h" for="des" forName="parentText" refType="primFontSz" refFor="des" refForName="parentText" fact="0.82"/>
+      <dgm:constr type="h" for="ch" forName="negativeSpace" refType="primFontSz" refFor="des" refForName="parentText" fact="-0.41"/>
+      <dgm:constr type="h" for="ch" forName="negativeSpace" refType="h" refFor="des" refForName="parentText" op="lte" fact="-0.82"/>
+      <dgm:constr type="h" for="ch" forName="negativeSpace" refType="h" refFor="des" refForName="parentText" op="gte" fact="-0.82"/>
+      <dgm:constr type="w" for="ch" forName="childText" refType="w"/>
+      <dgm:constr type="h" for="ch" forName="childText" refType="primFontSz" refFor="des" refForName="parentText" fact="0.7"/>
+      <dgm:constr type="primFontSz" for="des" forName="parentText" val="65"/>
+      <dgm:constr type="primFontSz" for="ch" forName="childText" refType="primFontSz" refFor="des" refForName="parentText"/>
+      <dgm:constr type="tMarg" for="ch" forName="childText" refType="primFontSz" refFor="des" refForName="parentText" fact="1.64"/>
+      <dgm:constr type="tMarg" for="ch" forName="childText" refType="h" refFor="des" refForName="parentText" op="lte" fact="3.28"/>
+      <dgm:constr type="tMarg" for="ch" forName="childText" refType="h" refFor="des" refForName="parentText" op="gte" fact="3.28"/>
+      <dgm:constr type="lMarg" for="ch" forName="childText" refType="w" fact="0.22"/>
+      <dgm:constr type="rMarg" for="ch" forName="childText" refType="lMarg" refFor="ch" refForName="childText"/>
+      <dgm:constr type="lMarg" for="des" forName="parentText" refType="w" fact="0.075"/>
+      <dgm:constr type="rMarg" for="des" forName="parentText" refType="lMarg" refFor="des" refForName="parentText"/>
+      <dgm:constr type="h" for="ch" forName="spaceBetweenRectangles" refType="primFontSz" refFor="des" refForName="parentText" fact="0.15"/>
+    </dgm:constrLst>
+    <dgm:ruleLst>
+      <dgm:rule type="primFontSz" for="des" forName="parentText" val="5" fact="NaN" max="NaN"/>
+    </dgm:ruleLst>
+    <dgm:forEach name="Name3" axis="ch" ptType="node">
+      <dgm:layoutNode name="parentLin">
+        <dgm:choose name="Name4">
+          <dgm:if name="Name5" func="var" arg="dir" op="equ" val="norm">
+            <dgm:alg type="lin">
+              <dgm:param type="linDir" val="fromL"/>
+              <dgm:param type="horzAlign" val="l"/>
+              <dgm:param type="nodeHorzAlign" val="l"/>
+            </dgm:alg>
+          </dgm:if>
+          <dgm:else name="Name6">
+            <dgm:alg type="lin">
+              <dgm:param type="linDir" val="fromR"/>
+              <dgm:param type="horzAlign" val="r"/>
+              <dgm:param type="nodeHorzAlign" val="r"/>
+            </dgm:alg>
+          </dgm:else>
+        </dgm:choose>
+        <dgm:shape xmlns:r="http://schemas.openxmlformats.org/officeDocument/2006/relationships" r:blip="">
+          <dgm:adjLst/>
+        </dgm:shape>
+        <dgm:presOf/>
+        <dgm:constrLst/>
+        <dgm:ruleLst/>
+        <dgm:layoutNode name="parentLeftMargin">
+          <dgm:alg type="sp"/>
+          <dgm:shape xmlns:r="http://schemas.openxmlformats.org/officeDocument/2006/relationships" type="rect" r:blip="" hideGeom="1">
+            <dgm:adjLst/>
+          </dgm:shape>
+          <dgm:presOf axis="self"/>
+          <dgm:constrLst>
+            <dgm:constr type="h"/>
+          </dgm:constrLst>
+          <dgm:ruleLst/>
+        </dgm:layoutNode>
+        <dgm:layoutNode name="parentText" styleLbl="node1">
+          <dgm:varLst>
+            <dgm:chMax val="0"/>
+            <dgm:bulletEnabled val="1"/>
+          </dgm:varLst>
+          <dgm:choose name="Name7">
+            <dgm:if name="Name8" func="var" arg="dir" op="equ" val="norm">
+              <dgm:alg type="tx">
+                <dgm:param type="parTxLTRAlign" val="l"/>
+                <dgm:param type="parTxRTLAlign" val="l"/>
+              </dgm:alg>
+            </dgm:if>
+            <dgm:else name="Name9">
+              <dgm:alg type="tx">
+                <dgm:param type="parTxLTRAlign" val="r"/>
+                <dgm:param type="parTxRTLAlign" val="r"/>
+              </dgm:alg>
+            </dgm:else>
+          </dgm:choose>
+          <dgm:shape xmlns:r="http://schemas.openxmlformats.org/officeDocument/2006/relationships" type="roundRect" r:blip="">
+            <dgm:adjLst/>
+          </dgm:shape>
+          <dgm:presOf axis="self" ptType="node"/>
+          <dgm:constrLst>
+            <dgm:constr type="tMarg"/>
+            <dgm:constr type="bMarg"/>
+          </dgm:constrLst>
+          <dgm:ruleLst/>
+        </dgm:layoutNode>
+      </dgm:layoutNode>
+      <dgm:layoutNode name="negativeSpace">
+        <dgm:alg type="sp"/>
+        <dgm:shape xmlns:r="http://schemas.openxmlformats.org/officeDocument/2006/relationships" r:blip="">
+          <dgm:adjLst/>
+        </dgm:shape>
+        <dgm:presOf/>
+        <dgm:constrLst/>
+        <dgm:ruleLst/>
+      </dgm:layoutNode>
+      <dgm:layoutNode name="childText" styleLbl="conFgAcc1">
+        <dgm:varLst>
+          <dgm:bulletEnabled val="1"/>
+        </dgm:varLst>
+        <dgm:alg type="tx">
+          <dgm:param type="stBulletLvl" val="1"/>
+        </dgm:alg>
+        <dgm:shape xmlns:r="http://schemas.openxmlformats.org/officeDocument/2006/relationships" type="rect" r:blip="" zOrderOff="-2">
+          <dgm:adjLst/>
+        </dgm:shape>
+        <dgm:presOf axis="des" ptType="node"/>
+        <dgm:constrLst>
+          <dgm:constr type="secFontSz" refType="primFontSz"/>
+        </dgm:constrLst>
+        <dgm:ruleLst>
+          <dgm:rule type="h" val="INF" fact="NaN" max="NaN"/>
+        </dgm:ruleLst>
+      </dgm:layoutNode>
+      <dgm:forEach name="Name10" axis="followSib" ptType="sibTrans" cnt="1">
+        <dgm:layoutNode name="spaceBetweenRectangles">
+          <dgm:alg type="sp"/>
+          <dgm:shape xmlns:r="http://schemas.openxmlformats.org/officeDocument/2006/relationships" r:blip="">
+            <dgm:adjLst/>
+          </dgm:shape>
+          <dgm:presOf/>
+          <dgm:constrLst/>
+          <dgm:ruleLst/>
+        </dgm:layoutNode>
+      </dgm:forEach>
+    </dgm:forEach>
+  </dgm:layoutNode>
+</dgm:layoutDef>
+</file>
+
+<file path=ppt/diagrams/layout6.xml><?xml version="1.0" encoding="utf-8"?>
 <dgm:layoutDef xmlns:dgm="http://schemas.openxmlformats.org/drawingml/2006/diagram" xmlns:a="http://schemas.openxmlformats.org/drawingml/2006/main" uniqueId="urn:microsoft.com/office/officeart/2005/8/layout/list1">
   <dgm:title val=""/>
   <dgm:desc val=""/>
@@ -10796,6 +15149,2074 @@
 </file>
 
 <file path=ppt/diagrams/quickStyle4.xml><?xml version="1.0" encoding="utf-8"?>
+<dgm:styleDef xmlns:dgm="http://schemas.openxmlformats.org/drawingml/2006/diagram" xmlns:a="http://schemas.openxmlformats.org/drawingml/2006/main" uniqueId="urn:microsoft.com/office/officeart/2005/8/quickstyle/simple1">
+  <dgm:title val=""/>
+  <dgm:desc val=""/>
+  <dgm:catLst>
+    <dgm:cat type="simple" pri="10100"/>
+  </dgm:catLst>
+  <dgm:scene3d>
+    <a:camera prst="orthographicFront"/>
+    <a:lightRig rig="threePt" dir="t"/>
+  </dgm:scene3d>
+  <dgm:styleLbl name="node0">
+    <dgm:scene3d>
+      <a:camera prst="orthographicFront"/>
+      <a:lightRig rig="threePt" dir="t"/>
+    </dgm:scene3d>
+    <dgm:sp3d/>
+    <dgm:txPr/>
+    <dgm:style>
+      <a:lnRef idx="2">
+        <a:scrgbClr r="0" g="0" b="0"/>
+      </a:lnRef>
+      <a:fillRef idx="1">
+        <a:scrgbClr r="0" g="0" b="0"/>
+      </a:fillRef>
+      <a:effectRef idx="0">
+        <a:scrgbClr r="0" g="0" b="0"/>
+      </a:effectRef>
+      <a:fontRef idx="minor">
+        <a:schemeClr val="lt1"/>
+      </a:fontRef>
+    </dgm:style>
+  </dgm:styleLbl>
+  <dgm:styleLbl name="lnNode1">
+    <dgm:scene3d>
+      <a:camera prst="orthographicFront"/>
+      <a:lightRig rig="threePt" dir="t"/>
+    </dgm:scene3d>
+    <dgm:sp3d/>
+    <dgm:txPr/>
+    <dgm:style>
+      <a:lnRef idx="2">
+        <a:scrgbClr r="0" g="0" b="0"/>
+      </a:lnRef>
+      <a:fillRef idx="1">
+        <a:scrgbClr r="0" g="0" b="0"/>
+      </a:fillRef>
+      <a:effectRef idx="0">
+        <a:scrgbClr r="0" g="0" b="0"/>
+      </a:effectRef>
+      <a:fontRef idx="minor">
+        <a:schemeClr val="lt1"/>
+      </a:fontRef>
+    </dgm:style>
+  </dgm:styleLbl>
+  <dgm:styleLbl name="vennNode1">
+    <dgm:scene3d>
+      <a:camera prst="orthographicFront"/>
+      <a:lightRig rig="threePt" dir="t"/>
+    </dgm:scene3d>
+    <dgm:sp3d/>
+    <dgm:txPr/>
+    <dgm:style>
+      <a:lnRef idx="2">
+        <a:scrgbClr r="0" g="0" b="0"/>
+      </a:lnRef>
+      <a:fillRef idx="1">
+        <a:scrgbClr r="0" g="0" b="0"/>
+      </a:fillRef>
+      <a:effectRef idx="0">
+        <a:scrgbClr r="0" g="0" b="0"/>
+      </a:effectRef>
+      <a:fontRef idx="minor">
+        <a:schemeClr val="tx1"/>
+      </a:fontRef>
+    </dgm:style>
+  </dgm:styleLbl>
+  <dgm:styleLbl name="alignNode1">
+    <dgm:scene3d>
+      <a:camera prst="orthographicFront"/>
+      <a:lightRig rig="threePt" dir="t"/>
+    </dgm:scene3d>
+    <dgm:sp3d/>
+    <dgm:txPr/>
+    <dgm:style>
+      <a:lnRef idx="2">
+        <a:scrgbClr r="0" g="0" b="0"/>
+      </a:lnRef>
+      <a:fillRef idx="1">
+        <a:scrgbClr r="0" g="0" b="0"/>
+      </a:fillRef>
+      <a:effectRef idx="0">
+        <a:scrgbClr r="0" g="0" b="0"/>
+      </a:effectRef>
+      <a:fontRef idx="minor">
+        <a:schemeClr val="lt1"/>
+      </a:fontRef>
+    </dgm:style>
+  </dgm:styleLbl>
+  <dgm:styleLbl name="node1">
+    <dgm:scene3d>
+      <a:camera prst="orthographicFront"/>
+      <a:lightRig rig="threePt" dir="t"/>
+    </dgm:scene3d>
+    <dgm:sp3d/>
+    <dgm:txPr/>
+    <dgm:style>
+      <a:lnRef idx="2">
+        <a:scrgbClr r="0" g="0" b="0"/>
+      </a:lnRef>
+      <a:fillRef idx="1">
+        <a:scrgbClr r="0" g="0" b="0"/>
+      </a:fillRef>
+      <a:effectRef idx="0">
+        <a:scrgbClr r="0" g="0" b="0"/>
+      </a:effectRef>
+      <a:fontRef idx="minor">
+        <a:schemeClr val="lt1"/>
+      </a:fontRef>
+    </dgm:style>
+  </dgm:styleLbl>
+  <dgm:styleLbl name="node2">
+    <dgm:scene3d>
+      <a:camera prst="orthographicFront"/>
+      <a:lightRig rig="threePt" dir="t"/>
+    </dgm:scene3d>
+    <dgm:sp3d/>
+    <dgm:txPr/>
+    <dgm:style>
+      <a:lnRef idx="2">
+        <a:scrgbClr r="0" g="0" b="0"/>
+      </a:lnRef>
+      <a:fillRef idx="1">
+        <a:scrgbClr r="0" g="0" b="0"/>
+      </a:fillRef>
+      <a:effectRef idx="0">
+        <a:scrgbClr r="0" g="0" b="0"/>
+      </a:effectRef>
+      <a:fontRef idx="minor">
+        <a:schemeClr val="lt1"/>
+      </a:fontRef>
+    </dgm:style>
+  </dgm:styleLbl>
+  <dgm:styleLbl name="node3">
+    <dgm:scene3d>
+      <a:camera prst="orthographicFront"/>
+      <a:lightRig rig="threePt" dir="t"/>
+    </dgm:scene3d>
+    <dgm:sp3d/>
+    <dgm:txPr/>
+    <dgm:style>
+      <a:lnRef idx="2">
+        <a:scrgbClr r="0" g="0" b="0"/>
+      </a:lnRef>
+      <a:fillRef idx="1">
+        <a:scrgbClr r="0" g="0" b="0"/>
+      </a:fillRef>
+      <a:effectRef idx="0">
+        <a:scrgbClr r="0" g="0" b="0"/>
+      </a:effectRef>
+      <a:fontRef idx="minor">
+        <a:schemeClr val="lt1"/>
+      </a:fontRef>
+    </dgm:style>
+  </dgm:styleLbl>
+  <dgm:styleLbl name="node4">
+    <dgm:scene3d>
+      <a:camera prst="orthographicFront"/>
+      <a:lightRig rig="threePt" dir="t"/>
+    </dgm:scene3d>
+    <dgm:sp3d/>
+    <dgm:txPr/>
+    <dgm:style>
+      <a:lnRef idx="2">
+        <a:scrgbClr r="0" g="0" b="0"/>
+      </a:lnRef>
+      <a:fillRef idx="1">
+        <a:scrgbClr r="0" g="0" b="0"/>
+      </a:fillRef>
+      <a:effectRef idx="0">
+        <a:scrgbClr r="0" g="0" b="0"/>
+      </a:effectRef>
+      <a:fontRef idx="minor">
+        <a:schemeClr val="lt1"/>
+      </a:fontRef>
+    </dgm:style>
+  </dgm:styleLbl>
+  <dgm:styleLbl name="fgImgPlace1">
+    <dgm:scene3d>
+      <a:camera prst="orthographicFront"/>
+      <a:lightRig rig="threePt" dir="t"/>
+    </dgm:scene3d>
+    <dgm:sp3d/>
+    <dgm:txPr/>
+    <dgm:style>
+      <a:lnRef idx="2">
+        <a:scrgbClr r="0" g="0" b="0"/>
+      </a:lnRef>
+      <a:fillRef idx="1">
+        <a:scrgbClr r="0" g="0" b="0"/>
+      </a:fillRef>
+      <a:effectRef idx="0">
+        <a:scrgbClr r="0" g="0" b="0"/>
+      </a:effectRef>
+      <a:fontRef idx="minor"/>
+    </dgm:style>
+  </dgm:styleLbl>
+  <dgm:styleLbl name="alignImgPlace1">
+    <dgm:scene3d>
+      <a:camera prst="orthographicFront"/>
+      <a:lightRig rig="threePt" dir="t"/>
+    </dgm:scene3d>
+    <dgm:sp3d/>
+    <dgm:txPr/>
+    <dgm:style>
+      <a:lnRef idx="2">
+        <a:scrgbClr r="0" g="0" b="0"/>
+      </a:lnRef>
+      <a:fillRef idx="1">
+        <a:scrgbClr r="0" g="0" b="0"/>
+      </a:fillRef>
+      <a:effectRef idx="0">
+        <a:scrgbClr r="0" g="0" b="0"/>
+      </a:effectRef>
+      <a:fontRef idx="minor"/>
+    </dgm:style>
+  </dgm:styleLbl>
+  <dgm:styleLbl name="bgImgPlace1">
+    <dgm:scene3d>
+      <a:camera prst="orthographicFront"/>
+      <a:lightRig rig="threePt" dir="t"/>
+    </dgm:scene3d>
+    <dgm:sp3d/>
+    <dgm:txPr/>
+    <dgm:style>
+      <a:lnRef idx="2">
+        <a:scrgbClr r="0" g="0" b="0"/>
+      </a:lnRef>
+      <a:fillRef idx="1">
+        <a:scrgbClr r="0" g="0" b="0"/>
+      </a:fillRef>
+      <a:effectRef idx="0">
+        <a:scrgbClr r="0" g="0" b="0"/>
+      </a:effectRef>
+      <a:fontRef idx="minor"/>
+    </dgm:style>
+  </dgm:styleLbl>
+  <dgm:styleLbl name="sibTrans2D1">
+    <dgm:scene3d>
+      <a:camera prst="orthographicFront"/>
+      <a:lightRig rig="threePt" dir="t"/>
+    </dgm:scene3d>
+    <dgm:sp3d/>
+    <dgm:txPr/>
+    <dgm:style>
+      <a:lnRef idx="0">
+        <a:scrgbClr r="0" g="0" b="0"/>
+      </a:lnRef>
+      <a:fillRef idx="1">
+        <a:scrgbClr r="0" g="0" b="0"/>
+      </a:fillRef>
+      <a:effectRef idx="0">
+        <a:scrgbClr r="0" g="0" b="0"/>
+      </a:effectRef>
+      <a:fontRef idx="minor">
+        <a:schemeClr val="lt1"/>
+      </a:fontRef>
+    </dgm:style>
+  </dgm:styleLbl>
+  <dgm:styleLbl name="fgSibTrans2D1">
+    <dgm:scene3d>
+      <a:camera prst="orthographicFront"/>
+      <a:lightRig rig="threePt" dir="t"/>
+    </dgm:scene3d>
+    <dgm:sp3d/>
+    <dgm:txPr/>
+    <dgm:style>
+      <a:lnRef idx="0">
+        <a:scrgbClr r="0" g="0" b="0"/>
+      </a:lnRef>
+      <a:fillRef idx="1">
+        <a:scrgbClr r="0" g="0" b="0"/>
+      </a:fillRef>
+      <a:effectRef idx="0">
+        <a:scrgbClr r="0" g="0" b="0"/>
+      </a:effectRef>
+      <a:fontRef idx="minor">
+        <a:schemeClr val="lt1"/>
+      </a:fontRef>
+    </dgm:style>
+  </dgm:styleLbl>
+  <dgm:styleLbl name="bgSibTrans2D1">
+    <dgm:scene3d>
+      <a:camera prst="orthographicFront"/>
+      <a:lightRig rig="threePt" dir="t"/>
+    </dgm:scene3d>
+    <dgm:sp3d/>
+    <dgm:txPr/>
+    <dgm:style>
+      <a:lnRef idx="0">
+        <a:scrgbClr r="0" g="0" b="0"/>
+      </a:lnRef>
+      <a:fillRef idx="1">
+        <a:scrgbClr r="0" g="0" b="0"/>
+      </a:fillRef>
+      <a:effectRef idx="0">
+        <a:scrgbClr r="0" g="0" b="0"/>
+      </a:effectRef>
+      <a:fontRef idx="minor">
+        <a:schemeClr val="lt1"/>
+      </a:fontRef>
+    </dgm:style>
+  </dgm:styleLbl>
+  <dgm:styleLbl name="sibTrans1D1">
+    <dgm:scene3d>
+      <a:camera prst="orthographicFront"/>
+      <a:lightRig rig="threePt" dir="t"/>
+    </dgm:scene3d>
+    <dgm:sp3d/>
+    <dgm:txPr/>
+    <dgm:style>
+      <a:lnRef idx="1">
+        <a:scrgbClr r="0" g="0" b="0"/>
+      </a:lnRef>
+      <a:fillRef idx="0">
+        <a:scrgbClr r="0" g="0" b="0"/>
+      </a:fillRef>
+      <a:effectRef idx="0">
+        <a:scrgbClr r="0" g="0" b="0"/>
+      </a:effectRef>
+      <a:fontRef idx="minor"/>
+    </dgm:style>
+  </dgm:styleLbl>
+  <dgm:styleLbl name="callout">
+    <dgm:scene3d>
+      <a:camera prst="orthographicFront"/>
+      <a:lightRig rig="threePt" dir="t"/>
+    </dgm:scene3d>
+    <dgm:sp3d/>
+    <dgm:txPr/>
+    <dgm:style>
+      <a:lnRef idx="2">
+        <a:scrgbClr r="0" g="0" b="0"/>
+      </a:lnRef>
+      <a:fillRef idx="1">
+        <a:scrgbClr r="0" g="0" b="0"/>
+      </a:fillRef>
+      <a:effectRef idx="0">
+        <a:scrgbClr r="0" g="0" b="0"/>
+      </a:effectRef>
+      <a:fontRef idx="minor"/>
+    </dgm:style>
+  </dgm:styleLbl>
+  <dgm:styleLbl name="asst0">
+    <dgm:scene3d>
+      <a:camera prst="orthographicFront"/>
+      <a:lightRig rig="threePt" dir="t"/>
+    </dgm:scene3d>
+    <dgm:sp3d/>
+    <dgm:txPr/>
+    <dgm:style>
+      <a:lnRef idx="2">
+        <a:scrgbClr r="0" g="0" b="0"/>
+      </a:lnRef>
+      <a:fillRef idx="1">
+        <a:scrgbClr r="0" g="0" b="0"/>
+      </a:fillRef>
+      <a:effectRef idx="0">
+        <a:scrgbClr r="0" g="0" b="0"/>
+      </a:effectRef>
+      <a:fontRef idx="minor">
+        <a:schemeClr val="lt1"/>
+      </a:fontRef>
+    </dgm:style>
+  </dgm:styleLbl>
+  <dgm:styleLbl name="asst1">
+    <dgm:scene3d>
+      <a:camera prst="orthographicFront"/>
+      <a:lightRig rig="threePt" dir="t"/>
+    </dgm:scene3d>
+    <dgm:sp3d/>
+    <dgm:txPr/>
+    <dgm:style>
+      <a:lnRef idx="2">
+        <a:scrgbClr r="0" g="0" b="0"/>
+      </a:lnRef>
+      <a:fillRef idx="1">
+        <a:scrgbClr r="0" g="0" b="0"/>
+      </a:fillRef>
+      <a:effectRef idx="0">
+        <a:scrgbClr r="0" g="0" b="0"/>
+      </a:effectRef>
+      <a:fontRef idx="minor">
+        <a:schemeClr val="lt1"/>
+      </a:fontRef>
+    </dgm:style>
+  </dgm:styleLbl>
+  <dgm:styleLbl name="asst2">
+    <dgm:scene3d>
+      <a:camera prst="orthographicFront"/>
+      <a:lightRig rig="threePt" dir="t"/>
+    </dgm:scene3d>
+    <dgm:sp3d/>
+    <dgm:txPr/>
+    <dgm:style>
+      <a:lnRef idx="2">
+        <a:scrgbClr r="0" g="0" b="0"/>
+      </a:lnRef>
+      <a:fillRef idx="1">
+        <a:scrgbClr r="0" g="0" b="0"/>
+      </a:fillRef>
+      <a:effectRef idx="0">
+        <a:scrgbClr r="0" g="0" b="0"/>
+      </a:effectRef>
+      <a:fontRef idx="minor">
+        <a:schemeClr val="lt1"/>
+      </a:fontRef>
+    </dgm:style>
+  </dgm:styleLbl>
+  <dgm:styleLbl name="asst3">
+    <dgm:scene3d>
+      <a:camera prst="orthographicFront"/>
+      <a:lightRig rig="threePt" dir="t"/>
+    </dgm:scene3d>
+    <dgm:sp3d/>
+    <dgm:txPr/>
+    <dgm:style>
+      <a:lnRef idx="2">
+        <a:scrgbClr r="0" g="0" b="0"/>
+      </a:lnRef>
+      <a:fillRef idx="1">
+        <a:scrgbClr r="0" g="0" b="0"/>
+      </a:fillRef>
+      <a:effectRef idx="0">
+        <a:scrgbClr r="0" g="0" b="0"/>
+      </a:effectRef>
+      <a:fontRef idx="minor">
+        <a:schemeClr val="lt1"/>
+      </a:fontRef>
+    </dgm:style>
+  </dgm:styleLbl>
+  <dgm:styleLbl name="asst4">
+    <dgm:scene3d>
+      <a:camera prst="orthographicFront"/>
+      <a:lightRig rig="threePt" dir="t"/>
+    </dgm:scene3d>
+    <dgm:sp3d/>
+    <dgm:txPr/>
+    <dgm:style>
+      <a:lnRef idx="2">
+        <a:scrgbClr r="0" g="0" b="0"/>
+      </a:lnRef>
+      <a:fillRef idx="1">
+        <a:scrgbClr r="0" g="0" b="0"/>
+      </a:fillRef>
+      <a:effectRef idx="0">
+        <a:scrgbClr r="0" g="0" b="0"/>
+      </a:effectRef>
+      <a:fontRef idx="minor">
+        <a:schemeClr val="lt1"/>
+      </a:fontRef>
+    </dgm:style>
+  </dgm:styleLbl>
+  <dgm:styleLbl name="parChTrans2D1">
+    <dgm:scene3d>
+      <a:camera prst="orthographicFront"/>
+      <a:lightRig rig="threePt" dir="t"/>
+    </dgm:scene3d>
+    <dgm:sp3d/>
+    <dgm:txPr/>
+    <dgm:style>
+      <a:lnRef idx="2">
+        <a:scrgbClr r="0" g="0" b="0"/>
+      </a:lnRef>
+      <a:fillRef idx="1">
+        <a:scrgbClr r="0" g="0" b="0"/>
+      </a:fillRef>
+      <a:effectRef idx="0">
+        <a:scrgbClr r="0" g="0" b="0"/>
+      </a:effectRef>
+      <a:fontRef idx="minor">
+        <a:schemeClr val="lt1"/>
+      </a:fontRef>
+    </dgm:style>
+  </dgm:styleLbl>
+  <dgm:styleLbl name="parChTrans2D2">
+    <dgm:scene3d>
+      <a:camera prst="orthographicFront"/>
+      <a:lightRig rig="threePt" dir="t"/>
+    </dgm:scene3d>
+    <dgm:sp3d/>
+    <dgm:txPr/>
+    <dgm:style>
+      <a:lnRef idx="2">
+        <a:scrgbClr r="0" g="0" b="0"/>
+      </a:lnRef>
+      <a:fillRef idx="1">
+        <a:scrgbClr r="0" g="0" b="0"/>
+      </a:fillRef>
+      <a:effectRef idx="0">
+        <a:scrgbClr r="0" g="0" b="0"/>
+      </a:effectRef>
+      <a:fontRef idx="minor">
+        <a:schemeClr val="lt1"/>
+      </a:fontRef>
+    </dgm:style>
+  </dgm:styleLbl>
+  <dgm:styleLbl name="parChTrans2D3">
+    <dgm:scene3d>
+      <a:camera prst="orthographicFront"/>
+      <a:lightRig rig="threePt" dir="t"/>
+    </dgm:scene3d>
+    <dgm:sp3d/>
+    <dgm:txPr/>
+    <dgm:style>
+      <a:lnRef idx="2">
+        <a:scrgbClr r="0" g="0" b="0"/>
+      </a:lnRef>
+      <a:fillRef idx="1">
+        <a:scrgbClr r="0" g="0" b="0"/>
+      </a:fillRef>
+      <a:effectRef idx="0">
+        <a:scrgbClr r="0" g="0" b="0"/>
+      </a:effectRef>
+      <a:fontRef idx="minor">
+        <a:schemeClr val="lt1"/>
+      </a:fontRef>
+    </dgm:style>
+  </dgm:styleLbl>
+  <dgm:styleLbl name="parChTrans2D4">
+    <dgm:scene3d>
+      <a:camera prst="orthographicFront"/>
+      <a:lightRig rig="threePt" dir="t"/>
+    </dgm:scene3d>
+    <dgm:sp3d/>
+    <dgm:txPr/>
+    <dgm:style>
+      <a:lnRef idx="2">
+        <a:scrgbClr r="0" g="0" b="0"/>
+      </a:lnRef>
+      <a:fillRef idx="1">
+        <a:scrgbClr r="0" g="0" b="0"/>
+      </a:fillRef>
+      <a:effectRef idx="0">
+        <a:scrgbClr r="0" g="0" b="0"/>
+      </a:effectRef>
+      <a:fontRef idx="minor">
+        <a:schemeClr val="lt1"/>
+      </a:fontRef>
+    </dgm:style>
+  </dgm:styleLbl>
+  <dgm:styleLbl name="parChTrans1D1">
+    <dgm:scene3d>
+      <a:camera prst="orthographicFront"/>
+      <a:lightRig rig="threePt" dir="t"/>
+    </dgm:scene3d>
+    <dgm:sp3d/>
+    <dgm:txPr/>
+    <dgm:style>
+      <a:lnRef idx="2">
+        <a:scrgbClr r="0" g="0" b="0"/>
+      </a:lnRef>
+      <a:fillRef idx="0">
+        <a:scrgbClr r="0" g="0" b="0"/>
+      </a:fillRef>
+      <a:effectRef idx="0">
+        <a:scrgbClr r="0" g="0" b="0"/>
+      </a:effectRef>
+      <a:fontRef idx="minor"/>
+    </dgm:style>
+  </dgm:styleLbl>
+  <dgm:styleLbl name="parChTrans1D2">
+    <dgm:scene3d>
+      <a:camera prst="orthographicFront"/>
+      <a:lightRig rig="threePt" dir="t"/>
+    </dgm:scene3d>
+    <dgm:sp3d/>
+    <dgm:txPr/>
+    <dgm:style>
+      <a:lnRef idx="2">
+        <a:scrgbClr r="0" g="0" b="0"/>
+      </a:lnRef>
+      <a:fillRef idx="0">
+        <a:scrgbClr r="0" g="0" b="0"/>
+      </a:fillRef>
+      <a:effectRef idx="0">
+        <a:scrgbClr r="0" g="0" b="0"/>
+      </a:effectRef>
+      <a:fontRef idx="minor"/>
+    </dgm:style>
+  </dgm:styleLbl>
+  <dgm:styleLbl name="parChTrans1D3">
+    <dgm:scene3d>
+      <a:camera prst="orthographicFront"/>
+      <a:lightRig rig="threePt" dir="t"/>
+    </dgm:scene3d>
+    <dgm:sp3d/>
+    <dgm:txPr/>
+    <dgm:style>
+      <a:lnRef idx="2">
+        <a:scrgbClr r="0" g="0" b="0"/>
+      </a:lnRef>
+      <a:fillRef idx="0">
+        <a:scrgbClr r="0" g="0" b="0"/>
+      </a:fillRef>
+      <a:effectRef idx="0">
+        <a:scrgbClr r="0" g="0" b="0"/>
+      </a:effectRef>
+      <a:fontRef idx="minor"/>
+    </dgm:style>
+  </dgm:styleLbl>
+  <dgm:styleLbl name="parChTrans1D4">
+    <dgm:scene3d>
+      <a:camera prst="orthographicFront"/>
+      <a:lightRig rig="threePt" dir="t"/>
+    </dgm:scene3d>
+    <dgm:sp3d/>
+    <dgm:txPr/>
+    <dgm:style>
+      <a:lnRef idx="2">
+        <a:scrgbClr r="0" g="0" b="0"/>
+      </a:lnRef>
+      <a:fillRef idx="0">
+        <a:scrgbClr r="0" g="0" b="0"/>
+      </a:fillRef>
+      <a:effectRef idx="0">
+        <a:scrgbClr r="0" g="0" b="0"/>
+      </a:effectRef>
+      <a:fontRef idx="minor"/>
+    </dgm:style>
+  </dgm:styleLbl>
+  <dgm:styleLbl name="fgAcc1">
+    <dgm:scene3d>
+      <a:camera prst="orthographicFront"/>
+      <a:lightRig rig="threePt" dir="t"/>
+    </dgm:scene3d>
+    <dgm:sp3d/>
+    <dgm:txPr/>
+    <dgm:style>
+      <a:lnRef idx="2">
+        <a:scrgbClr r="0" g="0" b="0"/>
+      </a:lnRef>
+      <a:fillRef idx="1">
+        <a:scrgbClr r="0" g="0" b="0"/>
+      </a:fillRef>
+      <a:effectRef idx="0">
+        <a:scrgbClr r="0" g="0" b="0"/>
+      </a:effectRef>
+      <a:fontRef idx="minor"/>
+    </dgm:style>
+  </dgm:styleLbl>
+  <dgm:styleLbl name="conFgAcc1">
+    <dgm:scene3d>
+      <a:camera prst="orthographicFront"/>
+      <a:lightRig rig="threePt" dir="t"/>
+    </dgm:scene3d>
+    <dgm:sp3d/>
+    <dgm:txPr/>
+    <dgm:style>
+      <a:lnRef idx="2">
+        <a:scrgbClr r="0" g="0" b="0"/>
+      </a:lnRef>
+      <a:fillRef idx="1">
+        <a:scrgbClr r="0" g="0" b="0"/>
+      </a:fillRef>
+      <a:effectRef idx="0">
+        <a:scrgbClr r="0" g="0" b="0"/>
+      </a:effectRef>
+      <a:fontRef idx="minor"/>
+    </dgm:style>
+  </dgm:styleLbl>
+  <dgm:styleLbl name="alignAcc1">
+    <dgm:scene3d>
+      <a:camera prst="orthographicFront"/>
+      <a:lightRig rig="threePt" dir="t"/>
+    </dgm:scene3d>
+    <dgm:sp3d/>
+    <dgm:txPr/>
+    <dgm:style>
+      <a:lnRef idx="2">
+        <a:scrgbClr r="0" g="0" b="0"/>
+      </a:lnRef>
+      <a:fillRef idx="1">
+        <a:scrgbClr r="0" g="0" b="0"/>
+      </a:fillRef>
+      <a:effectRef idx="0">
+        <a:scrgbClr r="0" g="0" b="0"/>
+      </a:effectRef>
+      <a:fontRef idx="minor"/>
+    </dgm:style>
+  </dgm:styleLbl>
+  <dgm:styleLbl name="trAlignAcc1">
+    <dgm:scene3d>
+      <a:camera prst="orthographicFront"/>
+      <a:lightRig rig="threePt" dir="t"/>
+    </dgm:scene3d>
+    <dgm:sp3d/>
+    <dgm:txPr/>
+    <dgm:style>
+      <a:lnRef idx="1">
+        <a:scrgbClr r="0" g="0" b="0"/>
+      </a:lnRef>
+      <a:fillRef idx="1">
+        <a:scrgbClr r="0" g="0" b="0"/>
+      </a:fillRef>
+      <a:effectRef idx="0">
+        <a:scrgbClr r="0" g="0" b="0"/>
+      </a:effectRef>
+      <a:fontRef idx="minor"/>
+    </dgm:style>
+  </dgm:styleLbl>
+  <dgm:styleLbl name="bgAcc1">
+    <dgm:scene3d>
+      <a:camera prst="orthographicFront"/>
+      <a:lightRig rig="threePt" dir="t"/>
+    </dgm:scene3d>
+    <dgm:sp3d/>
+    <dgm:txPr/>
+    <dgm:style>
+      <a:lnRef idx="2">
+        <a:scrgbClr r="0" g="0" b="0"/>
+      </a:lnRef>
+      <a:fillRef idx="1">
+        <a:scrgbClr r="0" g="0" b="0"/>
+      </a:fillRef>
+      <a:effectRef idx="0">
+        <a:scrgbClr r="0" g="0" b="0"/>
+      </a:effectRef>
+      <a:fontRef idx="minor"/>
+    </dgm:style>
+  </dgm:styleLbl>
+  <dgm:styleLbl name="solidFgAcc1">
+    <dgm:scene3d>
+      <a:camera prst="orthographicFront"/>
+      <a:lightRig rig="threePt" dir="t"/>
+    </dgm:scene3d>
+    <dgm:sp3d/>
+    <dgm:txPr/>
+    <dgm:style>
+      <a:lnRef idx="2">
+        <a:scrgbClr r="0" g="0" b="0"/>
+      </a:lnRef>
+      <a:fillRef idx="1">
+        <a:scrgbClr r="0" g="0" b="0"/>
+      </a:fillRef>
+      <a:effectRef idx="0">
+        <a:scrgbClr r="0" g="0" b="0"/>
+      </a:effectRef>
+      <a:fontRef idx="minor"/>
+    </dgm:style>
+  </dgm:styleLbl>
+  <dgm:styleLbl name="solidAlignAcc1">
+    <dgm:scene3d>
+      <a:camera prst="orthographicFront"/>
+      <a:lightRig rig="threePt" dir="t"/>
+    </dgm:scene3d>
+    <dgm:sp3d/>
+    <dgm:txPr/>
+    <dgm:style>
+      <a:lnRef idx="2">
+        <a:scrgbClr r="0" g="0" b="0"/>
+      </a:lnRef>
+      <a:fillRef idx="1">
+        <a:scrgbClr r="0" g="0" b="0"/>
+      </a:fillRef>
+      <a:effectRef idx="0">
+        <a:scrgbClr r="0" g="0" b="0"/>
+      </a:effectRef>
+      <a:fontRef idx="minor"/>
+    </dgm:style>
+  </dgm:styleLbl>
+  <dgm:styleLbl name="solidBgAcc1">
+    <dgm:scene3d>
+      <a:camera prst="orthographicFront"/>
+      <a:lightRig rig="threePt" dir="t"/>
+    </dgm:scene3d>
+    <dgm:sp3d/>
+    <dgm:txPr/>
+    <dgm:style>
+      <a:lnRef idx="2">
+        <a:scrgbClr r="0" g="0" b="0"/>
+      </a:lnRef>
+      <a:fillRef idx="1">
+        <a:scrgbClr r="0" g="0" b="0"/>
+      </a:fillRef>
+      <a:effectRef idx="0">
+        <a:scrgbClr r="0" g="0" b="0"/>
+      </a:effectRef>
+      <a:fontRef idx="minor"/>
+    </dgm:style>
+  </dgm:styleLbl>
+  <dgm:styleLbl name="fgAccFollowNode1">
+    <dgm:scene3d>
+      <a:camera prst="orthographicFront"/>
+      <a:lightRig rig="threePt" dir="t"/>
+    </dgm:scene3d>
+    <dgm:sp3d/>
+    <dgm:txPr/>
+    <dgm:style>
+      <a:lnRef idx="2">
+        <a:scrgbClr r="0" g="0" b="0"/>
+      </a:lnRef>
+      <a:fillRef idx="1">
+        <a:scrgbClr r="0" g="0" b="0"/>
+      </a:fillRef>
+      <a:effectRef idx="0">
+        <a:scrgbClr r="0" g="0" b="0"/>
+      </a:effectRef>
+      <a:fontRef idx="minor"/>
+    </dgm:style>
+  </dgm:styleLbl>
+  <dgm:styleLbl name="alignAccFollowNode1">
+    <dgm:scene3d>
+      <a:camera prst="orthographicFront"/>
+      <a:lightRig rig="threePt" dir="t"/>
+    </dgm:scene3d>
+    <dgm:sp3d/>
+    <dgm:txPr/>
+    <dgm:style>
+      <a:lnRef idx="2">
+        <a:scrgbClr r="0" g="0" b="0"/>
+      </a:lnRef>
+      <a:fillRef idx="1">
+        <a:scrgbClr r="0" g="0" b="0"/>
+      </a:fillRef>
+      <a:effectRef idx="0">
+        <a:scrgbClr r="0" g="0" b="0"/>
+      </a:effectRef>
+      <a:fontRef idx="minor"/>
+    </dgm:style>
+  </dgm:styleLbl>
+  <dgm:styleLbl name="bgAccFollowNode1">
+    <dgm:scene3d>
+      <a:camera prst="orthographicFront"/>
+      <a:lightRig rig="threePt" dir="t"/>
+    </dgm:scene3d>
+    <dgm:sp3d/>
+    <dgm:txPr/>
+    <dgm:style>
+      <a:lnRef idx="2">
+        <a:scrgbClr r="0" g="0" b="0"/>
+      </a:lnRef>
+      <a:fillRef idx="1">
+        <a:scrgbClr r="0" g="0" b="0"/>
+      </a:fillRef>
+      <a:effectRef idx="0">
+        <a:scrgbClr r="0" g="0" b="0"/>
+      </a:effectRef>
+      <a:fontRef idx="minor"/>
+    </dgm:style>
+  </dgm:styleLbl>
+  <dgm:styleLbl name="fgAcc0">
+    <dgm:scene3d>
+      <a:camera prst="orthographicFront"/>
+      <a:lightRig rig="threePt" dir="t"/>
+    </dgm:scene3d>
+    <dgm:sp3d/>
+    <dgm:txPr/>
+    <dgm:style>
+      <a:lnRef idx="2">
+        <a:scrgbClr r="0" g="0" b="0"/>
+      </a:lnRef>
+      <a:fillRef idx="1">
+        <a:scrgbClr r="0" g="0" b="0"/>
+      </a:fillRef>
+      <a:effectRef idx="0">
+        <a:scrgbClr r="0" g="0" b="0"/>
+      </a:effectRef>
+      <a:fontRef idx="minor"/>
+    </dgm:style>
+  </dgm:styleLbl>
+  <dgm:styleLbl name="fgAcc2">
+    <dgm:scene3d>
+      <a:camera prst="orthographicFront"/>
+      <a:lightRig rig="threePt" dir="t"/>
+    </dgm:scene3d>
+    <dgm:sp3d/>
+    <dgm:txPr/>
+    <dgm:style>
+      <a:lnRef idx="2">
+        <a:scrgbClr r="0" g="0" b="0"/>
+      </a:lnRef>
+      <a:fillRef idx="1">
+        <a:scrgbClr r="0" g="0" b="0"/>
+      </a:fillRef>
+      <a:effectRef idx="0">
+        <a:scrgbClr r="0" g="0" b="0"/>
+      </a:effectRef>
+      <a:fontRef idx="minor"/>
+    </dgm:style>
+  </dgm:styleLbl>
+  <dgm:styleLbl name="fgAcc3">
+    <dgm:scene3d>
+      <a:camera prst="orthographicFront"/>
+      <a:lightRig rig="threePt" dir="t"/>
+    </dgm:scene3d>
+    <dgm:sp3d/>
+    <dgm:txPr/>
+    <dgm:style>
+      <a:lnRef idx="2">
+        <a:scrgbClr r="0" g="0" b="0"/>
+      </a:lnRef>
+      <a:fillRef idx="1">
+        <a:scrgbClr r="0" g="0" b="0"/>
+      </a:fillRef>
+      <a:effectRef idx="0">
+        <a:scrgbClr r="0" g="0" b="0"/>
+      </a:effectRef>
+      <a:fontRef idx="minor"/>
+    </dgm:style>
+  </dgm:styleLbl>
+  <dgm:styleLbl name="fgAcc4">
+    <dgm:scene3d>
+      <a:camera prst="orthographicFront"/>
+      <a:lightRig rig="threePt" dir="t"/>
+    </dgm:scene3d>
+    <dgm:sp3d/>
+    <dgm:txPr/>
+    <dgm:style>
+      <a:lnRef idx="2">
+        <a:scrgbClr r="0" g="0" b="0"/>
+      </a:lnRef>
+      <a:fillRef idx="1">
+        <a:scrgbClr r="0" g="0" b="0"/>
+      </a:fillRef>
+      <a:effectRef idx="0">
+        <a:scrgbClr r="0" g="0" b="0"/>
+      </a:effectRef>
+      <a:fontRef idx="minor"/>
+    </dgm:style>
+  </dgm:styleLbl>
+  <dgm:styleLbl name="bgShp">
+    <dgm:scene3d>
+      <a:camera prst="orthographicFront"/>
+      <a:lightRig rig="threePt" dir="t"/>
+    </dgm:scene3d>
+    <dgm:sp3d/>
+    <dgm:txPr/>
+    <dgm:style>
+      <a:lnRef idx="0">
+        <a:scrgbClr r="0" g="0" b="0"/>
+      </a:lnRef>
+      <a:fillRef idx="1">
+        <a:scrgbClr r="0" g="0" b="0"/>
+      </a:fillRef>
+      <a:effectRef idx="0">
+        <a:scrgbClr r="0" g="0" b="0"/>
+      </a:effectRef>
+      <a:fontRef idx="minor"/>
+    </dgm:style>
+  </dgm:styleLbl>
+  <dgm:styleLbl name="dkBgShp">
+    <dgm:scene3d>
+      <a:camera prst="orthographicFront"/>
+      <a:lightRig rig="threePt" dir="t"/>
+    </dgm:scene3d>
+    <dgm:sp3d/>
+    <dgm:txPr/>
+    <dgm:style>
+      <a:lnRef idx="0">
+        <a:scrgbClr r="0" g="0" b="0"/>
+      </a:lnRef>
+      <a:fillRef idx="1">
+        <a:scrgbClr r="0" g="0" b="0"/>
+      </a:fillRef>
+      <a:effectRef idx="0">
+        <a:scrgbClr r="0" g="0" b="0"/>
+      </a:effectRef>
+      <a:fontRef idx="minor"/>
+    </dgm:style>
+  </dgm:styleLbl>
+  <dgm:styleLbl name="trBgShp">
+    <dgm:scene3d>
+      <a:camera prst="orthographicFront"/>
+      <a:lightRig rig="threePt" dir="t"/>
+    </dgm:scene3d>
+    <dgm:sp3d/>
+    <dgm:txPr/>
+    <dgm:style>
+      <a:lnRef idx="0">
+        <a:scrgbClr r="0" g="0" b="0"/>
+      </a:lnRef>
+      <a:fillRef idx="1">
+        <a:scrgbClr r="0" g="0" b="0"/>
+      </a:fillRef>
+      <a:effectRef idx="0">
+        <a:scrgbClr r="0" g="0" b="0"/>
+      </a:effectRef>
+      <a:fontRef idx="minor"/>
+    </dgm:style>
+  </dgm:styleLbl>
+  <dgm:styleLbl name="fgShp">
+    <dgm:scene3d>
+      <a:camera prst="orthographicFront"/>
+      <a:lightRig rig="threePt" dir="t"/>
+    </dgm:scene3d>
+    <dgm:sp3d/>
+    <dgm:txPr/>
+    <dgm:style>
+      <a:lnRef idx="2">
+        <a:scrgbClr r="0" g="0" b="0"/>
+      </a:lnRef>
+      <a:fillRef idx="1">
+        <a:scrgbClr r="0" g="0" b="0"/>
+      </a:fillRef>
+      <a:effectRef idx="0">
+        <a:scrgbClr r="0" g="0" b="0"/>
+      </a:effectRef>
+      <a:fontRef idx="minor"/>
+    </dgm:style>
+  </dgm:styleLbl>
+  <dgm:styleLbl name="revTx">
+    <dgm:scene3d>
+      <a:camera prst="orthographicFront"/>
+      <a:lightRig rig="threePt" dir="t"/>
+    </dgm:scene3d>
+    <dgm:sp3d/>
+    <dgm:txPr/>
+    <dgm:style>
+      <a:lnRef idx="0">
+        <a:scrgbClr r="0" g="0" b="0"/>
+      </a:lnRef>
+      <a:fillRef idx="0">
+        <a:scrgbClr r="0" g="0" b="0"/>
+      </a:fillRef>
+      <a:effectRef idx="0">
+        <a:scrgbClr r="0" g="0" b="0"/>
+      </a:effectRef>
+      <a:fontRef idx="minor"/>
+    </dgm:style>
+  </dgm:styleLbl>
+</dgm:styleDef>
+</file>
+
+<file path=ppt/diagrams/quickStyle5.xml><?xml version="1.0" encoding="utf-8"?>
+<dgm:styleDef xmlns:dgm="http://schemas.openxmlformats.org/drawingml/2006/diagram" xmlns:a="http://schemas.openxmlformats.org/drawingml/2006/main" uniqueId="urn:microsoft.com/office/officeart/2005/8/quickstyle/simple1">
+  <dgm:title val=""/>
+  <dgm:desc val=""/>
+  <dgm:catLst>
+    <dgm:cat type="simple" pri="10100"/>
+  </dgm:catLst>
+  <dgm:scene3d>
+    <a:camera prst="orthographicFront"/>
+    <a:lightRig rig="threePt" dir="t"/>
+  </dgm:scene3d>
+  <dgm:styleLbl name="node0">
+    <dgm:scene3d>
+      <a:camera prst="orthographicFront"/>
+      <a:lightRig rig="threePt" dir="t"/>
+    </dgm:scene3d>
+    <dgm:sp3d/>
+    <dgm:txPr/>
+    <dgm:style>
+      <a:lnRef idx="2">
+        <a:scrgbClr r="0" g="0" b="0"/>
+      </a:lnRef>
+      <a:fillRef idx="1">
+        <a:scrgbClr r="0" g="0" b="0"/>
+      </a:fillRef>
+      <a:effectRef idx="0">
+        <a:scrgbClr r="0" g="0" b="0"/>
+      </a:effectRef>
+      <a:fontRef idx="minor">
+        <a:schemeClr val="lt1"/>
+      </a:fontRef>
+    </dgm:style>
+  </dgm:styleLbl>
+  <dgm:styleLbl name="lnNode1">
+    <dgm:scene3d>
+      <a:camera prst="orthographicFront"/>
+      <a:lightRig rig="threePt" dir="t"/>
+    </dgm:scene3d>
+    <dgm:sp3d/>
+    <dgm:txPr/>
+    <dgm:style>
+      <a:lnRef idx="2">
+        <a:scrgbClr r="0" g="0" b="0"/>
+      </a:lnRef>
+      <a:fillRef idx="1">
+        <a:scrgbClr r="0" g="0" b="0"/>
+      </a:fillRef>
+      <a:effectRef idx="0">
+        <a:scrgbClr r="0" g="0" b="0"/>
+      </a:effectRef>
+      <a:fontRef idx="minor">
+        <a:schemeClr val="lt1"/>
+      </a:fontRef>
+    </dgm:style>
+  </dgm:styleLbl>
+  <dgm:styleLbl name="vennNode1">
+    <dgm:scene3d>
+      <a:camera prst="orthographicFront"/>
+      <a:lightRig rig="threePt" dir="t"/>
+    </dgm:scene3d>
+    <dgm:sp3d/>
+    <dgm:txPr/>
+    <dgm:style>
+      <a:lnRef idx="2">
+        <a:scrgbClr r="0" g="0" b="0"/>
+      </a:lnRef>
+      <a:fillRef idx="1">
+        <a:scrgbClr r="0" g="0" b="0"/>
+      </a:fillRef>
+      <a:effectRef idx="0">
+        <a:scrgbClr r="0" g="0" b="0"/>
+      </a:effectRef>
+      <a:fontRef idx="minor">
+        <a:schemeClr val="tx1"/>
+      </a:fontRef>
+    </dgm:style>
+  </dgm:styleLbl>
+  <dgm:styleLbl name="alignNode1">
+    <dgm:scene3d>
+      <a:camera prst="orthographicFront"/>
+      <a:lightRig rig="threePt" dir="t"/>
+    </dgm:scene3d>
+    <dgm:sp3d/>
+    <dgm:txPr/>
+    <dgm:style>
+      <a:lnRef idx="2">
+        <a:scrgbClr r="0" g="0" b="0"/>
+      </a:lnRef>
+      <a:fillRef idx="1">
+        <a:scrgbClr r="0" g="0" b="0"/>
+      </a:fillRef>
+      <a:effectRef idx="0">
+        <a:scrgbClr r="0" g="0" b="0"/>
+      </a:effectRef>
+      <a:fontRef idx="minor">
+        <a:schemeClr val="lt1"/>
+      </a:fontRef>
+    </dgm:style>
+  </dgm:styleLbl>
+  <dgm:styleLbl name="node1">
+    <dgm:scene3d>
+      <a:camera prst="orthographicFront"/>
+      <a:lightRig rig="threePt" dir="t"/>
+    </dgm:scene3d>
+    <dgm:sp3d/>
+    <dgm:txPr/>
+    <dgm:style>
+      <a:lnRef idx="2">
+        <a:scrgbClr r="0" g="0" b="0"/>
+      </a:lnRef>
+      <a:fillRef idx="1">
+        <a:scrgbClr r="0" g="0" b="0"/>
+      </a:fillRef>
+      <a:effectRef idx="0">
+        <a:scrgbClr r="0" g="0" b="0"/>
+      </a:effectRef>
+      <a:fontRef idx="minor">
+        <a:schemeClr val="lt1"/>
+      </a:fontRef>
+    </dgm:style>
+  </dgm:styleLbl>
+  <dgm:styleLbl name="node2">
+    <dgm:scene3d>
+      <a:camera prst="orthographicFront"/>
+      <a:lightRig rig="threePt" dir="t"/>
+    </dgm:scene3d>
+    <dgm:sp3d/>
+    <dgm:txPr/>
+    <dgm:style>
+      <a:lnRef idx="2">
+        <a:scrgbClr r="0" g="0" b="0"/>
+      </a:lnRef>
+      <a:fillRef idx="1">
+        <a:scrgbClr r="0" g="0" b="0"/>
+      </a:fillRef>
+      <a:effectRef idx="0">
+        <a:scrgbClr r="0" g="0" b="0"/>
+      </a:effectRef>
+      <a:fontRef idx="minor">
+        <a:schemeClr val="lt1"/>
+      </a:fontRef>
+    </dgm:style>
+  </dgm:styleLbl>
+  <dgm:styleLbl name="node3">
+    <dgm:scene3d>
+      <a:camera prst="orthographicFront"/>
+      <a:lightRig rig="threePt" dir="t"/>
+    </dgm:scene3d>
+    <dgm:sp3d/>
+    <dgm:txPr/>
+    <dgm:style>
+      <a:lnRef idx="2">
+        <a:scrgbClr r="0" g="0" b="0"/>
+      </a:lnRef>
+      <a:fillRef idx="1">
+        <a:scrgbClr r="0" g="0" b="0"/>
+      </a:fillRef>
+      <a:effectRef idx="0">
+        <a:scrgbClr r="0" g="0" b="0"/>
+      </a:effectRef>
+      <a:fontRef idx="minor">
+        <a:schemeClr val="lt1"/>
+      </a:fontRef>
+    </dgm:style>
+  </dgm:styleLbl>
+  <dgm:styleLbl name="node4">
+    <dgm:scene3d>
+      <a:camera prst="orthographicFront"/>
+      <a:lightRig rig="threePt" dir="t"/>
+    </dgm:scene3d>
+    <dgm:sp3d/>
+    <dgm:txPr/>
+    <dgm:style>
+      <a:lnRef idx="2">
+        <a:scrgbClr r="0" g="0" b="0"/>
+      </a:lnRef>
+      <a:fillRef idx="1">
+        <a:scrgbClr r="0" g="0" b="0"/>
+      </a:fillRef>
+      <a:effectRef idx="0">
+        <a:scrgbClr r="0" g="0" b="0"/>
+      </a:effectRef>
+      <a:fontRef idx="minor">
+        <a:schemeClr val="lt1"/>
+      </a:fontRef>
+    </dgm:style>
+  </dgm:styleLbl>
+  <dgm:styleLbl name="fgImgPlace1">
+    <dgm:scene3d>
+      <a:camera prst="orthographicFront"/>
+      <a:lightRig rig="threePt" dir="t"/>
+    </dgm:scene3d>
+    <dgm:sp3d/>
+    <dgm:txPr/>
+    <dgm:style>
+      <a:lnRef idx="2">
+        <a:scrgbClr r="0" g="0" b="0"/>
+      </a:lnRef>
+      <a:fillRef idx="1">
+        <a:scrgbClr r="0" g="0" b="0"/>
+      </a:fillRef>
+      <a:effectRef idx="0">
+        <a:scrgbClr r="0" g="0" b="0"/>
+      </a:effectRef>
+      <a:fontRef idx="minor"/>
+    </dgm:style>
+  </dgm:styleLbl>
+  <dgm:styleLbl name="alignImgPlace1">
+    <dgm:scene3d>
+      <a:camera prst="orthographicFront"/>
+      <a:lightRig rig="threePt" dir="t"/>
+    </dgm:scene3d>
+    <dgm:sp3d/>
+    <dgm:txPr/>
+    <dgm:style>
+      <a:lnRef idx="2">
+        <a:scrgbClr r="0" g="0" b="0"/>
+      </a:lnRef>
+      <a:fillRef idx="1">
+        <a:scrgbClr r="0" g="0" b="0"/>
+      </a:fillRef>
+      <a:effectRef idx="0">
+        <a:scrgbClr r="0" g="0" b="0"/>
+      </a:effectRef>
+      <a:fontRef idx="minor"/>
+    </dgm:style>
+  </dgm:styleLbl>
+  <dgm:styleLbl name="bgImgPlace1">
+    <dgm:scene3d>
+      <a:camera prst="orthographicFront"/>
+      <a:lightRig rig="threePt" dir="t"/>
+    </dgm:scene3d>
+    <dgm:sp3d/>
+    <dgm:txPr/>
+    <dgm:style>
+      <a:lnRef idx="2">
+        <a:scrgbClr r="0" g="0" b="0"/>
+      </a:lnRef>
+      <a:fillRef idx="1">
+        <a:scrgbClr r="0" g="0" b="0"/>
+      </a:fillRef>
+      <a:effectRef idx="0">
+        <a:scrgbClr r="0" g="0" b="0"/>
+      </a:effectRef>
+      <a:fontRef idx="minor"/>
+    </dgm:style>
+  </dgm:styleLbl>
+  <dgm:styleLbl name="sibTrans2D1">
+    <dgm:scene3d>
+      <a:camera prst="orthographicFront"/>
+      <a:lightRig rig="threePt" dir="t"/>
+    </dgm:scene3d>
+    <dgm:sp3d/>
+    <dgm:txPr/>
+    <dgm:style>
+      <a:lnRef idx="0">
+        <a:scrgbClr r="0" g="0" b="0"/>
+      </a:lnRef>
+      <a:fillRef idx="1">
+        <a:scrgbClr r="0" g="0" b="0"/>
+      </a:fillRef>
+      <a:effectRef idx="0">
+        <a:scrgbClr r="0" g="0" b="0"/>
+      </a:effectRef>
+      <a:fontRef idx="minor">
+        <a:schemeClr val="lt1"/>
+      </a:fontRef>
+    </dgm:style>
+  </dgm:styleLbl>
+  <dgm:styleLbl name="fgSibTrans2D1">
+    <dgm:scene3d>
+      <a:camera prst="orthographicFront"/>
+      <a:lightRig rig="threePt" dir="t"/>
+    </dgm:scene3d>
+    <dgm:sp3d/>
+    <dgm:txPr/>
+    <dgm:style>
+      <a:lnRef idx="0">
+        <a:scrgbClr r="0" g="0" b="0"/>
+      </a:lnRef>
+      <a:fillRef idx="1">
+        <a:scrgbClr r="0" g="0" b="0"/>
+      </a:fillRef>
+      <a:effectRef idx="0">
+        <a:scrgbClr r="0" g="0" b="0"/>
+      </a:effectRef>
+      <a:fontRef idx="minor">
+        <a:schemeClr val="lt1"/>
+      </a:fontRef>
+    </dgm:style>
+  </dgm:styleLbl>
+  <dgm:styleLbl name="bgSibTrans2D1">
+    <dgm:scene3d>
+      <a:camera prst="orthographicFront"/>
+      <a:lightRig rig="threePt" dir="t"/>
+    </dgm:scene3d>
+    <dgm:sp3d/>
+    <dgm:txPr/>
+    <dgm:style>
+      <a:lnRef idx="0">
+        <a:scrgbClr r="0" g="0" b="0"/>
+      </a:lnRef>
+      <a:fillRef idx="1">
+        <a:scrgbClr r="0" g="0" b="0"/>
+      </a:fillRef>
+      <a:effectRef idx="0">
+        <a:scrgbClr r="0" g="0" b="0"/>
+      </a:effectRef>
+      <a:fontRef idx="minor">
+        <a:schemeClr val="lt1"/>
+      </a:fontRef>
+    </dgm:style>
+  </dgm:styleLbl>
+  <dgm:styleLbl name="sibTrans1D1">
+    <dgm:scene3d>
+      <a:camera prst="orthographicFront"/>
+      <a:lightRig rig="threePt" dir="t"/>
+    </dgm:scene3d>
+    <dgm:sp3d/>
+    <dgm:txPr/>
+    <dgm:style>
+      <a:lnRef idx="1">
+        <a:scrgbClr r="0" g="0" b="0"/>
+      </a:lnRef>
+      <a:fillRef idx="0">
+        <a:scrgbClr r="0" g="0" b="0"/>
+      </a:fillRef>
+      <a:effectRef idx="0">
+        <a:scrgbClr r="0" g="0" b="0"/>
+      </a:effectRef>
+      <a:fontRef idx="minor"/>
+    </dgm:style>
+  </dgm:styleLbl>
+  <dgm:styleLbl name="callout">
+    <dgm:scene3d>
+      <a:camera prst="orthographicFront"/>
+      <a:lightRig rig="threePt" dir="t"/>
+    </dgm:scene3d>
+    <dgm:sp3d/>
+    <dgm:txPr/>
+    <dgm:style>
+      <a:lnRef idx="2">
+        <a:scrgbClr r="0" g="0" b="0"/>
+      </a:lnRef>
+      <a:fillRef idx="1">
+        <a:scrgbClr r="0" g="0" b="0"/>
+      </a:fillRef>
+      <a:effectRef idx="0">
+        <a:scrgbClr r="0" g="0" b="0"/>
+      </a:effectRef>
+      <a:fontRef idx="minor"/>
+    </dgm:style>
+  </dgm:styleLbl>
+  <dgm:styleLbl name="asst0">
+    <dgm:scene3d>
+      <a:camera prst="orthographicFront"/>
+      <a:lightRig rig="threePt" dir="t"/>
+    </dgm:scene3d>
+    <dgm:sp3d/>
+    <dgm:txPr/>
+    <dgm:style>
+      <a:lnRef idx="2">
+        <a:scrgbClr r="0" g="0" b="0"/>
+      </a:lnRef>
+      <a:fillRef idx="1">
+        <a:scrgbClr r="0" g="0" b="0"/>
+      </a:fillRef>
+      <a:effectRef idx="0">
+        <a:scrgbClr r="0" g="0" b="0"/>
+      </a:effectRef>
+      <a:fontRef idx="minor">
+        <a:schemeClr val="lt1"/>
+      </a:fontRef>
+    </dgm:style>
+  </dgm:styleLbl>
+  <dgm:styleLbl name="asst1">
+    <dgm:scene3d>
+      <a:camera prst="orthographicFront"/>
+      <a:lightRig rig="threePt" dir="t"/>
+    </dgm:scene3d>
+    <dgm:sp3d/>
+    <dgm:txPr/>
+    <dgm:style>
+      <a:lnRef idx="2">
+        <a:scrgbClr r="0" g="0" b="0"/>
+      </a:lnRef>
+      <a:fillRef idx="1">
+        <a:scrgbClr r="0" g="0" b="0"/>
+      </a:fillRef>
+      <a:effectRef idx="0">
+        <a:scrgbClr r="0" g="0" b="0"/>
+      </a:effectRef>
+      <a:fontRef idx="minor">
+        <a:schemeClr val="lt1"/>
+      </a:fontRef>
+    </dgm:style>
+  </dgm:styleLbl>
+  <dgm:styleLbl name="asst2">
+    <dgm:scene3d>
+      <a:camera prst="orthographicFront"/>
+      <a:lightRig rig="threePt" dir="t"/>
+    </dgm:scene3d>
+    <dgm:sp3d/>
+    <dgm:txPr/>
+    <dgm:style>
+      <a:lnRef idx="2">
+        <a:scrgbClr r="0" g="0" b="0"/>
+      </a:lnRef>
+      <a:fillRef idx="1">
+        <a:scrgbClr r="0" g="0" b="0"/>
+      </a:fillRef>
+      <a:effectRef idx="0">
+        <a:scrgbClr r="0" g="0" b="0"/>
+      </a:effectRef>
+      <a:fontRef idx="minor">
+        <a:schemeClr val="lt1"/>
+      </a:fontRef>
+    </dgm:style>
+  </dgm:styleLbl>
+  <dgm:styleLbl name="asst3">
+    <dgm:scene3d>
+      <a:camera prst="orthographicFront"/>
+      <a:lightRig rig="threePt" dir="t"/>
+    </dgm:scene3d>
+    <dgm:sp3d/>
+    <dgm:txPr/>
+    <dgm:style>
+      <a:lnRef idx="2">
+        <a:scrgbClr r="0" g="0" b="0"/>
+      </a:lnRef>
+      <a:fillRef idx="1">
+        <a:scrgbClr r="0" g="0" b="0"/>
+      </a:fillRef>
+      <a:effectRef idx="0">
+        <a:scrgbClr r="0" g="0" b="0"/>
+      </a:effectRef>
+      <a:fontRef idx="minor">
+        <a:schemeClr val="lt1"/>
+      </a:fontRef>
+    </dgm:style>
+  </dgm:styleLbl>
+  <dgm:styleLbl name="asst4">
+    <dgm:scene3d>
+      <a:camera prst="orthographicFront"/>
+      <a:lightRig rig="threePt" dir="t"/>
+    </dgm:scene3d>
+    <dgm:sp3d/>
+    <dgm:txPr/>
+    <dgm:style>
+      <a:lnRef idx="2">
+        <a:scrgbClr r="0" g="0" b="0"/>
+      </a:lnRef>
+      <a:fillRef idx="1">
+        <a:scrgbClr r="0" g="0" b="0"/>
+      </a:fillRef>
+      <a:effectRef idx="0">
+        <a:scrgbClr r="0" g="0" b="0"/>
+      </a:effectRef>
+      <a:fontRef idx="minor">
+        <a:schemeClr val="lt1"/>
+      </a:fontRef>
+    </dgm:style>
+  </dgm:styleLbl>
+  <dgm:styleLbl name="parChTrans2D1">
+    <dgm:scene3d>
+      <a:camera prst="orthographicFront"/>
+      <a:lightRig rig="threePt" dir="t"/>
+    </dgm:scene3d>
+    <dgm:sp3d/>
+    <dgm:txPr/>
+    <dgm:style>
+      <a:lnRef idx="2">
+        <a:scrgbClr r="0" g="0" b="0"/>
+      </a:lnRef>
+      <a:fillRef idx="1">
+        <a:scrgbClr r="0" g="0" b="0"/>
+      </a:fillRef>
+      <a:effectRef idx="0">
+        <a:scrgbClr r="0" g="0" b="0"/>
+      </a:effectRef>
+      <a:fontRef idx="minor">
+        <a:schemeClr val="lt1"/>
+      </a:fontRef>
+    </dgm:style>
+  </dgm:styleLbl>
+  <dgm:styleLbl name="parChTrans2D2">
+    <dgm:scene3d>
+      <a:camera prst="orthographicFront"/>
+      <a:lightRig rig="threePt" dir="t"/>
+    </dgm:scene3d>
+    <dgm:sp3d/>
+    <dgm:txPr/>
+    <dgm:style>
+      <a:lnRef idx="2">
+        <a:scrgbClr r="0" g="0" b="0"/>
+      </a:lnRef>
+      <a:fillRef idx="1">
+        <a:scrgbClr r="0" g="0" b="0"/>
+      </a:fillRef>
+      <a:effectRef idx="0">
+        <a:scrgbClr r="0" g="0" b="0"/>
+      </a:effectRef>
+      <a:fontRef idx="minor">
+        <a:schemeClr val="lt1"/>
+      </a:fontRef>
+    </dgm:style>
+  </dgm:styleLbl>
+  <dgm:styleLbl name="parChTrans2D3">
+    <dgm:scene3d>
+      <a:camera prst="orthographicFront"/>
+      <a:lightRig rig="threePt" dir="t"/>
+    </dgm:scene3d>
+    <dgm:sp3d/>
+    <dgm:txPr/>
+    <dgm:style>
+      <a:lnRef idx="2">
+        <a:scrgbClr r="0" g="0" b="0"/>
+      </a:lnRef>
+      <a:fillRef idx="1">
+        <a:scrgbClr r="0" g="0" b="0"/>
+      </a:fillRef>
+      <a:effectRef idx="0">
+        <a:scrgbClr r="0" g="0" b="0"/>
+      </a:effectRef>
+      <a:fontRef idx="minor">
+        <a:schemeClr val="lt1"/>
+      </a:fontRef>
+    </dgm:style>
+  </dgm:styleLbl>
+  <dgm:styleLbl name="parChTrans2D4">
+    <dgm:scene3d>
+      <a:camera prst="orthographicFront"/>
+      <a:lightRig rig="threePt" dir="t"/>
+    </dgm:scene3d>
+    <dgm:sp3d/>
+    <dgm:txPr/>
+    <dgm:style>
+      <a:lnRef idx="2">
+        <a:scrgbClr r="0" g="0" b="0"/>
+      </a:lnRef>
+      <a:fillRef idx="1">
+        <a:scrgbClr r="0" g="0" b="0"/>
+      </a:fillRef>
+      <a:effectRef idx="0">
+        <a:scrgbClr r="0" g="0" b="0"/>
+      </a:effectRef>
+      <a:fontRef idx="minor">
+        <a:schemeClr val="lt1"/>
+      </a:fontRef>
+    </dgm:style>
+  </dgm:styleLbl>
+  <dgm:styleLbl name="parChTrans1D1">
+    <dgm:scene3d>
+      <a:camera prst="orthographicFront"/>
+      <a:lightRig rig="threePt" dir="t"/>
+    </dgm:scene3d>
+    <dgm:sp3d/>
+    <dgm:txPr/>
+    <dgm:style>
+      <a:lnRef idx="2">
+        <a:scrgbClr r="0" g="0" b="0"/>
+      </a:lnRef>
+      <a:fillRef idx="0">
+        <a:scrgbClr r="0" g="0" b="0"/>
+      </a:fillRef>
+      <a:effectRef idx="0">
+        <a:scrgbClr r="0" g="0" b="0"/>
+      </a:effectRef>
+      <a:fontRef idx="minor"/>
+    </dgm:style>
+  </dgm:styleLbl>
+  <dgm:styleLbl name="parChTrans1D2">
+    <dgm:scene3d>
+      <a:camera prst="orthographicFront"/>
+      <a:lightRig rig="threePt" dir="t"/>
+    </dgm:scene3d>
+    <dgm:sp3d/>
+    <dgm:txPr/>
+    <dgm:style>
+      <a:lnRef idx="2">
+        <a:scrgbClr r="0" g="0" b="0"/>
+      </a:lnRef>
+      <a:fillRef idx="0">
+        <a:scrgbClr r="0" g="0" b="0"/>
+      </a:fillRef>
+      <a:effectRef idx="0">
+        <a:scrgbClr r="0" g="0" b="0"/>
+      </a:effectRef>
+      <a:fontRef idx="minor"/>
+    </dgm:style>
+  </dgm:styleLbl>
+  <dgm:styleLbl name="parChTrans1D3">
+    <dgm:scene3d>
+      <a:camera prst="orthographicFront"/>
+      <a:lightRig rig="threePt" dir="t"/>
+    </dgm:scene3d>
+    <dgm:sp3d/>
+    <dgm:txPr/>
+    <dgm:style>
+      <a:lnRef idx="2">
+        <a:scrgbClr r="0" g="0" b="0"/>
+      </a:lnRef>
+      <a:fillRef idx="0">
+        <a:scrgbClr r="0" g="0" b="0"/>
+      </a:fillRef>
+      <a:effectRef idx="0">
+        <a:scrgbClr r="0" g="0" b="0"/>
+      </a:effectRef>
+      <a:fontRef idx="minor"/>
+    </dgm:style>
+  </dgm:styleLbl>
+  <dgm:styleLbl name="parChTrans1D4">
+    <dgm:scene3d>
+      <a:camera prst="orthographicFront"/>
+      <a:lightRig rig="threePt" dir="t"/>
+    </dgm:scene3d>
+    <dgm:sp3d/>
+    <dgm:txPr/>
+    <dgm:style>
+      <a:lnRef idx="2">
+        <a:scrgbClr r="0" g="0" b="0"/>
+      </a:lnRef>
+      <a:fillRef idx="0">
+        <a:scrgbClr r="0" g="0" b="0"/>
+      </a:fillRef>
+      <a:effectRef idx="0">
+        <a:scrgbClr r="0" g="0" b="0"/>
+      </a:effectRef>
+      <a:fontRef idx="minor"/>
+    </dgm:style>
+  </dgm:styleLbl>
+  <dgm:styleLbl name="fgAcc1">
+    <dgm:scene3d>
+      <a:camera prst="orthographicFront"/>
+      <a:lightRig rig="threePt" dir="t"/>
+    </dgm:scene3d>
+    <dgm:sp3d/>
+    <dgm:txPr/>
+    <dgm:style>
+      <a:lnRef idx="2">
+        <a:scrgbClr r="0" g="0" b="0"/>
+      </a:lnRef>
+      <a:fillRef idx="1">
+        <a:scrgbClr r="0" g="0" b="0"/>
+      </a:fillRef>
+      <a:effectRef idx="0">
+        <a:scrgbClr r="0" g="0" b="0"/>
+      </a:effectRef>
+      <a:fontRef idx="minor"/>
+    </dgm:style>
+  </dgm:styleLbl>
+  <dgm:styleLbl name="conFgAcc1">
+    <dgm:scene3d>
+      <a:camera prst="orthographicFront"/>
+      <a:lightRig rig="threePt" dir="t"/>
+    </dgm:scene3d>
+    <dgm:sp3d/>
+    <dgm:txPr/>
+    <dgm:style>
+      <a:lnRef idx="2">
+        <a:scrgbClr r="0" g="0" b="0"/>
+      </a:lnRef>
+      <a:fillRef idx="1">
+        <a:scrgbClr r="0" g="0" b="0"/>
+      </a:fillRef>
+      <a:effectRef idx="0">
+        <a:scrgbClr r="0" g="0" b="0"/>
+      </a:effectRef>
+      <a:fontRef idx="minor"/>
+    </dgm:style>
+  </dgm:styleLbl>
+  <dgm:styleLbl name="alignAcc1">
+    <dgm:scene3d>
+      <a:camera prst="orthographicFront"/>
+      <a:lightRig rig="threePt" dir="t"/>
+    </dgm:scene3d>
+    <dgm:sp3d/>
+    <dgm:txPr/>
+    <dgm:style>
+      <a:lnRef idx="2">
+        <a:scrgbClr r="0" g="0" b="0"/>
+      </a:lnRef>
+      <a:fillRef idx="1">
+        <a:scrgbClr r="0" g="0" b="0"/>
+      </a:fillRef>
+      <a:effectRef idx="0">
+        <a:scrgbClr r="0" g="0" b="0"/>
+      </a:effectRef>
+      <a:fontRef idx="minor"/>
+    </dgm:style>
+  </dgm:styleLbl>
+  <dgm:styleLbl name="trAlignAcc1">
+    <dgm:scene3d>
+      <a:camera prst="orthographicFront"/>
+      <a:lightRig rig="threePt" dir="t"/>
+    </dgm:scene3d>
+    <dgm:sp3d/>
+    <dgm:txPr/>
+    <dgm:style>
+      <a:lnRef idx="1">
+        <a:scrgbClr r="0" g="0" b="0"/>
+      </a:lnRef>
+      <a:fillRef idx="1">
+        <a:scrgbClr r="0" g="0" b="0"/>
+      </a:fillRef>
+      <a:effectRef idx="0">
+        <a:scrgbClr r="0" g="0" b="0"/>
+      </a:effectRef>
+      <a:fontRef idx="minor"/>
+    </dgm:style>
+  </dgm:styleLbl>
+  <dgm:styleLbl name="bgAcc1">
+    <dgm:scene3d>
+      <a:camera prst="orthographicFront"/>
+      <a:lightRig rig="threePt" dir="t"/>
+    </dgm:scene3d>
+    <dgm:sp3d/>
+    <dgm:txPr/>
+    <dgm:style>
+      <a:lnRef idx="2">
+        <a:scrgbClr r="0" g="0" b="0"/>
+      </a:lnRef>
+      <a:fillRef idx="1">
+        <a:scrgbClr r="0" g="0" b="0"/>
+      </a:fillRef>
+      <a:effectRef idx="0">
+        <a:scrgbClr r="0" g="0" b="0"/>
+      </a:effectRef>
+      <a:fontRef idx="minor"/>
+    </dgm:style>
+  </dgm:styleLbl>
+  <dgm:styleLbl name="solidFgAcc1">
+    <dgm:scene3d>
+      <a:camera prst="orthographicFront"/>
+      <a:lightRig rig="threePt" dir="t"/>
+    </dgm:scene3d>
+    <dgm:sp3d/>
+    <dgm:txPr/>
+    <dgm:style>
+      <a:lnRef idx="2">
+        <a:scrgbClr r="0" g="0" b="0"/>
+      </a:lnRef>
+      <a:fillRef idx="1">
+        <a:scrgbClr r="0" g="0" b="0"/>
+      </a:fillRef>
+      <a:effectRef idx="0">
+        <a:scrgbClr r="0" g="0" b="0"/>
+      </a:effectRef>
+      <a:fontRef idx="minor"/>
+    </dgm:style>
+  </dgm:styleLbl>
+  <dgm:styleLbl name="solidAlignAcc1">
+    <dgm:scene3d>
+      <a:camera prst="orthographicFront"/>
+      <a:lightRig rig="threePt" dir="t"/>
+    </dgm:scene3d>
+    <dgm:sp3d/>
+    <dgm:txPr/>
+    <dgm:style>
+      <a:lnRef idx="2">
+        <a:scrgbClr r="0" g="0" b="0"/>
+      </a:lnRef>
+      <a:fillRef idx="1">
+        <a:scrgbClr r="0" g="0" b="0"/>
+      </a:fillRef>
+      <a:effectRef idx="0">
+        <a:scrgbClr r="0" g="0" b="0"/>
+      </a:effectRef>
+      <a:fontRef idx="minor"/>
+    </dgm:style>
+  </dgm:styleLbl>
+  <dgm:styleLbl name="solidBgAcc1">
+    <dgm:scene3d>
+      <a:camera prst="orthographicFront"/>
+      <a:lightRig rig="threePt" dir="t"/>
+    </dgm:scene3d>
+    <dgm:sp3d/>
+    <dgm:txPr/>
+    <dgm:style>
+      <a:lnRef idx="2">
+        <a:scrgbClr r="0" g="0" b="0"/>
+      </a:lnRef>
+      <a:fillRef idx="1">
+        <a:scrgbClr r="0" g="0" b="0"/>
+      </a:fillRef>
+      <a:effectRef idx="0">
+        <a:scrgbClr r="0" g="0" b="0"/>
+      </a:effectRef>
+      <a:fontRef idx="minor"/>
+    </dgm:style>
+  </dgm:styleLbl>
+  <dgm:styleLbl name="fgAccFollowNode1">
+    <dgm:scene3d>
+      <a:camera prst="orthographicFront"/>
+      <a:lightRig rig="threePt" dir="t"/>
+    </dgm:scene3d>
+    <dgm:sp3d/>
+    <dgm:txPr/>
+    <dgm:style>
+      <a:lnRef idx="2">
+        <a:scrgbClr r="0" g="0" b="0"/>
+      </a:lnRef>
+      <a:fillRef idx="1">
+        <a:scrgbClr r="0" g="0" b="0"/>
+      </a:fillRef>
+      <a:effectRef idx="0">
+        <a:scrgbClr r="0" g="0" b="0"/>
+      </a:effectRef>
+      <a:fontRef idx="minor"/>
+    </dgm:style>
+  </dgm:styleLbl>
+  <dgm:styleLbl name="alignAccFollowNode1">
+    <dgm:scene3d>
+      <a:camera prst="orthographicFront"/>
+      <a:lightRig rig="threePt" dir="t"/>
+    </dgm:scene3d>
+    <dgm:sp3d/>
+    <dgm:txPr/>
+    <dgm:style>
+      <a:lnRef idx="2">
+        <a:scrgbClr r="0" g="0" b="0"/>
+      </a:lnRef>
+      <a:fillRef idx="1">
+        <a:scrgbClr r="0" g="0" b="0"/>
+      </a:fillRef>
+      <a:effectRef idx="0">
+        <a:scrgbClr r="0" g="0" b="0"/>
+      </a:effectRef>
+      <a:fontRef idx="minor"/>
+    </dgm:style>
+  </dgm:styleLbl>
+  <dgm:styleLbl name="bgAccFollowNode1">
+    <dgm:scene3d>
+      <a:camera prst="orthographicFront"/>
+      <a:lightRig rig="threePt" dir="t"/>
+    </dgm:scene3d>
+    <dgm:sp3d/>
+    <dgm:txPr/>
+    <dgm:style>
+      <a:lnRef idx="2">
+        <a:scrgbClr r="0" g="0" b="0"/>
+      </a:lnRef>
+      <a:fillRef idx="1">
+        <a:scrgbClr r="0" g="0" b="0"/>
+      </a:fillRef>
+      <a:effectRef idx="0">
+        <a:scrgbClr r="0" g="0" b="0"/>
+      </a:effectRef>
+      <a:fontRef idx="minor"/>
+    </dgm:style>
+  </dgm:styleLbl>
+  <dgm:styleLbl name="fgAcc0">
+    <dgm:scene3d>
+      <a:camera prst="orthographicFront"/>
+      <a:lightRig rig="threePt" dir="t"/>
+    </dgm:scene3d>
+    <dgm:sp3d/>
+    <dgm:txPr/>
+    <dgm:style>
+      <a:lnRef idx="2">
+        <a:scrgbClr r="0" g="0" b="0"/>
+      </a:lnRef>
+      <a:fillRef idx="1">
+        <a:scrgbClr r="0" g="0" b="0"/>
+      </a:fillRef>
+      <a:effectRef idx="0">
+        <a:scrgbClr r="0" g="0" b="0"/>
+      </a:effectRef>
+      <a:fontRef idx="minor"/>
+    </dgm:style>
+  </dgm:styleLbl>
+  <dgm:styleLbl name="fgAcc2">
+    <dgm:scene3d>
+      <a:camera prst="orthographicFront"/>
+      <a:lightRig rig="threePt" dir="t"/>
+    </dgm:scene3d>
+    <dgm:sp3d/>
+    <dgm:txPr/>
+    <dgm:style>
+      <a:lnRef idx="2">
+        <a:scrgbClr r="0" g="0" b="0"/>
+      </a:lnRef>
+      <a:fillRef idx="1">
+        <a:scrgbClr r="0" g="0" b="0"/>
+      </a:fillRef>
+      <a:effectRef idx="0">
+        <a:scrgbClr r="0" g="0" b="0"/>
+      </a:effectRef>
+      <a:fontRef idx="minor"/>
+    </dgm:style>
+  </dgm:styleLbl>
+  <dgm:styleLbl name="fgAcc3">
+    <dgm:scene3d>
+      <a:camera prst="orthographicFront"/>
+      <a:lightRig rig="threePt" dir="t"/>
+    </dgm:scene3d>
+    <dgm:sp3d/>
+    <dgm:txPr/>
+    <dgm:style>
+      <a:lnRef idx="2">
+        <a:scrgbClr r="0" g="0" b="0"/>
+      </a:lnRef>
+      <a:fillRef idx="1">
+        <a:scrgbClr r="0" g="0" b="0"/>
+      </a:fillRef>
+      <a:effectRef idx="0">
+        <a:scrgbClr r="0" g="0" b="0"/>
+      </a:effectRef>
+      <a:fontRef idx="minor"/>
+    </dgm:style>
+  </dgm:styleLbl>
+  <dgm:styleLbl name="fgAcc4">
+    <dgm:scene3d>
+      <a:camera prst="orthographicFront"/>
+      <a:lightRig rig="threePt" dir="t"/>
+    </dgm:scene3d>
+    <dgm:sp3d/>
+    <dgm:txPr/>
+    <dgm:style>
+      <a:lnRef idx="2">
+        <a:scrgbClr r="0" g="0" b="0"/>
+      </a:lnRef>
+      <a:fillRef idx="1">
+        <a:scrgbClr r="0" g="0" b="0"/>
+      </a:fillRef>
+      <a:effectRef idx="0">
+        <a:scrgbClr r="0" g="0" b="0"/>
+      </a:effectRef>
+      <a:fontRef idx="minor"/>
+    </dgm:style>
+  </dgm:styleLbl>
+  <dgm:styleLbl name="bgShp">
+    <dgm:scene3d>
+      <a:camera prst="orthographicFront"/>
+      <a:lightRig rig="threePt" dir="t"/>
+    </dgm:scene3d>
+    <dgm:sp3d/>
+    <dgm:txPr/>
+    <dgm:style>
+      <a:lnRef idx="0">
+        <a:scrgbClr r="0" g="0" b="0"/>
+      </a:lnRef>
+      <a:fillRef idx="1">
+        <a:scrgbClr r="0" g="0" b="0"/>
+      </a:fillRef>
+      <a:effectRef idx="0">
+        <a:scrgbClr r="0" g="0" b="0"/>
+      </a:effectRef>
+      <a:fontRef idx="minor"/>
+    </dgm:style>
+  </dgm:styleLbl>
+  <dgm:styleLbl name="dkBgShp">
+    <dgm:scene3d>
+      <a:camera prst="orthographicFront"/>
+      <a:lightRig rig="threePt" dir="t"/>
+    </dgm:scene3d>
+    <dgm:sp3d/>
+    <dgm:txPr/>
+    <dgm:style>
+      <a:lnRef idx="0">
+        <a:scrgbClr r="0" g="0" b="0"/>
+      </a:lnRef>
+      <a:fillRef idx="1">
+        <a:scrgbClr r="0" g="0" b="0"/>
+      </a:fillRef>
+      <a:effectRef idx="0">
+        <a:scrgbClr r="0" g="0" b="0"/>
+      </a:effectRef>
+      <a:fontRef idx="minor"/>
+    </dgm:style>
+  </dgm:styleLbl>
+  <dgm:styleLbl name="trBgShp">
+    <dgm:scene3d>
+      <a:camera prst="orthographicFront"/>
+      <a:lightRig rig="threePt" dir="t"/>
+    </dgm:scene3d>
+    <dgm:sp3d/>
+    <dgm:txPr/>
+    <dgm:style>
+      <a:lnRef idx="0">
+        <a:scrgbClr r="0" g="0" b="0"/>
+      </a:lnRef>
+      <a:fillRef idx="1">
+        <a:scrgbClr r="0" g="0" b="0"/>
+      </a:fillRef>
+      <a:effectRef idx="0">
+        <a:scrgbClr r="0" g="0" b="0"/>
+      </a:effectRef>
+      <a:fontRef idx="minor"/>
+    </dgm:style>
+  </dgm:styleLbl>
+  <dgm:styleLbl name="fgShp">
+    <dgm:scene3d>
+      <a:camera prst="orthographicFront"/>
+      <a:lightRig rig="threePt" dir="t"/>
+    </dgm:scene3d>
+    <dgm:sp3d/>
+    <dgm:txPr/>
+    <dgm:style>
+      <a:lnRef idx="2">
+        <a:scrgbClr r="0" g="0" b="0"/>
+      </a:lnRef>
+      <a:fillRef idx="1">
+        <a:scrgbClr r="0" g="0" b="0"/>
+      </a:fillRef>
+      <a:effectRef idx="0">
+        <a:scrgbClr r="0" g="0" b="0"/>
+      </a:effectRef>
+      <a:fontRef idx="minor"/>
+    </dgm:style>
+  </dgm:styleLbl>
+  <dgm:styleLbl name="revTx">
+    <dgm:scene3d>
+      <a:camera prst="orthographicFront"/>
+      <a:lightRig rig="threePt" dir="t"/>
+    </dgm:scene3d>
+    <dgm:sp3d/>
+    <dgm:txPr/>
+    <dgm:style>
+      <a:lnRef idx="0">
+        <a:scrgbClr r="0" g="0" b="0"/>
+      </a:lnRef>
+      <a:fillRef idx="0">
+        <a:scrgbClr r="0" g="0" b="0"/>
+      </a:fillRef>
+      <a:effectRef idx="0">
+        <a:scrgbClr r="0" g="0" b="0"/>
+      </a:effectRef>
+      <a:fontRef idx="minor"/>
+    </dgm:style>
+  </dgm:styleLbl>
+</dgm:styleDef>
+</file>
+
+<file path=ppt/diagrams/quickStyle6.xml><?xml version="1.0" encoding="utf-8"?>
 <dgm:styleDef xmlns:dgm="http://schemas.openxmlformats.org/drawingml/2006/diagram" xmlns:a="http://schemas.openxmlformats.org/drawingml/2006/main" uniqueId="urn:microsoft.com/office/officeart/2005/8/quickstyle/simple1">
   <dgm:title val=""/>
   <dgm:desc val=""/>
@@ -23698,12 +30119,6 @@
           <a:bodyPr/>
           <a:lstStyle/>
           <a:p>
-            <a:r>
-              <a:rPr lang="hr-HR" noProof="0" dirty="0"/>
-              <a:t>Funkcionalnost</a:t>
-            </a:r>
-          </a:p>
-          <a:p>
             <a:endParaRPr lang="hr-HR" noProof="0" dirty="0"/>
           </a:p>
         </p:txBody>
@@ -24141,7 +30556,7 @@
             </a:pPr>
             <a:r>
               <a:rPr lang="hr-HR" noProof="0" dirty="0"/>
-              <a:t>Popis programskih jezika i radnih okvira</a:t>
+              <a:t>Popis korištenih tehnologija</a:t>
             </a:r>
           </a:p>
           <a:p>
@@ -24217,6 +30632,26 @@
               <a:rPr lang="hr-HR" dirty="0" err="1"/>
               <a:t>Dotnet</a:t>
             </a:r>
+            <a:endParaRPr lang="hr-HR" dirty="0"/>
+          </a:p>
+          <a:p>
+            <a:pPr lvl="1">
+              <a:lnSpc>
+                <a:spcPct val="90000"/>
+              </a:lnSpc>
+            </a:pPr>
+            <a:r>
+              <a:rPr lang="hr-HR" noProof="0" dirty="0" err="1"/>
+              <a:t>Postman</a:t>
+            </a:r>
+            <a:endParaRPr lang="hr-HR" noProof="0" dirty="0"/>
+          </a:p>
+          <a:p>
+            <a:pPr lvl="1">
+              <a:lnSpc>
+                <a:spcPct val="90000"/>
+              </a:lnSpc>
+            </a:pPr>
             <a:endParaRPr lang="hr-HR" noProof="0" dirty="0"/>
           </a:p>
           <a:p>
@@ -24235,7 +30670,7 @@
               </a:lnSpc>
             </a:pPr>
             <a:r>
-              <a:rPr lang="hr-HR" noProof="0"/>
+              <a:rPr lang="hr-HR" noProof="0" dirty="0"/>
               <a:t>Aplikacija, </a:t>
             </a:r>
             <a:r>
@@ -24321,6 +30756,14 @@
 <file path=ppt/slides/slide12.xml><?xml version="1.0" encoding="utf-8"?>
 <p:sld xmlns:a="http://schemas.openxmlformats.org/drawingml/2006/main" xmlns:r="http://schemas.openxmlformats.org/officeDocument/2006/relationships" xmlns:p="http://schemas.openxmlformats.org/presentationml/2006/main">
   <p:cSld>
+    <p:bg>
+      <p:bgPr>
+        <a:solidFill>
+          <a:schemeClr val="bg1"/>
+        </a:solidFill>
+        <a:effectLst/>
+      </p:bgPr>
+    </p:bg>
     <p:spTree>
       <p:nvGrpSpPr>
         <p:cNvPr id="1" name=""/>
@@ -24345,103 +30788,22 @@
             <p:ph type="title"/>
           </p:nvPr>
         </p:nvSpPr>
-        <p:spPr/>
+        <p:spPr>
+          <a:xfrm>
+            <a:off x="435894" y="702156"/>
+            <a:ext cx="8272212" cy="1188720"/>
+          </a:xfrm>
+        </p:spPr>
         <p:txBody>
-          <a:bodyPr/>
+          <a:bodyPr>
+            <a:normAutofit/>
+          </a:bodyPr>
           <a:lstStyle/>
           <a:p>
             <a:r>
               <a:rPr lang="hr-HR" noProof="0" dirty="0"/>
               <a:t>Organizacija rada</a:t>
             </a:r>
-          </a:p>
-        </p:txBody>
-      </p:sp>
-      <p:sp>
-        <p:nvSpPr>
-          <p:cNvPr id="3" name="Content Placeholder 2"/>
-          <p:cNvSpPr>
-            <a:spLocks noGrp="1"/>
-          </p:cNvSpPr>
-          <p:nvPr>
-            <p:ph idx="1"/>
-          </p:nvPr>
-        </p:nvSpPr>
-        <p:spPr/>
-        <p:txBody>
-          <a:bodyPr>
-            <a:normAutofit lnSpcReduction="10000"/>
-          </a:bodyPr>
-          <a:lstStyle/>
-          <a:p>
-            <a:r>
-              <a:rPr lang="hr-HR" noProof="0" dirty="0"/>
-              <a:t>Neprogramski (organizacijski) zadaci</a:t>
-            </a:r>
-          </a:p>
-          <a:p>
-            <a:pPr lvl="1"/>
-            <a:r>
-              <a:rPr lang="hr-HR" noProof="0" dirty="0"/>
-              <a:t>Organizacija komunikacije (korištene platforme/SW ....)</a:t>
-            </a:r>
-          </a:p>
-          <a:p>
-            <a:pPr lvl="1"/>
-            <a:r>
-              <a:rPr lang="hr-HR" noProof="0" dirty="0"/>
-              <a:t>GitHub iskustvo</a:t>
-            </a:r>
-          </a:p>
-          <a:p>
-            <a:pPr lvl="1"/>
-            <a:endParaRPr lang="hr-HR" noProof="0" dirty="0"/>
-          </a:p>
-          <a:p>
-            <a:pPr lvl="1"/>
-            <a:r>
-              <a:rPr lang="hr-HR" noProof="0" dirty="0"/>
-              <a:t>Primijenjeni model životnog ciklusa</a:t>
-            </a:r>
-          </a:p>
-          <a:p>
-            <a:pPr lvl="1"/>
-            <a:r>
-              <a:rPr lang="hr-HR" noProof="0" dirty="0"/>
-              <a:t>ad-hoc, vodopadni,….</a:t>
-            </a:r>
-          </a:p>
-          <a:p>
-            <a:r>
-              <a:rPr lang="hr-HR" noProof="0" dirty="0"/>
-              <a:t>Tablica raščlambe zadataka članova s procijenjenim naporom u satima (jedan slajd)</a:t>
-            </a:r>
-          </a:p>
-          <a:p>
-            <a:pPr lvl="1"/>
-            <a:r>
-              <a:rPr lang="hr-HR" i="1" noProof="0" dirty="0"/>
-              <a:t>U usmenom izlaganju samo diskutirajte o glavnim problemima rasporeda i svom iskustvu za njihovo rješavanje (npr. preuzimanje zadataka drugih članova ...)</a:t>
-            </a:r>
-          </a:p>
-          <a:p>
-            <a:r>
-              <a:rPr lang="hr-HR" noProof="0" dirty="0"/>
-              <a:t>Vremenski okvir razvoja (specifikacija, implementacija, testiranje, dokumentacija)</a:t>
-            </a:r>
-          </a:p>
-          <a:p>
-            <a:pPr lvl="1"/>
-            <a:r>
-              <a:rPr lang="hr-HR" noProof="0" dirty="0"/>
-              <a:t>Poželjan grafički prikaz</a:t>
-            </a:r>
-          </a:p>
-          <a:p>
-            <a:pPr marL="457200" lvl="1" indent="0">
-              <a:buNone/>
-            </a:pPr>
-            <a:endParaRPr lang="hr-HR" noProof="0" dirty="0"/>
           </a:p>
         </p:txBody>
       </p:sp>
@@ -24455,19 +30817,67 @@
             <p:ph type="sldNum" sz="quarter" idx="12"/>
           </p:nvPr>
         </p:nvSpPr>
-        <p:spPr/>
+        <p:spPr>
+          <a:xfrm>
+            <a:off x="7918725" y="6423914"/>
+            <a:ext cx="789382" cy="365125"/>
+          </a:xfrm>
+        </p:spPr>
         <p:txBody>
-          <a:bodyPr/>
+          <a:bodyPr>
+            <a:normAutofit/>
+          </a:bodyPr>
           <a:lstStyle/>
           <a:p>
+            <a:pPr>
+              <a:spcAft>
+                <a:spcPts val="600"/>
+              </a:spcAft>
+            </a:pPr>
             <a:fld id="{FAA41844-C0CA-4144-9D6C-D993F0C0FAB4}" type="slidenum">
               <a:rPr lang="hr-HR" smtClean="0"/>
+              <a:pPr>
+                <a:spcAft>
+                  <a:spcPts val="600"/>
+                </a:spcAft>
+              </a:pPr>
               <a:t>12</a:t>
             </a:fld>
-            <a:endParaRPr lang="hr-HR" dirty="0"/>
+            <a:endParaRPr lang="hr-HR"/>
           </a:p>
         </p:txBody>
       </p:sp>
+      <p:graphicFrame>
+        <p:nvGraphicFramePr>
+          <p:cNvPr id="6" name="Content Placeholder 2">
+            <a:extLst>
+              <a:ext uri="{FF2B5EF4-FFF2-40B4-BE49-F238E27FC236}">
+                <a16:creationId xmlns:a16="http://schemas.microsoft.com/office/drawing/2014/main" id="{BAA75326-232F-9529-E625-A1625ADDD362}"/>
+              </a:ext>
+            </a:extLst>
+          </p:cNvPr>
+          <p:cNvGraphicFramePr>
+            <a:graphicFrameLocks noGrp="1"/>
+          </p:cNvGraphicFramePr>
+          <p:nvPr>
+            <p:ph idx="1"/>
+            <p:extLst>
+              <p:ext uri="{D42A27DB-BD31-4B8C-83A1-F6EECF244321}">
+                <p14:modId xmlns:p14="http://schemas.microsoft.com/office/powerpoint/2010/main" val="1556438447"/>
+              </p:ext>
+            </p:extLst>
+          </p:nvPr>
+        </p:nvGraphicFramePr>
+        <p:xfrm>
+          <a:off x="435768" y="2341563"/>
+          <a:ext cx="8272463" cy="3814281"/>
+        </p:xfrm>
+        <a:graphic>
+          <a:graphicData uri="http://schemas.openxmlformats.org/drawingml/2006/diagram">
+            <dgm:relIds xmlns:dgm="http://schemas.openxmlformats.org/drawingml/2006/diagram" xmlns:r="http://schemas.openxmlformats.org/officeDocument/2006/relationships" r:dm="rId2" r:lo="rId3" r:qs="rId4" r:cs="rId5"/>
+          </a:graphicData>
+        </a:graphic>
+      </p:graphicFrame>
     </p:spTree>
     <p:extLst>
       <p:ext uri="{BB962C8B-B14F-4D97-AF65-F5344CB8AC3E}">
@@ -24552,6 +30962,46 @@
               <a:t>(Sada otvori prozor s aplikacijom.)</a:t>
             </a:r>
           </a:p>
+          <a:p>
+            <a:r>
+              <a:rPr lang="hr-HR" dirty="0">
+                <a:hlinkClick r:id="rId2"/>
+              </a:rPr>
+              <a:t>ana@gmail.com</a:t>
+            </a:r>
+            <a:r>
+              <a:rPr lang="hr-HR" dirty="0"/>
+              <a:t> : </a:t>
+            </a:r>
+            <a:r>
+              <a:rPr lang="hr-HR" b="0" i="0" dirty="0">
+                <a:effectLst/>
+                <a:latin typeface="gg sans"/>
+              </a:rPr>
+              <a:t>lozinka123</a:t>
+            </a:r>
+          </a:p>
+          <a:p>
+            <a:r>
+              <a:rPr lang="hr-HR" b="0" i="0" dirty="0">
+                <a:effectLst/>
+                <a:latin typeface="gg sans"/>
+                <a:hlinkClick r:id="rId3"/>
+              </a:rPr>
+              <a:t>mirko@gmail.com</a:t>
+            </a:r>
+            <a:r>
+              <a:rPr lang="hr-HR" b="0" i="0" dirty="0">
+                <a:effectLst/>
+                <a:latin typeface="gg sans"/>
+              </a:rPr>
+              <a:t> : lozinka0</a:t>
+            </a:r>
+            <a:endParaRPr lang="hr-HR" dirty="0"/>
+          </a:p>
+          <a:p>
+            <a:endParaRPr lang="hr-HR" dirty="0"/>
+          </a:p>
         </p:txBody>
       </p:sp>
       <p:sp>
@@ -24615,152 +31065,6 @@
       </p:grpSpPr>
       <p:sp>
         <p:nvSpPr>
-          <p:cNvPr id="2" name="Naslov 1">
-            <a:extLst>
-              <a:ext uri="{FF2B5EF4-FFF2-40B4-BE49-F238E27FC236}">
-                <a16:creationId xmlns:a16="http://schemas.microsoft.com/office/drawing/2014/main" id="{06A32E8F-68E1-19C1-2ED0-48895D6D4649}"/>
-              </a:ext>
-            </a:extLst>
-          </p:cNvPr>
-          <p:cNvSpPr>
-            <a:spLocks noGrp="1"/>
-          </p:cNvSpPr>
-          <p:nvPr>
-            <p:ph type="title"/>
-          </p:nvPr>
-        </p:nvSpPr>
-        <p:spPr/>
-        <p:txBody>
-          <a:bodyPr/>
-          <a:lstStyle/>
-          <a:p>
-            <a:r>
-              <a:rPr lang="hr-HR" dirty="0"/>
-              <a:t>Ništa posebno</a:t>
-            </a:r>
-          </a:p>
-        </p:txBody>
-      </p:sp>
-      <p:sp>
-        <p:nvSpPr>
-          <p:cNvPr id="3" name="Rezervirano mjesto sadržaja 2">
-            <a:extLst>
-              <a:ext uri="{FF2B5EF4-FFF2-40B4-BE49-F238E27FC236}">
-                <a16:creationId xmlns:a16="http://schemas.microsoft.com/office/drawing/2014/main" id="{BE9EB154-DFB2-287B-E162-FB2A0DA0BD0B}"/>
-              </a:ext>
-            </a:extLst>
-          </p:cNvPr>
-          <p:cNvSpPr>
-            <a:spLocks noGrp="1"/>
-          </p:cNvSpPr>
-          <p:nvPr>
-            <p:ph idx="1"/>
-          </p:nvPr>
-        </p:nvSpPr>
-        <p:spPr/>
-        <p:txBody>
-          <a:bodyPr/>
-          <a:lstStyle/>
-          <a:p>
-            <a:r>
-              <a:rPr lang="hr-HR" dirty="0">
-                <a:hlinkClick r:id="rId2"/>
-              </a:rPr>
-              <a:t>ana@gmail.com</a:t>
-            </a:r>
-            <a:r>
-              <a:rPr lang="hr-HR" dirty="0"/>
-              <a:t> : </a:t>
-            </a:r>
-            <a:r>
-              <a:rPr lang="hr-HR" b="0" i="0" dirty="0">
-                <a:effectLst/>
-                <a:latin typeface="gg sans"/>
-              </a:rPr>
-              <a:t>lozinka123</a:t>
-            </a:r>
-          </a:p>
-          <a:p>
-            <a:r>
-              <a:rPr lang="hr-HR" b="0" i="0" dirty="0">
-                <a:effectLst/>
-                <a:latin typeface="gg sans"/>
-                <a:hlinkClick r:id="rId3"/>
-              </a:rPr>
-              <a:t>mirko@gmail.com</a:t>
-            </a:r>
-            <a:r>
-              <a:rPr lang="hr-HR" b="0" i="0" dirty="0">
-                <a:effectLst/>
-                <a:latin typeface="gg sans"/>
-              </a:rPr>
-              <a:t> : lozinka0</a:t>
-            </a:r>
-            <a:endParaRPr lang="hr-HR" dirty="0"/>
-          </a:p>
-        </p:txBody>
-      </p:sp>
-      <p:sp>
-        <p:nvSpPr>
-          <p:cNvPr id="4" name="Rezervirano mjesto broja slajda 3">
-            <a:extLst>
-              <a:ext uri="{FF2B5EF4-FFF2-40B4-BE49-F238E27FC236}">
-                <a16:creationId xmlns:a16="http://schemas.microsoft.com/office/drawing/2014/main" id="{9E689A69-999D-4983-27EA-9DBFA664A44B}"/>
-              </a:ext>
-            </a:extLst>
-          </p:cNvPr>
-          <p:cNvSpPr>
-            <a:spLocks noGrp="1"/>
-          </p:cNvSpPr>
-          <p:nvPr>
-            <p:ph type="sldNum" sz="quarter" idx="12"/>
-          </p:nvPr>
-        </p:nvSpPr>
-        <p:spPr/>
-        <p:txBody>
-          <a:bodyPr/>
-          <a:lstStyle/>
-          <a:p>
-            <a:fld id="{FAA41844-C0CA-4144-9D6C-D993F0C0FAB4}" type="slidenum">
-              <a:rPr lang="hr-HR" smtClean="0"/>
-              <a:t>14</a:t>
-            </a:fld>
-            <a:endParaRPr lang="hr-HR"/>
-          </a:p>
-        </p:txBody>
-      </p:sp>
-    </p:spTree>
-    <p:extLst>
-      <p:ext uri="{BB962C8B-B14F-4D97-AF65-F5344CB8AC3E}">
-        <p14:creationId xmlns:p14="http://schemas.microsoft.com/office/powerpoint/2010/main" val="1159648634"/>
-      </p:ext>
-    </p:extLst>
-  </p:cSld>
-  <p:clrMapOvr>
-    <a:masterClrMapping/>
-  </p:clrMapOvr>
-</p:sld>
-</file>
-
-<file path=ppt/slides/slide15.xml><?xml version="1.0" encoding="utf-8"?>
-<p:sld xmlns:a="http://schemas.openxmlformats.org/drawingml/2006/main" xmlns:r="http://schemas.openxmlformats.org/officeDocument/2006/relationships" xmlns:p="http://schemas.openxmlformats.org/presentationml/2006/main">
-  <p:cSld>
-    <p:spTree>
-      <p:nvGrpSpPr>
-        <p:cNvPr id="1" name=""/>
-        <p:cNvGrpSpPr/>
-        <p:nvPr/>
-      </p:nvGrpSpPr>
-      <p:grpSpPr>
-        <a:xfrm>
-          <a:off x="0" y="0"/>
-          <a:ext cx="0" cy="0"/>
-          <a:chOff x="0" y="0"/>
-          <a:chExt cx="0" cy="0"/>
-        </a:xfrm>
-      </p:grpSpPr>
-      <p:sp>
-        <p:nvSpPr>
           <p:cNvPr id="2" name="Title 1"/>
           <p:cNvSpPr>
             <a:spLocks noGrp="1"/>
@@ -24793,7 +31097,9 @@
         </p:nvSpPr>
         <p:spPr/>
         <p:txBody>
-          <a:bodyPr/>
+          <a:bodyPr>
+            <a:normAutofit/>
+          </a:bodyPr>
           <a:lstStyle/>
           <a:p>
             <a:r>
@@ -24823,6 +31129,33 @@
           </a:p>
           <a:p>
             <a:pPr lvl="1"/>
+            <a:r>
+              <a:rPr lang="hr-HR" dirty="0">
+                <a:sym typeface="Wingdings" panose="05000000000000000000" pitchFamily="2" charset="2"/>
+              </a:rPr>
+              <a:t>Komunikacija za zadatke ovisne o drugoj grupi</a:t>
+            </a:r>
+          </a:p>
+          <a:p>
+            <a:pPr lvl="1"/>
+            <a:endParaRPr lang="hr-HR" noProof="0" dirty="0">
+              <a:sym typeface="Wingdings" panose="05000000000000000000" pitchFamily="2" charset="2"/>
+            </a:endParaRPr>
+          </a:p>
+          <a:p>
+            <a:pPr lvl="1"/>
+            <a:endParaRPr lang="hr-HR" noProof="0" dirty="0">
+              <a:sym typeface="Wingdings" panose="05000000000000000000" pitchFamily="2" charset="2"/>
+            </a:endParaRPr>
+          </a:p>
+          <a:p>
+            <a:pPr lvl="1"/>
+            <a:endParaRPr lang="hr-HR" sz="1400" noProof="0" dirty="0">
+              <a:sym typeface="Wingdings" panose="05000000000000000000" pitchFamily="2" charset="2"/>
+            </a:endParaRPr>
+          </a:p>
+          <a:p>
+            <a:pPr lvl="1"/>
             <a:endParaRPr lang="hr-HR" noProof="0" dirty="0">
               <a:sym typeface="Wingdings" panose="05000000000000000000" pitchFamily="2" charset="2"/>
             </a:endParaRPr>
@@ -24849,7 +31182,7 @@
           <a:p>
             <a:fld id="{FAA41844-C0CA-4144-9D6C-D993F0C0FAB4}" type="slidenum">
               <a:rPr lang="hr-HR" smtClean="0"/>
-              <a:t>15</a:t>
+              <a:t>14</a:t>
             </a:fld>
             <a:endParaRPr lang="hr-HR" dirty="0"/>
           </a:p>
@@ -24868,7 +31201,7 @@
 </p:sld>
 </file>
 
-<file path=ppt/slides/slide16.xml><?xml version="1.0" encoding="utf-8"?>
+<file path=ppt/slides/slide15.xml><?xml version="1.0" encoding="utf-8"?>
 <p:sld xmlns:a="http://schemas.openxmlformats.org/drawingml/2006/main" xmlns:r="http://schemas.openxmlformats.org/officeDocument/2006/relationships" xmlns:p="http://schemas.openxmlformats.org/presentationml/2006/main">
   <p:cSld>
     <p:spTree>
@@ -25006,7 +31339,7 @@
           <a:p>
             <a:fld id="{FAA41844-C0CA-4144-9D6C-D993F0C0FAB4}" type="slidenum">
               <a:rPr lang="hr-HR" smtClean="0"/>
-              <a:t>16</a:t>
+              <a:t>15</a:t>
             </a:fld>
             <a:endParaRPr lang="hr-HR" dirty="0"/>
           </a:p>
@@ -25135,18 +31468,48 @@
             <p:ph idx="1"/>
             <p:extLst>
               <p:ext uri="{D42A27DB-BD31-4B8C-83A1-F6EECF244321}">
-                <p14:modId xmlns:p14="http://schemas.microsoft.com/office/powerpoint/2010/main" val="1791321831"/>
+                <p14:modId xmlns:p14="http://schemas.microsoft.com/office/powerpoint/2010/main" val="188486910"/>
               </p:ext>
             </p:extLst>
           </p:nvPr>
         </p:nvGraphicFramePr>
         <p:xfrm>
           <a:off x="435768" y="2341563"/>
+          <a:ext cx="8272463" cy="4306125"/>
+        </p:xfrm>
+        <a:graphic>
+          <a:graphicData uri="http://schemas.openxmlformats.org/drawingml/2006/diagram">
+            <dgm:relIds xmlns:dgm="http://schemas.openxmlformats.org/drawingml/2006/diagram" xmlns:r="http://schemas.openxmlformats.org/officeDocument/2006/relationships" r:dm="rId2" r:lo="rId3" r:qs="rId4" r:cs="rId5"/>
+          </a:graphicData>
+        </a:graphic>
+      </p:graphicFrame>
+      <p:graphicFrame>
+        <p:nvGraphicFramePr>
+          <p:cNvPr id="8" name="Content Placeholder 9">
+            <a:extLst>
+              <a:ext uri="{FF2B5EF4-FFF2-40B4-BE49-F238E27FC236}">
+                <a16:creationId xmlns:a16="http://schemas.microsoft.com/office/drawing/2014/main" id="{4254AD6C-F6FA-5249-16E8-18513502748F}"/>
+              </a:ext>
+            </a:extLst>
+          </p:cNvPr>
+          <p:cNvGraphicFramePr>
+            <a:graphicFrameLocks/>
+          </p:cNvGraphicFramePr>
+          <p:nvPr>
+            <p:extLst>
+              <p:ext uri="{D42A27DB-BD31-4B8C-83A1-F6EECF244321}">
+                <p14:modId xmlns:p14="http://schemas.microsoft.com/office/powerpoint/2010/main" val="4216579858"/>
+              </p:ext>
+            </p:extLst>
+          </p:nvPr>
+        </p:nvGraphicFramePr>
+        <p:xfrm>
+          <a:off x="4694003" y="2158946"/>
           <a:ext cx="8272463" cy="3814281"/>
         </p:xfrm>
         <a:graphic>
           <a:graphicData uri="http://schemas.openxmlformats.org/drawingml/2006/diagram">
-            <dgm:relIds xmlns:dgm="http://schemas.openxmlformats.org/drawingml/2006/diagram" xmlns:r="http://schemas.openxmlformats.org/officeDocument/2006/relationships" r:dm="rId2" r:lo="rId3" r:qs="rId4" r:cs="rId5"/>
+            <dgm:relIds xmlns:dgm="http://schemas.openxmlformats.org/drawingml/2006/diagram" xmlns:r="http://schemas.openxmlformats.org/officeDocument/2006/relationships" r:dm="rId7" r:lo="rId8" r:qs="rId9" r:cs="rId10"/>
           </a:graphicData>
         </a:graphic>
       </p:graphicFrame>
@@ -25273,7 +31636,7 @@
             <p:ph idx="1"/>
             <p:extLst>
               <p:ext uri="{D42A27DB-BD31-4B8C-83A1-F6EECF244321}">
-                <p14:modId xmlns:p14="http://schemas.microsoft.com/office/powerpoint/2010/main" val="1631457282"/>
+                <p14:modId xmlns:p14="http://schemas.microsoft.com/office/powerpoint/2010/main" val="2958569806"/>
               </p:ext>
             </p:extLst>
           </p:nvPr>
